--- a/Bourbon_Presentation.pptx
+++ b/Bourbon_Presentation.pptx
@@ -6,6 +6,8 @@
   </p:sldMasterIdLst>
   <p:sldIdLst>
     <p:sldId id="256" r:id="rId2"/>
+    <p:sldId id="257" r:id="rId3"/>
+    <p:sldId id="258" r:id="rId4"/>
   </p:sldIdLst>
   <p:sldSz cx="12192000" cy="6858000"/>
   <p:notesSz cx="6858000" cy="9144000"/>
@@ -3465,7 +3467,7 @@
           <a:p>
             <a:r>
               <a:rPr lang="en-US" dirty="0" smtClean="0"/>
-              <a:t>International Demand for Bourbon and it’s Affect on Kentucky</a:t>
+              <a:t>International Demand for Bourbon and it’s Affect on the Kentucky Economy</a:t>
             </a:r>
             <a:endParaRPr lang="en-US" dirty="0"/>
           </a:p>
@@ -3494,6 +3496,163 @@
     <p:extLst>
       <p:ext uri="{BB962C8B-B14F-4D97-AF65-F5344CB8AC3E}">
         <p14:creationId xmlns:p14="http://schemas.microsoft.com/office/powerpoint/2010/main" val="154275815"/>
+      </p:ext>
+    </p:extLst>
+  </p:cSld>
+  <p:clrMapOvr>
+    <a:masterClrMapping/>
+  </p:clrMapOvr>
+</p:sld>
+</file>
+
+<file path=ppt/slides/slide2.xml><?xml version="1.0" encoding="utf-8"?>
+<p:sld xmlns:a="http://schemas.openxmlformats.org/drawingml/2006/main" xmlns:r="http://schemas.openxmlformats.org/officeDocument/2006/relationships" xmlns:p="http://schemas.openxmlformats.org/presentationml/2006/main">
+  <p:cSld>
+    <p:spTree>
+      <p:nvGrpSpPr>
+        <p:cNvPr id="1" name=""/>
+        <p:cNvGrpSpPr/>
+        <p:nvPr/>
+      </p:nvGrpSpPr>
+      <p:grpSpPr>
+        <a:xfrm>
+          <a:off x="0" y="0"/>
+          <a:ext cx="0" cy="0"/>
+          <a:chOff x="0" y="0"/>
+          <a:chExt cx="0" cy="0"/>
+        </a:xfrm>
+      </p:grpSpPr>
+      <p:sp>
+        <p:nvSpPr>
+          <p:cNvPr id="2" name="Title 1"/>
+          <p:cNvSpPr>
+            <a:spLocks noGrp="1"/>
+          </p:cNvSpPr>
+          <p:nvPr>
+            <p:ph type="title"/>
+          </p:nvPr>
+        </p:nvSpPr>
+        <p:spPr/>
+        <p:txBody>
+          <a:bodyPr/>
+          <a:lstStyle/>
+          <a:p>
+            <a:r>
+              <a:rPr lang="en-US" dirty="0" smtClean="0"/>
+              <a:t>Overview</a:t>
+            </a:r>
+            <a:endParaRPr lang="en-US" dirty="0"/>
+          </a:p>
+        </p:txBody>
+      </p:sp>
+      <p:sp>
+        <p:nvSpPr>
+          <p:cNvPr id="3" name="Content Placeholder 2"/>
+          <p:cNvSpPr>
+            <a:spLocks noGrp="1"/>
+          </p:cNvSpPr>
+          <p:nvPr>
+            <p:ph idx="1"/>
+          </p:nvPr>
+        </p:nvSpPr>
+        <p:spPr/>
+        <p:txBody>
+          <a:bodyPr/>
+          <a:lstStyle/>
+          <a:p>
+            <a:r>
+              <a:rPr lang="en-US" dirty="0" smtClean="0"/>
+              <a:t>What I want to do</a:t>
+            </a:r>
+          </a:p>
+          <a:p>
+            <a:endParaRPr lang="en-US" dirty="0"/>
+          </a:p>
+          <a:p>
+            <a:r>
+              <a:rPr lang="en-US" dirty="0" smtClean="0"/>
+              <a:t>What I </a:t>
+            </a:r>
+            <a:r>
+              <a:rPr lang="en-US" smtClean="0"/>
+              <a:t>still need to do</a:t>
+            </a:r>
+            <a:endParaRPr lang="en-US"/>
+          </a:p>
+        </p:txBody>
+      </p:sp>
+    </p:spTree>
+    <p:extLst>
+      <p:ext uri="{BB962C8B-B14F-4D97-AF65-F5344CB8AC3E}">
+        <p14:creationId xmlns:p14="http://schemas.microsoft.com/office/powerpoint/2010/main" val="374585492"/>
+      </p:ext>
+    </p:extLst>
+  </p:cSld>
+  <p:clrMapOvr>
+    <a:masterClrMapping/>
+  </p:clrMapOvr>
+</p:sld>
+</file>
+
+<file path=ppt/slides/slide3.xml><?xml version="1.0" encoding="utf-8"?>
+<p:sld xmlns:a="http://schemas.openxmlformats.org/drawingml/2006/main" xmlns:r="http://schemas.openxmlformats.org/officeDocument/2006/relationships" xmlns:p="http://schemas.openxmlformats.org/presentationml/2006/main">
+  <p:cSld>
+    <p:spTree>
+      <p:nvGrpSpPr>
+        <p:cNvPr id="1" name=""/>
+        <p:cNvGrpSpPr/>
+        <p:nvPr/>
+      </p:nvGrpSpPr>
+      <p:grpSpPr>
+        <a:xfrm>
+          <a:off x="0" y="0"/>
+          <a:ext cx="0" cy="0"/>
+          <a:chOff x="0" y="0"/>
+          <a:chExt cx="0" cy="0"/>
+        </a:xfrm>
+      </p:grpSpPr>
+      <p:sp>
+        <p:nvSpPr>
+          <p:cNvPr id="2" name="Title 1"/>
+          <p:cNvSpPr>
+            <a:spLocks noGrp="1"/>
+          </p:cNvSpPr>
+          <p:nvPr>
+            <p:ph type="title"/>
+          </p:nvPr>
+        </p:nvSpPr>
+        <p:spPr/>
+        <p:txBody>
+          <a:bodyPr/>
+          <a:lstStyle/>
+          <a:p>
+            <a:endParaRPr lang="en-US"/>
+          </a:p>
+        </p:txBody>
+      </p:sp>
+      <p:sp>
+        <p:nvSpPr>
+          <p:cNvPr id="3" name="Content Placeholder 2"/>
+          <p:cNvSpPr>
+            <a:spLocks noGrp="1"/>
+          </p:cNvSpPr>
+          <p:nvPr>
+            <p:ph idx="1"/>
+          </p:nvPr>
+        </p:nvSpPr>
+        <p:spPr/>
+        <p:txBody>
+          <a:bodyPr/>
+          <a:lstStyle/>
+          <a:p>
+            <a:endParaRPr lang="en-US"/>
+          </a:p>
+        </p:txBody>
+      </p:sp>
+    </p:spTree>
+    <p:extLst>
+      <p:ext uri="{BB962C8B-B14F-4D97-AF65-F5344CB8AC3E}">
+        <p14:creationId xmlns:p14="http://schemas.microsoft.com/office/powerpoint/2010/main" val="2834476570"/>
       </p:ext>
     </p:extLst>
   </p:cSld>

--- a/Bourbon_Presentation.pptx
+++ b/Bourbon_Presentation.pptx
@@ -4,10 +4,23 @@
   <p:sldMasterIdLst>
     <p:sldMasterId id="2147483660" r:id="rId1"/>
   </p:sldMasterIdLst>
+  <p:notesMasterIdLst>
+    <p:notesMasterId r:id="rId15"/>
+  </p:notesMasterIdLst>
   <p:sldIdLst>
     <p:sldId id="256" r:id="rId2"/>
     <p:sldId id="257" r:id="rId3"/>
-    <p:sldId id="258" r:id="rId4"/>
+    <p:sldId id="259" r:id="rId4"/>
+    <p:sldId id="260" r:id="rId5"/>
+    <p:sldId id="262" r:id="rId6"/>
+    <p:sldId id="263" r:id="rId7"/>
+    <p:sldId id="264" r:id="rId8"/>
+    <p:sldId id="265" r:id="rId9"/>
+    <p:sldId id="266" r:id="rId10"/>
+    <p:sldId id="267" r:id="rId11"/>
+    <p:sldId id="268" r:id="rId12"/>
+    <p:sldId id="258" r:id="rId13"/>
+    <p:sldId id="261" r:id="rId14"/>
   </p:sldIdLst>
   <p:sldSz cx="12192000" cy="6858000"/>
   <p:notesSz cx="6858000" cy="9144000"/>
@@ -106,7 +119,6879 @@
       </a:defRPr>
     </a:lvl9pPr>
   </p:defaultTextStyle>
+  <p:extLst>
+    <p:ext uri="{EFAFB233-063F-42B5-8137-9DF3F51BA10A}">
+      <p15:sldGuideLst xmlns:p15="http://schemas.microsoft.com/office/powerpoint/2012/main"/>
+    </p:ext>
+  </p:extLst>
 </p:presentation>
+</file>
+
+<file path=ppt/charts/chart1.xml><?xml version="1.0" encoding="utf-8"?>
+<c:chartSpace xmlns:c="http://schemas.openxmlformats.org/drawingml/2006/chart" xmlns:a="http://schemas.openxmlformats.org/drawingml/2006/main" xmlns:r="http://schemas.openxmlformats.org/officeDocument/2006/relationships" xmlns:c16r2="http://schemas.microsoft.com/office/drawing/2015/06/chart">
+  <c:date1904 val="0"/>
+  <c:lang val="en-US"/>
+  <c:roundedCorners val="0"/>
+  <mc:AlternateContent xmlns:mc="http://schemas.openxmlformats.org/markup-compatibility/2006">
+    <mc:Choice xmlns:c14="http://schemas.microsoft.com/office/drawing/2007/8/2/chart" Requires="c14">
+      <c14:style val="102"/>
+    </mc:Choice>
+    <mc:Fallback>
+      <c:style val="2"/>
+    </mc:Fallback>
+  </mc:AlternateContent>
+  <c:chart>
+    <c:title>
+      <c:tx>
+        <c:rich>
+          <a:bodyPr rot="0" spcFirstLastPara="1" vertOverflow="ellipsis" vert="horz" wrap="square" anchor="ctr" anchorCtr="1"/>
+          <a:lstStyle/>
+          <a:p>
+            <a:pPr>
+              <a:defRPr sz="1400" b="1" i="0" u="none" strike="noStrike" kern="1200" cap="all" spc="50" baseline="0">
+                <a:solidFill>
+                  <a:schemeClr val="tx1">
+                    <a:lumMod val="65000"/>
+                    <a:lumOff val="35000"/>
+                  </a:schemeClr>
+                </a:solidFill>
+                <a:latin typeface="+mn-lt"/>
+                <a:ea typeface="+mn-ea"/>
+                <a:cs typeface="+mn-cs"/>
+              </a:defRPr>
+            </a:pPr>
+            <a:r>
+              <a:rPr lang="en-US"/>
+              <a:t>US Exports of Distilled</a:t>
+            </a:r>
+            <a:r>
+              <a:rPr lang="en-US" baseline="0"/>
+              <a:t> spirits</a:t>
+            </a:r>
+            <a:endParaRPr lang="en-US"/>
+          </a:p>
+        </c:rich>
+      </c:tx>
+      <c:overlay val="0"/>
+      <c:spPr>
+        <a:noFill/>
+        <a:ln>
+          <a:noFill/>
+        </a:ln>
+        <a:effectLst/>
+      </c:spPr>
+      <c:txPr>
+        <a:bodyPr rot="0" spcFirstLastPara="1" vertOverflow="ellipsis" vert="horz" wrap="square" anchor="ctr" anchorCtr="1"/>
+        <a:lstStyle/>
+        <a:p>
+          <a:pPr>
+            <a:defRPr sz="1400" b="1" i="0" u="none" strike="noStrike" kern="1200" cap="all" spc="50" baseline="0">
+              <a:solidFill>
+                <a:schemeClr val="tx1">
+                  <a:lumMod val="65000"/>
+                  <a:lumOff val="35000"/>
+                </a:schemeClr>
+              </a:solidFill>
+              <a:latin typeface="+mn-lt"/>
+              <a:ea typeface="+mn-ea"/>
+              <a:cs typeface="+mn-cs"/>
+            </a:defRPr>
+          </a:pPr>
+          <a:endParaRPr lang="en-US"/>
+        </a:p>
+      </c:txPr>
+    </c:title>
+    <c:autoTitleDeleted val="0"/>
+    <c:plotArea>
+      <c:layout/>
+      <c:pieChart>
+        <c:varyColors val="1"/>
+        <c:ser>
+          <c:idx val="0"/>
+          <c:order val="0"/>
+          <c:dPt>
+            <c:idx val="0"/>
+            <c:bubble3D val="0"/>
+            <c:spPr>
+              <a:solidFill>
+                <a:schemeClr val="accent1"/>
+              </a:solidFill>
+              <a:ln>
+                <a:noFill/>
+              </a:ln>
+              <a:effectLst/>
+              <a:scene3d>
+                <a:camera prst="orthographicFront"/>
+                <a:lightRig rig="brightRoom" dir="t"/>
+              </a:scene3d>
+              <a:sp3d prstMaterial="flat">
+                <a:bevelT w="50800" h="101600" prst="angle"/>
+                <a:contourClr>
+                  <a:srgbClr val="000000"/>
+                </a:contourClr>
+              </a:sp3d>
+            </c:spPr>
+            <c:extLst>
+              <c:ext xmlns:c16="http://schemas.microsoft.com/office/drawing/2014/chart" uri="{C3380CC4-5D6E-409C-BE32-E72D297353CC}">
+                <c16:uniqueId val="{00000001-AA7A-4A0C-9E7D-B3CDC8842BD2}"/>
+              </c:ext>
+            </c:extLst>
+          </c:dPt>
+          <c:dPt>
+            <c:idx val="1"/>
+            <c:bubble3D val="0"/>
+            <c:spPr>
+              <a:solidFill>
+                <a:schemeClr val="accent2"/>
+              </a:solidFill>
+              <a:ln>
+                <a:noFill/>
+              </a:ln>
+              <a:effectLst/>
+              <a:scene3d>
+                <a:camera prst="orthographicFront"/>
+                <a:lightRig rig="brightRoom" dir="t"/>
+              </a:scene3d>
+              <a:sp3d prstMaterial="flat">
+                <a:bevelT w="50800" h="101600" prst="angle"/>
+                <a:contourClr>
+                  <a:srgbClr val="000000"/>
+                </a:contourClr>
+              </a:sp3d>
+            </c:spPr>
+            <c:extLst>
+              <c:ext xmlns:c16="http://schemas.microsoft.com/office/drawing/2014/chart" uri="{C3380CC4-5D6E-409C-BE32-E72D297353CC}">
+                <c16:uniqueId val="{00000003-AA7A-4A0C-9E7D-B3CDC8842BD2}"/>
+              </c:ext>
+            </c:extLst>
+          </c:dPt>
+          <c:dLbls>
+            <c:spPr>
+              <a:noFill/>
+              <a:ln>
+                <a:noFill/>
+              </a:ln>
+              <a:effectLst/>
+            </c:spPr>
+            <c:txPr>
+              <a:bodyPr rot="0" spcFirstLastPara="1" vertOverflow="ellipsis" vert="horz" wrap="square" lIns="38100" tIns="19050" rIns="38100" bIns="19050" anchor="ctr" anchorCtr="1">
+                <a:spAutoFit/>
+              </a:bodyPr>
+              <a:lstStyle/>
+              <a:p>
+                <a:pPr>
+                  <a:defRPr sz="2400" b="1" i="0" u="none" strike="noStrike" kern="1200" baseline="0">
+                    <a:solidFill>
+                      <a:schemeClr val="lt1"/>
+                    </a:solidFill>
+                    <a:latin typeface="+mn-lt"/>
+                    <a:ea typeface="+mn-ea"/>
+                    <a:cs typeface="+mn-cs"/>
+                  </a:defRPr>
+                </a:pPr>
+                <a:endParaRPr lang="en-US"/>
+              </a:p>
+            </c:txPr>
+            <c:dLblPos val="inEnd"/>
+            <c:showLegendKey val="0"/>
+            <c:showVal val="0"/>
+            <c:showCatName val="0"/>
+            <c:showSerName val="0"/>
+            <c:showPercent val="1"/>
+            <c:showBubbleSize val="0"/>
+            <c:showLeaderLines val="1"/>
+            <c:leaderLines>
+              <c:spPr>
+                <a:ln w="9525" cap="flat" cmpd="sng" algn="ctr">
+                  <a:solidFill>
+                    <a:schemeClr val="tx1">
+                      <a:lumMod val="35000"/>
+                      <a:lumOff val="65000"/>
+                    </a:schemeClr>
+                  </a:solidFill>
+                  <a:round/>
+                </a:ln>
+                <a:effectLst/>
+              </c:spPr>
+            </c:leaderLines>
+            <c:extLst>
+              <c:ext xmlns:c15="http://schemas.microsoft.com/office/drawing/2012/chart" uri="{CE6537A1-D6FC-4f65-9D91-7224C49458BB}"/>
+            </c:extLst>
+          </c:dLbls>
+          <c:val>
+            <c:numRef>
+              <c:f>Sheet1!$T$5:$T$6</c:f>
+              <c:numCache>
+                <c:formatCode>0.00%</c:formatCode>
+                <c:ptCount val="2"/>
+                <c:pt idx="0" formatCode="0%">
+                  <c:v>0.66</c:v>
+                </c:pt>
+                <c:pt idx="1">
+                  <c:v>0.33999999999999997</c:v>
+                </c:pt>
+              </c:numCache>
+            </c:numRef>
+          </c:val>
+          <c:extLst>
+            <c:ext xmlns:c16="http://schemas.microsoft.com/office/drawing/2014/chart" uri="{C3380CC4-5D6E-409C-BE32-E72D297353CC}">
+              <c16:uniqueId val="{00000004-AA7A-4A0C-9E7D-B3CDC8842BD2}"/>
+            </c:ext>
+          </c:extLst>
+        </c:ser>
+        <c:dLbls>
+          <c:dLblPos val="inEnd"/>
+          <c:showLegendKey val="0"/>
+          <c:showVal val="0"/>
+          <c:showCatName val="0"/>
+          <c:showSerName val="0"/>
+          <c:showPercent val="1"/>
+          <c:showBubbleSize val="0"/>
+          <c:showLeaderLines val="1"/>
+        </c:dLbls>
+        <c:firstSliceAng val="0"/>
+      </c:pieChart>
+      <c:spPr>
+        <a:noFill/>
+        <a:ln>
+          <a:noFill/>
+        </a:ln>
+        <a:effectLst/>
+      </c:spPr>
+    </c:plotArea>
+    <c:plotVisOnly val="1"/>
+    <c:dispBlanksAs val="gap"/>
+    <c:showDLblsOverMax val="0"/>
+  </c:chart>
+  <c:spPr>
+    <a:noFill/>
+    <a:ln>
+      <a:noFill/>
+    </a:ln>
+    <a:effectLst/>
+  </c:spPr>
+  <c:txPr>
+    <a:bodyPr/>
+    <a:lstStyle/>
+    <a:p>
+      <a:pPr>
+        <a:defRPr/>
+      </a:pPr>
+      <a:endParaRPr lang="en-US"/>
+    </a:p>
+  </c:txPr>
+  <c:externalData r:id="rId3">
+    <c:autoUpdate val="0"/>
+  </c:externalData>
+</c:chartSpace>
+</file>
+
+<file path=ppt/charts/chart2.xml><?xml version="1.0" encoding="utf-8"?>
+<c:chartSpace xmlns:c="http://schemas.openxmlformats.org/drawingml/2006/chart" xmlns:a="http://schemas.openxmlformats.org/drawingml/2006/main" xmlns:r="http://schemas.openxmlformats.org/officeDocument/2006/relationships" xmlns:c16r2="http://schemas.microsoft.com/office/drawing/2015/06/chart">
+  <c:date1904 val="0"/>
+  <c:lang val="en-US"/>
+  <c:roundedCorners val="0"/>
+  <mc:AlternateContent xmlns:mc="http://schemas.openxmlformats.org/markup-compatibility/2006">
+    <mc:Choice xmlns:c14="http://schemas.microsoft.com/office/drawing/2007/8/2/chart" Requires="c14">
+      <c14:style val="102"/>
+    </mc:Choice>
+    <mc:Fallback>
+      <c:style val="2"/>
+    </mc:Fallback>
+  </mc:AlternateContent>
+  <c:chart>
+    <c:autoTitleDeleted val="1"/>
+    <c:plotArea>
+      <c:layout/>
+      <c:pieChart>
+        <c:varyColors val="1"/>
+        <c:ser>
+          <c:idx val="0"/>
+          <c:order val="0"/>
+          <c:spPr>
+            <a:solidFill>
+              <a:schemeClr val="accent2"/>
+            </a:solidFill>
+          </c:spPr>
+          <c:dPt>
+            <c:idx val="0"/>
+            <c:bubble3D val="0"/>
+            <c:spPr>
+              <a:solidFill>
+                <a:schemeClr val="bg1">
+                  <a:lumMod val="65000"/>
+                </a:schemeClr>
+              </a:solidFill>
+              <a:ln w="19050">
+                <a:solidFill>
+                  <a:schemeClr val="lt1"/>
+                </a:solidFill>
+              </a:ln>
+              <a:effectLst/>
+            </c:spPr>
+            <c:extLst>
+              <c:ext xmlns:c16="http://schemas.microsoft.com/office/drawing/2014/chart" uri="{C3380CC4-5D6E-409C-BE32-E72D297353CC}">
+                <c16:uniqueId val="{00000001-F878-44EF-90C2-B423E629DFA0}"/>
+              </c:ext>
+            </c:extLst>
+          </c:dPt>
+          <c:dPt>
+            <c:idx val="1"/>
+            <c:bubble3D val="0"/>
+            <c:spPr>
+              <a:solidFill>
+                <a:schemeClr val="accent1"/>
+              </a:solidFill>
+              <a:ln w="19050">
+                <a:solidFill>
+                  <a:schemeClr val="lt1"/>
+                </a:solidFill>
+              </a:ln>
+              <a:effectLst/>
+            </c:spPr>
+            <c:extLst>
+              <c:ext xmlns:c16="http://schemas.microsoft.com/office/drawing/2014/chart" uri="{C3380CC4-5D6E-409C-BE32-E72D297353CC}">
+                <c16:uniqueId val="{00000003-F878-44EF-90C2-B423E629DFA0}"/>
+              </c:ext>
+            </c:extLst>
+          </c:dPt>
+          <c:dPt>
+            <c:idx val="2"/>
+            <c:bubble3D val="0"/>
+            <c:spPr>
+              <a:solidFill>
+                <a:schemeClr val="accent2"/>
+              </a:solidFill>
+              <a:ln w="19050">
+                <a:solidFill>
+                  <a:schemeClr val="lt1"/>
+                </a:solidFill>
+              </a:ln>
+              <a:effectLst/>
+            </c:spPr>
+            <c:extLst>
+              <c:ext xmlns:c16="http://schemas.microsoft.com/office/drawing/2014/chart" uri="{C3380CC4-5D6E-409C-BE32-E72D297353CC}">
+                <c16:uniqueId val="{00000005-F878-44EF-90C2-B423E629DFA0}"/>
+              </c:ext>
+            </c:extLst>
+          </c:dPt>
+          <c:dLbls>
+            <c:dLbl>
+              <c:idx val="0"/>
+              <c:delete val="1"/>
+              <c:extLst>
+                <c:ext xmlns:c15="http://schemas.microsoft.com/office/drawing/2012/chart" uri="{CE6537A1-D6FC-4f65-9D91-7224C49458BB}"/>
+                <c:ext xmlns:c16="http://schemas.microsoft.com/office/drawing/2014/chart" uri="{C3380CC4-5D6E-409C-BE32-E72D297353CC}">
+                  <c16:uniqueId val="{00000001-F878-44EF-90C2-B423E629DFA0}"/>
+                </c:ext>
+              </c:extLst>
+            </c:dLbl>
+            <c:spPr>
+              <a:noFill/>
+              <a:ln>
+                <a:noFill/>
+              </a:ln>
+              <a:effectLst/>
+            </c:spPr>
+            <c:txPr>
+              <a:bodyPr rot="0" spcFirstLastPara="1" vertOverflow="ellipsis" vert="horz" wrap="square" lIns="38100" tIns="19050" rIns="38100" bIns="19050" anchor="ctr" anchorCtr="1">
+                <a:spAutoFit/>
+              </a:bodyPr>
+              <a:lstStyle/>
+              <a:p>
+                <a:pPr>
+                  <a:defRPr sz="1600" b="1" i="0" u="none" strike="noStrike" kern="1200" baseline="0">
+                    <a:solidFill>
+                      <a:schemeClr val="bg1"/>
+                    </a:solidFill>
+                    <a:latin typeface="+mn-lt"/>
+                    <a:ea typeface="+mn-ea"/>
+                    <a:cs typeface="+mn-cs"/>
+                  </a:defRPr>
+                </a:pPr>
+                <a:endParaRPr lang="en-US"/>
+              </a:p>
+            </c:txPr>
+            <c:showLegendKey val="0"/>
+            <c:showVal val="1"/>
+            <c:showCatName val="0"/>
+            <c:showSerName val="0"/>
+            <c:showPercent val="0"/>
+            <c:showBubbleSize val="0"/>
+            <c:showLeaderLines val="1"/>
+            <c:leaderLines>
+              <c:spPr>
+                <a:ln w="9525" cap="flat" cmpd="sng" algn="ctr">
+                  <a:solidFill>
+                    <a:schemeClr val="tx1">
+                      <a:lumMod val="35000"/>
+                      <a:lumOff val="65000"/>
+                    </a:schemeClr>
+                  </a:solidFill>
+                  <a:round/>
+                </a:ln>
+                <a:effectLst/>
+              </c:spPr>
+            </c:leaderLines>
+            <c:extLst>
+              <c:ext xmlns:c15="http://schemas.microsoft.com/office/drawing/2012/chart" uri="{CE6537A1-D6FC-4f65-9D91-7224C49458BB}"/>
+            </c:extLst>
+          </c:dLbls>
+          <c:val>
+            <c:numRef>
+              <c:f>Sheet1!$T$14:$T$16</c:f>
+              <c:numCache>
+                <c:formatCode>0.00%</c:formatCode>
+                <c:ptCount val="3"/>
+                <c:pt idx="0">
+                  <c:v>6.6000000000000003E-2</c:v>
+                </c:pt>
+                <c:pt idx="1">
+                  <c:v>0.59399999999999997</c:v>
+                </c:pt>
+                <c:pt idx="2" formatCode="0%">
+                  <c:v>0.34</c:v>
+                </c:pt>
+              </c:numCache>
+            </c:numRef>
+          </c:val>
+          <c:extLst>
+            <c:ext xmlns:c16="http://schemas.microsoft.com/office/drawing/2014/chart" uri="{C3380CC4-5D6E-409C-BE32-E72D297353CC}">
+              <c16:uniqueId val="{00000006-F878-44EF-90C2-B423E629DFA0}"/>
+            </c:ext>
+          </c:extLst>
+        </c:ser>
+        <c:dLbls>
+          <c:showLegendKey val="0"/>
+          <c:showVal val="0"/>
+          <c:showCatName val="0"/>
+          <c:showSerName val="0"/>
+          <c:showPercent val="0"/>
+          <c:showBubbleSize val="0"/>
+          <c:showLeaderLines val="1"/>
+        </c:dLbls>
+        <c:firstSliceAng val="0"/>
+      </c:pieChart>
+      <c:spPr>
+        <a:noFill/>
+        <a:ln>
+          <a:noFill/>
+        </a:ln>
+        <a:effectLst/>
+      </c:spPr>
+    </c:plotArea>
+    <c:plotVisOnly val="1"/>
+    <c:dispBlanksAs val="gap"/>
+    <c:showDLblsOverMax val="0"/>
+  </c:chart>
+  <c:spPr>
+    <a:noFill/>
+    <a:ln>
+      <a:noFill/>
+    </a:ln>
+    <a:effectLst/>
+  </c:spPr>
+  <c:txPr>
+    <a:bodyPr/>
+    <a:lstStyle/>
+    <a:p>
+      <a:pPr>
+        <a:defRPr/>
+      </a:pPr>
+      <a:endParaRPr lang="en-US"/>
+    </a:p>
+  </c:txPr>
+  <c:externalData r:id="rId3">
+    <c:autoUpdate val="0"/>
+  </c:externalData>
+</c:chartSpace>
+</file>
+
+<file path=ppt/charts/chart3.xml><?xml version="1.0" encoding="utf-8"?>
+<c:chartSpace xmlns:c="http://schemas.openxmlformats.org/drawingml/2006/chart" xmlns:a="http://schemas.openxmlformats.org/drawingml/2006/main" xmlns:r="http://schemas.openxmlformats.org/officeDocument/2006/relationships" xmlns:c16r2="http://schemas.microsoft.com/office/drawing/2015/06/chart">
+  <c:date1904 val="0"/>
+  <c:lang val="en-US"/>
+  <c:roundedCorners val="0"/>
+  <mc:AlternateContent xmlns:mc="http://schemas.openxmlformats.org/markup-compatibility/2006">
+    <mc:Choice xmlns:c14="http://schemas.microsoft.com/office/drawing/2007/8/2/chart" Requires="c14">
+      <c14:style val="102"/>
+    </mc:Choice>
+    <mc:Fallback>
+      <c:style val="2"/>
+    </mc:Fallback>
+  </mc:AlternateContent>
+  <c:chart>
+    <c:title>
+      <c:overlay val="0"/>
+      <c:spPr>
+        <a:noFill/>
+        <a:ln>
+          <a:noFill/>
+        </a:ln>
+        <a:effectLst/>
+      </c:spPr>
+      <c:txPr>
+        <a:bodyPr rot="0" spcFirstLastPara="1" vertOverflow="ellipsis" vert="horz" wrap="square" anchor="ctr" anchorCtr="1"/>
+        <a:lstStyle/>
+        <a:p>
+          <a:pPr>
+            <a:defRPr sz="1400" b="0" i="0" u="none" strike="noStrike" kern="1200" spc="0" baseline="0">
+              <a:solidFill>
+                <a:schemeClr val="tx1">
+                  <a:lumMod val="65000"/>
+                  <a:lumOff val="35000"/>
+                </a:schemeClr>
+              </a:solidFill>
+              <a:latin typeface="+mn-lt"/>
+              <a:ea typeface="+mn-ea"/>
+              <a:cs typeface="+mn-cs"/>
+            </a:defRPr>
+          </a:pPr>
+          <a:endParaRPr lang="en-US"/>
+        </a:p>
+      </c:txPr>
+    </c:title>
+    <c:autoTitleDeleted val="0"/>
+    <c:plotArea>
+      <c:layout/>
+      <c:barChart>
+        <c:barDir val="col"/>
+        <c:grouping val="clustered"/>
+        <c:varyColors val="0"/>
+        <c:ser>
+          <c:idx val="0"/>
+          <c:order val="0"/>
+          <c:tx>
+            <c:strRef>
+              <c:f>Sheet2!$B$1</c:f>
+              <c:strCache>
+                <c:ptCount val="1"/>
+                <c:pt idx="0">
+                  <c:v>Value (USD)</c:v>
+                </c:pt>
+              </c:strCache>
+            </c:strRef>
+          </c:tx>
+          <c:spPr>
+            <a:solidFill>
+              <a:schemeClr val="accent1"/>
+            </a:solidFill>
+            <a:ln>
+              <a:noFill/>
+            </a:ln>
+            <a:effectLst/>
+          </c:spPr>
+          <c:invertIfNegative val="0"/>
+          <c:cat>
+            <c:strRef>
+              <c:f>Sheet2!$A$2:$A$11</c:f>
+              <c:strCache>
+                <c:ptCount val="10"/>
+                <c:pt idx="0">
+                  <c:v>UK</c:v>
+                </c:pt>
+                <c:pt idx="1">
+                  <c:v>Germany</c:v>
+                </c:pt>
+                <c:pt idx="2">
+                  <c:v>Australia</c:v>
+                </c:pt>
+                <c:pt idx="3">
+                  <c:v>Japan</c:v>
+                </c:pt>
+                <c:pt idx="4">
+                  <c:v>Spain</c:v>
+                </c:pt>
+                <c:pt idx="5">
+                  <c:v>France</c:v>
+                </c:pt>
+                <c:pt idx="6">
+                  <c:v>Italy</c:v>
+                </c:pt>
+                <c:pt idx="7">
+                  <c:v>Canada</c:v>
+                </c:pt>
+                <c:pt idx="8">
+                  <c:v>New Zealand</c:v>
+                </c:pt>
+                <c:pt idx="9">
+                  <c:v>Greece</c:v>
+                </c:pt>
+              </c:strCache>
+            </c:strRef>
+          </c:cat>
+          <c:val>
+            <c:numRef>
+              <c:f>Sheet2!$B$2:$B$11</c:f>
+              <c:numCache>
+                <c:formatCode>_("$"* #,##0_);_("$"* \(#,##0\);_("$"* "-"??_);_(@_)</c:formatCode>
+                <c:ptCount val="10"/>
+                <c:pt idx="0">
+                  <c:v>87042302</c:v>
+                </c:pt>
+                <c:pt idx="1">
+                  <c:v>64945892</c:v>
+                </c:pt>
+                <c:pt idx="2">
+                  <c:v>49447732</c:v>
+                </c:pt>
+                <c:pt idx="3">
+                  <c:v>36708722</c:v>
+                </c:pt>
+                <c:pt idx="4">
+                  <c:v>24838110</c:v>
+                </c:pt>
+                <c:pt idx="5">
+                  <c:v>23681302</c:v>
+                </c:pt>
+                <c:pt idx="6">
+                  <c:v>20164590</c:v>
+                </c:pt>
+                <c:pt idx="7">
+                  <c:v>11408026</c:v>
+                </c:pt>
+                <c:pt idx="8">
+                  <c:v>8321417</c:v>
+                </c:pt>
+                <c:pt idx="9">
+                  <c:v>5328102</c:v>
+                </c:pt>
+              </c:numCache>
+            </c:numRef>
+          </c:val>
+          <c:extLst>
+            <c:ext xmlns:c16="http://schemas.microsoft.com/office/drawing/2014/chart" uri="{C3380CC4-5D6E-409C-BE32-E72D297353CC}">
+              <c16:uniqueId val="{00000000-92A4-4176-8221-D4B6EAB9EC69}"/>
+            </c:ext>
+          </c:extLst>
+        </c:ser>
+        <c:dLbls>
+          <c:showLegendKey val="0"/>
+          <c:showVal val="0"/>
+          <c:showCatName val="0"/>
+          <c:showSerName val="0"/>
+          <c:showPercent val="0"/>
+          <c:showBubbleSize val="0"/>
+        </c:dLbls>
+        <c:gapWidth val="219"/>
+        <c:overlap val="-27"/>
+        <c:axId val="408982048"/>
+        <c:axId val="408980736"/>
+      </c:barChart>
+      <c:catAx>
+        <c:axId val="408982048"/>
+        <c:scaling>
+          <c:orientation val="minMax"/>
+        </c:scaling>
+        <c:delete val="0"/>
+        <c:axPos val="b"/>
+        <c:numFmt formatCode="General" sourceLinked="1"/>
+        <c:majorTickMark val="none"/>
+        <c:minorTickMark val="none"/>
+        <c:tickLblPos val="nextTo"/>
+        <c:spPr>
+          <a:noFill/>
+          <a:ln w="9525" cap="flat" cmpd="sng" algn="ctr">
+            <a:solidFill>
+              <a:schemeClr val="tx1">
+                <a:lumMod val="15000"/>
+                <a:lumOff val="85000"/>
+              </a:schemeClr>
+            </a:solidFill>
+            <a:round/>
+          </a:ln>
+          <a:effectLst/>
+        </c:spPr>
+        <c:txPr>
+          <a:bodyPr rot="-60000000" spcFirstLastPara="1" vertOverflow="ellipsis" vert="horz" wrap="square" anchor="ctr" anchorCtr="1"/>
+          <a:lstStyle/>
+          <a:p>
+            <a:pPr>
+              <a:defRPr sz="1800" b="0" i="0" u="none" strike="noStrike" kern="1200" baseline="0">
+                <a:solidFill>
+                  <a:schemeClr val="tx1">
+                    <a:lumMod val="65000"/>
+                    <a:lumOff val="35000"/>
+                  </a:schemeClr>
+                </a:solidFill>
+                <a:latin typeface="+mn-lt"/>
+                <a:ea typeface="+mn-ea"/>
+                <a:cs typeface="+mn-cs"/>
+              </a:defRPr>
+            </a:pPr>
+            <a:endParaRPr lang="en-US"/>
+          </a:p>
+        </c:txPr>
+        <c:crossAx val="408980736"/>
+        <c:crosses val="autoZero"/>
+        <c:auto val="1"/>
+        <c:lblAlgn val="ctr"/>
+        <c:lblOffset val="100"/>
+        <c:noMultiLvlLbl val="0"/>
+      </c:catAx>
+      <c:valAx>
+        <c:axId val="408980736"/>
+        <c:scaling>
+          <c:orientation val="minMax"/>
+        </c:scaling>
+        <c:delete val="0"/>
+        <c:axPos val="l"/>
+        <c:majorGridlines>
+          <c:spPr>
+            <a:ln w="9525" cap="flat" cmpd="sng" algn="ctr">
+              <a:solidFill>
+                <a:schemeClr val="tx1">
+                  <a:lumMod val="15000"/>
+                  <a:lumOff val="85000"/>
+                </a:schemeClr>
+              </a:solidFill>
+              <a:round/>
+            </a:ln>
+            <a:effectLst/>
+          </c:spPr>
+        </c:majorGridlines>
+        <c:numFmt formatCode="_(&quot;$&quot;* #,##0_);_(&quot;$&quot;* \(#,##0\);_(&quot;$&quot;* &quot;-&quot;??_);_(@_)" sourceLinked="1"/>
+        <c:majorTickMark val="none"/>
+        <c:minorTickMark val="none"/>
+        <c:tickLblPos val="nextTo"/>
+        <c:spPr>
+          <a:noFill/>
+          <a:ln>
+            <a:noFill/>
+          </a:ln>
+          <a:effectLst/>
+        </c:spPr>
+        <c:txPr>
+          <a:bodyPr rot="-60000000" spcFirstLastPara="1" vertOverflow="ellipsis" vert="horz" wrap="square" anchor="ctr" anchorCtr="1"/>
+          <a:lstStyle/>
+          <a:p>
+            <a:pPr>
+              <a:defRPr sz="1400" b="0" i="0" u="none" strike="noStrike" kern="1200" baseline="0">
+                <a:solidFill>
+                  <a:schemeClr val="tx1">
+                    <a:lumMod val="65000"/>
+                    <a:lumOff val="35000"/>
+                  </a:schemeClr>
+                </a:solidFill>
+                <a:latin typeface="+mn-lt"/>
+                <a:ea typeface="+mn-ea"/>
+                <a:cs typeface="+mn-cs"/>
+              </a:defRPr>
+            </a:pPr>
+            <a:endParaRPr lang="en-US"/>
+          </a:p>
+        </c:txPr>
+        <c:crossAx val="408982048"/>
+        <c:crosses val="autoZero"/>
+        <c:crossBetween val="between"/>
+      </c:valAx>
+      <c:spPr>
+        <a:noFill/>
+        <a:ln>
+          <a:noFill/>
+        </a:ln>
+        <a:effectLst/>
+      </c:spPr>
+    </c:plotArea>
+    <c:plotVisOnly val="1"/>
+    <c:dispBlanksAs val="gap"/>
+    <c:showDLblsOverMax val="0"/>
+  </c:chart>
+  <c:spPr>
+    <a:noFill/>
+    <a:ln>
+      <a:noFill/>
+    </a:ln>
+    <a:effectLst/>
+  </c:spPr>
+  <c:txPr>
+    <a:bodyPr/>
+    <a:lstStyle/>
+    <a:p>
+      <a:pPr>
+        <a:defRPr/>
+      </a:pPr>
+      <a:endParaRPr lang="en-US"/>
+    </a:p>
+  </c:txPr>
+  <c:externalData r:id="rId3">
+    <c:autoUpdate val="0"/>
+  </c:externalData>
+</c:chartSpace>
+</file>
+
+<file path=ppt/charts/chart4.xml><?xml version="1.0" encoding="utf-8"?>
+<c:chartSpace xmlns:c="http://schemas.openxmlformats.org/drawingml/2006/chart" xmlns:a="http://schemas.openxmlformats.org/drawingml/2006/main" xmlns:r="http://schemas.openxmlformats.org/officeDocument/2006/relationships" xmlns:c16r2="http://schemas.microsoft.com/office/drawing/2015/06/chart">
+  <c:date1904 val="0"/>
+  <c:lang val="en-US"/>
+  <c:roundedCorners val="0"/>
+  <mc:AlternateContent xmlns:mc="http://schemas.openxmlformats.org/markup-compatibility/2006">
+    <mc:Choice xmlns:c14="http://schemas.microsoft.com/office/drawing/2007/8/2/chart" Requires="c14">
+      <c14:style val="102"/>
+    </mc:Choice>
+    <mc:Fallback>
+      <c:style val="2"/>
+    </mc:Fallback>
+  </mc:AlternateContent>
+  <c:chart>
+    <c:title>
+      <c:tx>
+        <c:rich>
+          <a:bodyPr rot="0" spcFirstLastPara="1" vertOverflow="ellipsis" vert="horz" wrap="square" anchor="ctr" anchorCtr="1"/>
+          <a:lstStyle/>
+          <a:p>
+            <a:pPr>
+              <a:defRPr sz="1400" b="0" i="0" u="none" strike="noStrike" kern="1200" spc="0" baseline="0">
+                <a:solidFill>
+                  <a:schemeClr val="tx1">
+                    <a:lumMod val="65000"/>
+                    <a:lumOff val="35000"/>
+                  </a:schemeClr>
+                </a:solidFill>
+                <a:latin typeface="+mn-lt"/>
+                <a:ea typeface="+mn-ea"/>
+                <a:cs typeface="+mn-cs"/>
+              </a:defRPr>
+            </a:pPr>
+            <a:r>
+              <a:rPr lang="en-US" dirty="0"/>
+              <a:t>American Spirits Exports ($BN)</a:t>
+            </a:r>
+          </a:p>
+        </c:rich>
+      </c:tx>
+      <c:layout>
+        <c:manualLayout>
+          <c:xMode val="edge"/>
+          <c:yMode val="edge"/>
+          <c:x val="0.34214680944137305"/>
+          <c:y val="2.4163834603943019E-2"/>
+        </c:manualLayout>
+      </c:layout>
+      <c:overlay val="0"/>
+      <c:spPr>
+        <a:noFill/>
+        <a:ln>
+          <a:noFill/>
+        </a:ln>
+        <a:effectLst/>
+      </c:spPr>
+      <c:txPr>
+        <a:bodyPr rot="0" spcFirstLastPara="1" vertOverflow="ellipsis" vert="horz" wrap="square" anchor="ctr" anchorCtr="1"/>
+        <a:lstStyle/>
+        <a:p>
+          <a:pPr>
+            <a:defRPr sz="1400" b="0" i="0" u="none" strike="noStrike" kern="1200" spc="0" baseline="0">
+              <a:solidFill>
+                <a:schemeClr val="tx1">
+                  <a:lumMod val="65000"/>
+                  <a:lumOff val="35000"/>
+                </a:schemeClr>
+              </a:solidFill>
+              <a:latin typeface="+mn-lt"/>
+              <a:ea typeface="+mn-ea"/>
+              <a:cs typeface="+mn-cs"/>
+            </a:defRPr>
+          </a:pPr>
+          <a:endParaRPr lang="en-US"/>
+        </a:p>
+      </c:txPr>
+    </c:title>
+    <c:autoTitleDeleted val="0"/>
+    <c:plotArea>
+      <c:layout/>
+      <c:pieChart>
+        <c:varyColors val="1"/>
+        <c:ser>
+          <c:idx val="0"/>
+          <c:order val="0"/>
+          <c:dPt>
+            <c:idx val="0"/>
+            <c:bubble3D val="0"/>
+            <c:spPr>
+              <a:solidFill>
+                <a:schemeClr val="accent1"/>
+              </a:solidFill>
+              <a:ln w="19050">
+                <a:solidFill>
+                  <a:schemeClr val="lt1"/>
+                </a:solidFill>
+              </a:ln>
+              <a:effectLst/>
+            </c:spPr>
+            <c:extLst>
+              <c:ext xmlns:c16="http://schemas.microsoft.com/office/drawing/2014/chart" uri="{C3380CC4-5D6E-409C-BE32-E72D297353CC}">
+                <c16:uniqueId val="{00000001-8D6F-4FBC-8FCC-FF7729A9B556}"/>
+              </c:ext>
+            </c:extLst>
+          </c:dPt>
+          <c:dPt>
+            <c:idx val="1"/>
+            <c:bubble3D val="0"/>
+            <c:spPr>
+              <a:solidFill>
+                <a:schemeClr val="accent2"/>
+              </a:solidFill>
+              <a:ln w="19050">
+                <a:solidFill>
+                  <a:schemeClr val="lt1"/>
+                </a:solidFill>
+              </a:ln>
+              <a:effectLst/>
+            </c:spPr>
+            <c:extLst>
+              <c:ext xmlns:c16="http://schemas.microsoft.com/office/drawing/2014/chart" uri="{C3380CC4-5D6E-409C-BE32-E72D297353CC}">
+                <c16:uniqueId val="{00000003-8D6F-4FBC-8FCC-FF7729A9B556}"/>
+              </c:ext>
+            </c:extLst>
+          </c:dPt>
+          <c:dLbls>
+            <c:spPr>
+              <a:noFill/>
+              <a:ln>
+                <a:noFill/>
+              </a:ln>
+              <a:effectLst/>
+            </c:spPr>
+            <c:txPr>
+              <a:bodyPr rot="0" spcFirstLastPara="1" vertOverflow="ellipsis" vert="horz" wrap="square" lIns="38100" tIns="19050" rIns="38100" bIns="19050" anchor="ctr" anchorCtr="1">
+                <a:spAutoFit/>
+              </a:bodyPr>
+              <a:lstStyle/>
+              <a:p>
+                <a:pPr>
+                  <a:defRPr sz="1800" b="1" i="0" u="none" strike="noStrike" kern="1200" baseline="0">
+                    <a:solidFill>
+                      <a:schemeClr val="bg1"/>
+                    </a:solidFill>
+                    <a:latin typeface="+mn-lt"/>
+                    <a:ea typeface="+mn-ea"/>
+                    <a:cs typeface="+mn-cs"/>
+                  </a:defRPr>
+                </a:pPr>
+                <a:endParaRPr lang="en-US"/>
+              </a:p>
+            </c:txPr>
+            <c:showLegendKey val="0"/>
+            <c:showVal val="1"/>
+            <c:showCatName val="0"/>
+            <c:showSerName val="0"/>
+            <c:showPercent val="0"/>
+            <c:showBubbleSize val="0"/>
+            <c:showLeaderLines val="1"/>
+            <c:leaderLines>
+              <c:spPr>
+                <a:ln w="9525" cap="flat" cmpd="sng" algn="ctr">
+                  <a:solidFill>
+                    <a:schemeClr val="tx1">
+                      <a:lumMod val="35000"/>
+                      <a:lumOff val="65000"/>
+                    </a:schemeClr>
+                  </a:solidFill>
+                  <a:round/>
+                </a:ln>
+                <a:effectLst/>
+              </c:spPr>
+            </c:leaderLines>
+            <c:extLst>
+              <c:ext xmlns:c15="http://schemas.microsoft.com/office/drawing/2012/chart" uri="{CE6537A1-D6FC-4f65-9D91-7224C49458BB}"/>
+            </c:extLst>
+          </c:dLbls>
+          <c:val>
+            <c:numRef>
+              <c:f>Sheet2!$S$4:$S$5</c:f>
+              <c:numCache>
+                <c:formatCode>General</c:formatCode>
+                <c:ptCount val="2"/>
+                <c:pt idx="0">
+                  <c:v>1.56</c:v>
+                </c:pt>
+                <c:pt idx="1">
+                  <c:v>1.02</c:v>
+                </c:pt>
+              </c:numCache>
+            </c:numRef>
+          </c:val>
+          <c:extLst>
+            <c:ext xmlns:c16="http://schemas.microsoft.com/office/drawing/2014/chart" uri="{C3380CC4-5D6E-409C-BE32-E72D297353CC}">
+              <c16:uniqueId val="{00000004-8D6F-4FBC-8FCC-FF7729A9B556}"/>
+            </c:ext>
+          </c:extLst>
+        </c:ser>
+        <c:dLbls>
+          <c:showLegendKey val="0"/>
+          <c:showVal val="0"/>
+          <c:showCatName val="0"/>
+          <c:showSerName val="0"/>
+          <c:showPercent val="0"/>
+          <c:showBubbleSize val="0"/>
+          <c:showLeaderLines val="1"/>
+        </c:dLbls>
+        <c:firstSliceAng val="0"/>
+      </c:pieChart>
+      <c:spPr>
+        <a:noFill/>
+        <a:ln>
+          <a:noFill/>
+        </a:ln>
+        <a:effectLst/>
+      </c:spPr>
+    </c:plotArea>
+    <c:plotVisOnly val="1"/>
+    <c:dispBlanksAs val="gap"/>
+    <c:showDLblsOverMax val="0"/>
+  </c:chart>
+  <c:spPr>
+    <a:noFill/>
+    <a:ln>
+      <a:noFill/>
+    </a:ln>
+    <a:effectLst/>
+  </c:spPr>
+  <c:txPr>
+    <a:bodyPr/>
+    <a:lstStyle/>
+    <a:p>
+      <a:pPr>
+        <a:defRPr/>
+      </a:pPr>
+      <a:endParaRPr lang="en-US"/>
+    </a:p>
+  </c:txPr>
+  <c:externalData r:id="rId3">
+    <c:autoUpdate val="0"/>
+  </c:externalData>
+</c:chartSpace>
+</file>
+
+<file path=ppt/charts/chart5.xml><?xml version="1.0" encoding="utf-8"?>
+<c:chartSpace xmlns:c="http://schemas.openxmlformats.org/drawingml/2006/chart" xmlns:a="http://schemas.openxmlformats.org/drawingml/2006/main" xmlns:r="http://schemas.openxmlformats.org/officeDocument/2006/relationships" xmlns:c16r2="http://schemas.microsoft.com/office/drawing/2015/06/chart">
+  <c:date1904 val="0"/>
+  <c:lang val="en-US"/>
+  <c:roundedCorners val="0"/>
+  <mc:AlternateContent xmlns:mc="http://schemas.openxmlformats.org/markup-compatibility/2006">
+    <mc:Choice xmlns:c14="http://schemas.microsoft.com/office/drawing/2007/8/2/chart" Requires="c14">
+      <c14:style val="102"/>
+    </mc:Choice>
+    <mc:Fallback>
+      <c:style val="2"/>
+    </mc:Fallback>
+  </mc:AlternateContent>
+  <c:chart>
+    <c:autoTitleDeleted val="1"/>
+    <c:plotArea>
+      <c:layout/>
+      <c:ofPieChart>
+        <c:ofPieType val="pie"/>
+        <c:varyColors val="1"/>
+        <c:dLbls>
+          <c:showLegendKey val="0"/>
+          <c:showVal val="0"/>
+          <c:showCatName val="0"/>
+          <c:showSerName val="0"/>
+          <c:showPercent val="0"/>
+          <c:showBubbleSize val="0"/>
+          <c:showLeaderLines val="0"/>
+        </c:dLbls>
+        <c:gapWidth val="100"/>
+        <c:secondPieSize val="75"/>
+        <c:serLines>
+          <c:spPr>
+            <a:ln w="9525" cap="flat" cmpd="sng" algn="ctr">
+              <a:solidFill>
+                <a:schemeClr val="tx1">
+                  <a:lumMod val="35000"/>
+                  <a:lumOff val="65000"/>
+                </a:schemeClr>
+              </a:solidFill>
+              <a:round/>
+            </a:ln>
+            <a:effectLst/>
+          </c:spPr>
+        </c:serLines>
+      </c:ofPieChart>
+      <c:spPr>
+        <a:noFill/>
+        <a:ln>
+          <a:noFill/>
+        </a:ln>
+        <a:effectLst/>
+      </c:spPr>
+    </c:plotArea>
+    <c:plotVisOnly val="1"/>
+    <c:dispBlanksAs val="gap"/>
+    <c:showDLblsOverMax val="0"/>
+  </c:chart>
+  <c:spPr>
+    <a:noFill/>
+    <a:ln>
+      <a:noFill/>
+    </a:ln>
+    <a:effectLst/>
+  </c:spPr>
+  <c:txPr>
+    <a:bodyPr/>
+    <a:lstStyle/>
+    <a:p>
+      <a:pPr>
+        <a:defRPr/>
+      </a:pPr>
+      <a:endParaRPr lang="en-US"/>
+    </a:p>
+  </c:txPr>
+  <c:externalData r:id="rId3">
+    <c:autoUpdate val="0"/>
+  </c:externalData>
+</c:chartSpace>
+</file>
+
+<file path=ppt/charts/chart6.xml><?xml version="1.0" encoding="utf-8"?>
+<c:chartSpace xmlns:c="http://schemas.openxmlformats.org/drawingml/2006/chart" xmlns:a="http://schemas.openxmlformats.org/drawingml/2006/main" xmlns:r="http://schemas.openxmlformats.org/officeDocument/2006/relationships" xmlns:c16r2="http://schemas.microsoft.com/office/drawing/2015/06/chart">
+  <c:date1904 val="0"/>
+  <c:lang val="en-US"/>
+  <c:roundedCorners val="0"/>
+  <mc:AlternateContent xmlns:mc="http://schemas.openxmlformats.org/markup-compatibility/2006">
+    <mc:Choice xmlns:c14="http://schemas.microsoft.com/office/drawing/2007/8/2/chart" Requires="c14">
+      <c14:style val="102"/>
+    </mc:Choice>
+    <mc:Fallback>
+      <c:style val="2"/>
+    </mc:Fallback>
+  </mc:AlternateContent>
+  <c:chart>
+    <c:autoTitleDeleted val="1"/>
+    <c:plotArea>
+      <c:layout/>
+      <c:ofPieChart>
+        <c:ofPieType val="pie"/>
+        <c:varyColors val="1"/>
+        <c:ser>
+          <c:idx val="0"/>
+          <c:order val="0"/>
+          <c:dPt>
+            <c:idx val="0"/>
+            <c:bubble3D val="0"/>
+            <c:spPr>
+              <a:solidFill>
+                <a:schemeClr val="accent1"/>
+              </a:solidFill>
+              <a:ln w="19050">
+                <a:solidFill>
+                  <a:schemeClr val="lt1"/>
+                </a:solidFill>
+              </a:ln>
+              <a:effectLst/>
+            </c:spPr>
+            <c:extLst>
+              <c:ext xmlns:c16="http://schemas.microsoft.com/office/drawing/2014/chart" uri="{C3380CC4-5D6E-409C-BE32-E72D297353CC}">
+                <c16:uniqueId val="{00000001-F7B2-4E6A-9359-1DBDEBB03E72}"/>
+              </c:ext>
+            </c:extLst>
+          </c:dPt>
+          <c:dPt>
+            <c:idx val="1"/>
+            <c:bubble3D val="0"/>
+            <c:spPr>
+              <a:solidFill>
+                <a:schemeClr val="accent2"/>
+              </a:solidFill>
+              <a:ln w="19050">
+                <a:solidFill>
+                  <a:schemeClr val="lt1"/>
+                </a:solidFill>
+              </a:ln>
+              <a:effectLst/>
+            </c:spPr>
+            <c:extLst>
+              <c:ext xmlns:c16="http://schemas.microsoft.com/office/drawing/2014/chart" uri="{C3380CC4-5D6E-409C-BE32-E72D297353CC}">
+                <c16:uniqueId val="{00000003-F7B2-4E6A-9359-1DBDEBB03E72}"/>
+              </c:ext>
+            </c:extLst>
+          </c:dPt>
+          <c:cat>
+            <c:strRef>
+              <c:f>Sheet2!$W$3</c:f>
+              <c:strCache>
+                <c:ptCount val="1"/>
+                <c:pt idx="0">
+                  <c:v>Other US</c:v>
+                </c:pt>
+              </c:strCache>
+            </c:strRef>
+          </c:cat>
+          <c:val>
+            <c:numRef>
+              <c:f>Sheet2!$W$4</c:f>
+              <c:numCache>
+                <c:formatCode>General</c:formatCode>
+                <c:ptCount val="1"/>
+                <c:pt idx="0">
+                  <c:v>0.20930232558139536</c:v>
+                </c:pt>
+              </c:numCache>
+            </c:numRef>
+          </c:val>
+          <c:extLst>
+            <c:ext xmlns:c16="http://schemas.microsoft.com/office/drawing/2014/chart" uri="{C3380CC4-5D6E-409C-BE32-E72D297353CC}">
+              <c16:uniqueId val="{00000004-F7B2-4E6A-9359-1DBDEBB03E72}"/>
+            </c:ext>
+          </c:extLst>
+        </c:ser>
+        <c:dLbls>
+          <c:showLegendKey val="0"/>
+          <c:showVal val="0"/>
+          <c:showCatName val="0"/>
+          <c:showSerName val="0"/>
+          <c:showPercent val="0"/>
+          <c:showBubbleSize val="0"/>
+          <c:showLeaderLines val="1"/>
+        </c:dLbls>
+        <c:gapWidth val="100"/>
+        <c:secondPieSize val="75"/>
+        <c:serLines>
+          <c:spPr>
+            <a:ln w="9525" cap="flat" cmpd="sng" algn="ctr">
+              <a:solidFill>
+                <a:schemeClr val="tx1">
+                  <a:lumMod val="35000"/>
+                  <a:lumOff val="65000"/>
+                </a:schemeClr>
+              </a:solidFill>
+              <a:round/>
+            </a:ln>
+            <a:effectLst/>
+          </c:spPr>
+        </c:serLines>
+      </c:ofPieChart>
+      <c:spPr>
+        <a:noFill/>
+        <a:ln>
+          <a:noFill/>
+        </a:ln>
+        <a:effectLst/>
+      </c:spPr>
+    </c:plotArea>
+    <c:plotVisOnly val="1"/>
+    <c:dispBlanksAs val="gap"/>
+    <c:showDLblsOverMax val="0"/>
+  </c:chart>
+  <c:spPr>
+    <a:noFill/>
+    <a:ln>
+      <a:noFill/>
+    </a:ln>
+    <a:effectLst/>
+  </c:spPr>
+  <c:txPr>
+    <a:bodyPr/>
+    <a:lstStyle/>
+    <a:p>
+      <a:pPr>
+        <a:defRPr/>
+      </a:pPr>
+      <a:endParaRPr lang="en-US"/>
+    </a:p>
+  </c:txPr>
+  <c:externalData r:id="rId3">
+    <c:autoUpdate val="0"/>
+  </c:externalData>
+</c:chartSpace>
+</file>
+
+<file path=ppt/charts/chart7.xml><?xml version="1.0" encoding="utf-8"?>
+<c:chartSpace xmlns:c="http://schemas.openxmlformats.org/drawingml/2006/chart" xmlns:a="http://schemas.openxmlformats.org/drawingml/2006/main" xmlns:r="http://schemas.openxmlformats.org/officeDocument/2006/relationships" xmlns:c16r2="http://schemas.microsoft.com/office/drawing/2015/06/chart">
+  <c:date1904 val="0"/>
+  <c:lang val="en-US"/>
+  <c:roundedCorners val="0"/>
+  <mc:AlternateContent xmlns:mc="http://schemas.openxmlformats.org/markup-compatibility/2006">
+    <mc:Choice xmlns:c14="http://schemas.microsoft.com/office/drawing/2007/8/2/chart" Requires="c14">
+      <c14:style val="102"/>
+    </mc:Choice>
+    <mc:Fallback>
+      <c:style val="2"/>
+    </mc:Fallback>
+  </mc:AlternateContent>
+  <c:chart>
+    <c:autoTitleDeleted val="1"/>
+    <c:plotArea>
+      <c:layout/>
+      <c:pieChart>
+        <c:varyColors val="1"/>
+        <c:ser>
+          <c:idx val="0"/>
+          <c:order val="0"/>
+          <c:dPt>
+            <c:idx val="0"/>
+            <c:bubble3D val="0"/>
+            <c:spPr>
+              <a:solidFill>
+                <a:schemeClr val="accent1"/>
+              </a:solidFill>
+              <a:ln w="19050">
+                <a:solidFill>
+                  <a:schemeClr val="lt1"/>
+                </a:solidFill>
+              </a:ln>
+              <a:effectLst/>
+            </c:spPr>
+            <c:extLst>
+              <c:ext xmlns:c16="http://schemas.microsoft.com/office/drawing/2014/chart" uri="{C3380CC4-5D6E-409C-BE32-E72D297353CC}">
+                <c16:uniqueId val="{00000001-3F68-48C2-B8CF-D558E0B85559}"/>
+              </c:ext>
+            </c:extLst>
+          </c:dPt>
+          <c:dPt>
+            <c:idx val="1"/>
+            <c:bubble3D val="0"/>
+            <c:spPr>
+              <a:solidFill>
+                <a:schemeClr val="accent2"/>
+              </a:solidFill>
+              <a:ln w="19050">
+                <a:solidFill>
+                  <a:schemeClr val="lt1"/>
+                </a:solidFill>
+              </a:ln>
+              <a:effectLst/>
+            </c:spPr>
+            <c:extLst>
+              <c:ext xmlns:c16="http://schemas.microsoft.com/office/drawing/2014/chart" uri="{C3380CC4-5D6E-409C-BE32-E72D297353CC}">
+                <c16:uniqueId val="{00000003-3F68-48C2-B8CF-D558E0B85559}"/>
+              </c:ext>
+            </c:extLst>
+          </c:dPt>
+          <c:dLbls>
+            <c:dLbl>
+              <c:idx val="0"/>
+              <c:tx>
+                <c:rich>
+                  <a:bodyPr/>
+                  <a:lstStyle/>
+                  <a:p>
+                    <a:r>
+                      <a:rPr lang="en-US"/>
+                      <a:t>60%</a:t>
+                    </a:r>
+                    <a:endParaRPr lang="en-US" dirty="0"/>
+                  </a:p>
+                </c:rich>
+              </c:tx>
+              <c:showLegendKey val="0"/>
+              <c:showVal val="1"/>
+              <c:showCatName val="0"/>
+              <c:showSerName val="0"/>
+              <c:showPercent val="0"/>
+              <c:showBubbleSize val="0"/>
+              <c:extLst>
+                <c:ext xmlns:c15="http://schemas.microsoft.com/office/drawing/2012/chart" uri="{CE6537A1-D6FC-4f65-9D91-7224C49458BB}"/>
+                <c:ext xmlns:c16="http://schemas.microsoft.com/office/drawing/2014/chart" uri="{C3380CC4-5D6E-409C-BE32-E72D297353CC}">
+                  <c16:uniqueId val="{00000001-3F68-48C2-B8CF-D558E0B85559}"/>
+                </c:ext>
+              </c:extLst>
+            </c:dLbl>
+            <c:dLbl>
+              <c:idx val="1"/>
+              <c:tx>
+                <c:rich>
+                  <a:bodyPr/>
+                  <a:lstStyle/>
+                  <a:p>
+                    <a:r>
+                      <a:rPr lang="en-US"/>
+                      <a:t>40%</a:t>
+                    </a:r>
+                    <a:endParaRPr lang="en-US"/>
+                  </a:p>
+                </c:rich>
+              </c:tx>
+              <c:showLegendKey val="0"/>
+              <c:showVal val="1"/>
+              <c:showCatName val="0"/>
+              <c:showSerName val="0"/>
+              <c:showPercent val="0"/>
+              <c:showBubbleSize val="0"/>
+              <c:extLst>
+                <c:ext xmlns:c15="http://schemas.microsoft.com/office/drawing/2012/chart" uri="{CE6537A1-D6FC-4f65-9D91-7224C49458BB}"/>
+                <c:ext xmlns:c16="http://schemas.microsoft.com/office/drawing/2014/chart" uri="{C3380CC4-5D6E-409C-BE32-E72D297353CC}">
+                  <c16:uniqueId val="{00000003-3F68-48C2-B8CF-D558E0B85559}"/>
+                </c:ext>
+              </c:extLst>
+            </c:dLbl>
+            <c:numFmt formatCode="General" sourceLinked="0"/>
+            <c:spPr>
+              <a:noFill/>
+              <a:ln>
+                <a:noFill/>
+              </a:ln>
+              <a:effectLst/>
+            </c:spPr>
+            <c:txPr>
+              <a:bodyPr rot="0" spcFirstLastPara="1" vertOverflow="ellipsis" vert="horz" wrap="square" lIns="38100" tIns="19050" rIns="38100" bIns="19050" anchor="ctr" anchorCtr="1">
+                <a:spAutoFit/>
+              </a:bodyPr>
+              <a:lstStyle/>
+              <a:p>
+                <a:pPr>
+                  <a:defRPr sz="4000" b="1" i="0" u="none" strike="noStrike" kern="1200" baseline="0">
+                    <a:solidFill>
+                      <a:schemeClr val="bg1"/>
+                    </a:solidFill>
+                    <a:latin typeface="+mn-lt"/>
+                    <a:ea typeface="+mn-ea"/>
+                    <a:cs typeface="+mn-cs"/>
+                  </a:defRPr>
+                </a:pPr>
+                <a:endParaRPr lang="en-US"/>
+              </a:p>
+            </c:txPr>
+            <c:showLegendKey val="0"/>
+            <c:showVal val="1"/>
+            <c:showCatName val="0"/>
+            <c:showSerName val="0"/>
+            <c:showPercent val="0"/>
+            <c:showBubbleSize val="0"/>
+            <c:showLeaderLines val="1"/>
+            <c:leaderLines>
+              <c:spPr>
+                <a:ln w="9525" cap="flat" cmpd="sng" algn="ctr">
+                  <a:solidFill>
+                    <a:schemeClr val="tx1">
+                      <a:lumMod val="35000"/>
+                      <a:lumOff val="65000"/>
+                    </a:schemeClr>
+                  </a:solidFill>
+                  <a:round/>
+                </a:ln>
+                <a:effectLst/>
+              </c:spPr>
+            </c:leaderLines>
+            <c:extLst>
+              <c:ext xmlns:c15="http://schemas.microsoft.com/office/drawing/2012/chart" uri="{CE6537A1-D6FC-4f65-9D91-7224C49458BB}"/>
+            </c:extLst>
+          </c:dLbls>
+          <c:val>
+            <c:numRef>
+              <c:f>Sheet2!$S$4:$S$5</c:f>
+              <c:numCache>
+                <c:formatCode>General</c:formatCode>
+                <c:ptCount val="2"/>
+                <c:pt idx="0">
+                  <c:v>1.56</c:v>
+                </c:pt>
+                <c:pt idx="1">
+                  <c:v>1.02</c:v>
+                </c:pt>
+              </c:numCache>
+            </c:numRef>
+          </c:val>
+          <c:extLst>
+            <c:ext xmlns:c16="http://schemas.microsoft.com/office/drawing/2014/chart" uri="{C3380CC4-5D6E-409C-BE32-E72D297353CC}">
+              <c16:uniqueId val="{00000004-3F68-48C2-B8CF-D558E0B85559}"/>
+            </c:ext>
+          </c:extLst>
+        </c:ser>
+        <c:dLbls>
+          <c:showLegendKey val="0"/>
+          <c:showVal val="0"/>
+          <c:showCatName val="0"/>
+          <c:showSerName val="0"/>
+          <c:showPercent val="0"/>
+          <c:showBubbleSize val="0"/>
+          <c:showLeaderLines val="1"/>
+        </c:dLbls>
+        <c:firstSliceAng val="0"/>
+      </c:pieChart>
+      <c:spPr>
+        <a:noFill/>
+        <a:ln>
+          <a:noFill/>
+        </a:ln>
+        <a:effectLst/>
+      </c:spPr>
+    </c:plotArea>
+    <c:plotVisOnly val="1"/>
+    <c:dispBlanksAs val="gap"/>
+    <c:showDLblsOverMax val="0"/>
+  </c:chart>
+  <c:spPr>
+    <a:noFill/>
+    <a:ln w="9525" cap="flat" cmpd="sng" algn="ctr">
+      <a:solidFill>
+        <a:schemeClr val="tx1">
+          <a:lumMod val="15000"/>
+          <a:lumOff val="85000"/>
+        </a:schemeClr>
+      </a:solidFill>
+      <a:round/>
+    </a:ln>
+    <a:effectLst/>
+  </c:spPr>
+  <c:txPr>
+    <a:bodyPr/>
+    <a:lstStyle/>
+    <a:p>
+      <a:pPr>
+        <a:defRPr/>
+      </a:pPr>
+      <a:endParaRPr lang="en-US"/>
+    </a:p>
+  </c:txPr>
+  <c:externalData r:id="rId3">
+    <c:autoUpdate val="0"/>
+  </c:externalData>
+</c:chartSpace>
+</file>
+
+<file path=ppt/charts/chart8.xml><?xml version="1.0" encoding="utf-8"?>
+<c:chartSpace xmlns:c="http://schemas.openxmlformats.org/drawingml/2006/chart" xmlns:a="http://schemas.openxmlformats.org/drawingml/2006/main" xmlns:r="http://schemas.openxmlformats.org/officeDocument/2006/relationships" xmlns:c16r2="http://schemas.microsoft.com/office/drawing/2015/06/chart">
+  <c:date1904 val="0"/>
+  <c:lang val="en-US"/>
+  <c:roundedCorners val="0"/>
+  <mc:AlternateContent xmlns:mc="http://schemas.openxmlformats.org/markup-compatibility/2006">
+    <mc:Choice xmlns:c14="http://schemas.microsoft.com/office/drawing/2007/8/2/chart" Requires="c14">
+      <c14:style val="102"/>
+    </mc:Choice>
+    <mc:Fallback>
+      <c:style val="2"/>
+    </mc:Fallback>
+  </mc:AlternateContent>
+  <c:chart>
+    <c:autoTitleDeleted val="1"/>
+    <c:plotArea>
+      <c:layout/>
+      <c:pieChart>
+        <c:varyColors val="1"/>
+        <c:ser>
+          <c:idx val="0"/>
+          <c:order val="0"/>
+          <c:dPt>
+            <c:idx val="0"/>
+            <c:bubble3D val="0"/>
+            <c:spPr>
+              <a:solidFill>
+                <a:schemeClr val="accent1">
+                  <a:shade val="75000"/>
+                  <a:satMod val="160000"/>
+                </a:schemeClr>
+              </a:solidFill>
+              <a:ln>
+                <a:noFill/>
+              </a:ln>
+              <a:effectLst>
+                <a:outerShdw blurRad="76200" dist="25400" dir="5400000" algn="tl" rotWithShape="0">
+                  <a:srgbClr val="000000">
+                    <a:alpha val="55000"/>
+                  </a:srgbClr>
+                </a:outerShdw>
+              </a:effectLst>
+              <a:scene3d>
+                <a:camera prst="orthographicFront">
+                  <a:rot lat="0" lon="0" rev="0"/>
+                </a:camera>
+                <a:lightRig rig="brightRoom" dir="tl"/>
+              </a:scene3d>
+              <a:sp3d contourW="19050" prstMaterial="flat">
+                <a:bevelT w="0" h="0" prst="coolSlant"/>
+                <a:contourClr>
+                  <a:scrgbClr r="0" g="0" b="0">
+                    <a:shade val="25000"/>
+                    <a:satMod val="140000"/>
+                  </a:scrgbClr>
+                </a:contourClr>
+              </a:sp3d>
+            </c:spPr>
+            <c:extLst>
+              <c:ext xmlns:c16="http://schemas.microsoft.com/office/drawing/2014/chart" uri="{C3380CC4-5D6E-409C-BE32-E72D297353CC}">
+                <c16:uniqueId val="{00000001-B32E-4992-8BBD-ACF6701E5A8F}"/>
+              </c:ext>
+            </c:extLst>
+          </c:dPt>
+          <c:dPt>
+            <c:idx val="1"/>
+            <c:bubble3D val="0"/>
+            <c:spPr>
+              <a:solidFill>
+                <a:schemeClr val="accent2">
+                  <a:shade val="75000"/>
+                  <a:satMod val="160000"/>
+                </a:schemeClr>
+              </a:solidFill>
+              <a:ln>
+                <a:noFill/>
+              </a:ln>
+              <a:effectLst>
+                <a:outerShdw blurRad="76200" dist="25400" dir="5400000" algn="tl" rotWithShape="0">
+                  <a:srgbClr val="000000">
+                    <a:alpha val="55000"/>
+                  </a:srgbClr>
+                </a:outerShdw>
+              </a:effectLst>
+              <a:scene3d>
+                <a:camera prst="orthographicFront">
+                  <a:rot lat="0" lon="0" rev="0"/>
+                </a:camera>
+                <a:lightRig rig="brightRoom" dir="tl"/>
+              </a:scene3d>
+              <a:sp3d contourW="19050" prstMaterial="flat">
+                <a:bevelT w="0" h="0" prst="coolSlant"/>
+                <a:contourClr>
+                  <a:scrgbClr r="0" g="0" b="0">
+                    <a:shade val="25000"/>
+                    <a:satMod val="140000"/>
+                  </a:scrgbClr>
+                </a:contourClr>
+              </a:sp3d>
+            </c:spPr>
+            <c:extLst>
+              <c:ext xmlns:c16="http://schemas.microsoft.com/office/drawing/2014/chart" uri="{C3380CC4-5D6E-409C-BE32-E72D297353CC}">
+                <c16:uniqueId val="{00000003-B32E-4992-8BBD-ACF6701E5A8F}"/>
+              </c:ext>
+            </c:extLst>
+          </c:dPt>
+          <c:dLbls>
+            <c:numFmt formatCode="0.00%" sourceLinked="0"/>
+            <c:spPr>
+              <a:noFill/>
+              <a:ln>
+                <a:noFill/>
+              </a:ln>
+              <a:effectLst/>
+            </c:spPr>
+            <c:txPr>
+              <a:bodyPr rot="0" spcFirstLastPara="1" vertOverflow="ellipsis" vert="horz" wrap="square" lIns="38100" tIns="19050" rIns="38100" bIns="19050" anchor="ctr" anchorCtr="1">
+                <a:spAutoFit/>
+              </a:bodyPr>
+              <a:lstStyle/>
+              <a:p>
+                <a:pPr>
+                  <a:defRPr sz="2400" b="1" i="0" u="none" strike="noStrike" kern="1200" baseline="0">
+                    <a:solidFill>
+                      <a:schemeClr val="bg1"/>
+                    </a:solidFill>
+                    <a:latin typeface="+mn-lt"/>
+                    <a:ea typeface="+mn-ea"/>
+                    <a:cs typeface="+mn-cs"/>
+                  </a:defRPr>
+                </a:pPr>
+                <a:endParaRPr lang="en-US"/>
+              </a:p>
+            </c:txPr>
+            <c:showLegendKey val="0"/>
+            <c:showVal val="1"/>
+            <c:showCatName val="0"/>
+            <c:showSerName val="0"/>
+            <c:showPercent val="0"/>
+            <c:showBubbleSize val="0"/>
+            <c:showLeaderLines val="1"/>
+            <c:leaderLines>
+              <c:spPr>
+                <a:ln w="9525" cap="flat" cmpd="sng" algn="ctr">
+                  <a:solidFill>
+                    <a:schemeClr val="tx1">
+                      <a:lumMod val="35000"/>
+                      <a:lumOff val="65000"/>
+                    </a:schemeClr>
+                  </a:solidFill>
+                  <a:round/>
+                </a:ln>
+                <a:effectLst/>
+              </c:spPr>
+            </c:leaderLines>
+            <c:extLst>
+              <c:ext xmlns:c15="http://schemas.microsoft.com/office/drawing/2012/chart" uri="{CE6537A1-D6FC-4f65-9D91-7224C49458BB}"/>
+            </c:extLst>
+          </c:dLbls>
+          <c:cat>
+            <c:strRef>
+              <c:f>Sheet2!$Y$3:$Z$3</c:f>
+              <c:strCache>
+                <c:ptCount val="2"/>
+                <c:pt idx="0">
+                  <c:v>KY</c:v>
+                </c:pt>
+                <c:pt idx="1">
+                  <c:v>TN</c:v>
+                </c:pt>
+              </c:strCache>
+            </c:strRef>
+          </c:cat>
+          <c:val>
+            <c:numRef>
+              <c:f>Sheet2!$Y$4:$Z$4</c:f>
+              <c:numCache>
+                <c:formatCode>General</c:formatCode>
+                <c:ptCount val="2"/>
+                <c:pt idx="0">
+                  <c:v>0.11705426356589146</c:v>
+                </c:pt>
+                <c:pt idx="1">
+                  <c:v>0.27829457364341081</c:v>
+                </c:pt>
+              </c:numCache>
+            </c:numRef>
+          </c:val>
+          <c:extLst>
+            <c:ext xmlns:c16="http://schemas.microsoft.com/office/drawing/2014/chart" uri="{C3380CC4-5D6E-409C-BE32-E72D297353CC}">
+              <c16:uniqueId val="{00000004-B32E-4992-8BBD-ACF6701E5A8F}"/>
+            </c:ext>
+          </c:extLst>
+        </c:ser>
+        <c:dLbls>
+          <c:showLegendKey val="0"/>
+          <c:showVal val="0"/>
+          <c:showCatName val="0"/>
+          <c:showSerName val="0"/>
+          <c:showPercent val="0"/>
+          <c:showBubbleSize val="0"/>
+          <c:showLeaderLines val="1"/>
+        </c:dLbls>
+        <c:firstSliceAng val="0"/>
+      </c:pieChart>
+      <c:spPr>
+        <a:noFill/>
+        <a:ln>
+          <a:noFill/>
+        </a:ln>
+        <a:effectLst/>
+      </c:spPr>
+    </c:plotArea>
+    <c:legend>
+      <c:legendPos val="b"/>
+      <c:overlay val="0"/>
+      <c:spPr>
+        <a:noFill/>
+        <a:ln>
+          <a:noFill/>
+        </a:ln>
+        <a:effectLst/>
+      </c:spPr>
+      <c:txPr>
+        <a:bodyPr rot="0" spcFirstLastPara="1" vertOverflow="ellipsis" vert="horz" wrap="square" anchor="ctr" anchorCtr="1"/>
+        <a:lstStyle/>
+        <a:p>
+          <a:pPr>
+            <a:defRPr sz="1197" b="0" i="0" u="none" strike="noStrike" kern="1200" baseline="0">
+              <a:solidFill>
+                <a:schemeClr val="tx1">
+                  <a:lumMod val="65000"/>
+                  <a:lumOff val="35000"/>
+                </a:schemeClr>
+              </a:solidFill>
+              <a:latin typeface="+mn-lt"/>
+              <a:ea typeface="+mn-ea"/>
+              <a:cs typeface="+mn-cs"/>
+            </a:defRPr>
+          </a:pPr>
+          <a:endParaRPr lang="en-US"/>
+        </a:p>
+      </c:txPr>
+    </c:legend>
+    <c:plotVisOnly val="1"/>
+    <c:dispBlanksAs val="gap"/>
+    <c:showDLblsOverMax val="0"/>
+  </c:chart>
+  <c:spPr>
+    <a:noFill/>
+    <a:ln>
+      <a:noFill/>
+    </a:ln>
+    <a:effectLst/>
+  </c:spPr>
+  <c:txPr>
+    <a:bodyPr/>
+    <a:lstStyle/>
+    <a:p>
+      <a:pPr>
+        <a:defRPr/>
+      </a:pPr>
+      <a:endParaRPr lang="en-US"/>
+    </a:p>
+  </c:txPr>
+  <c:externalData r:id="rId3">
+    <c:autoUpdate val="0"/>
+  </c:externalData>
+</c:chartSpace>
+</file>
+
+<file path=ppt/charts/colors1.xml><?xml version="1.0" encoding="utf-8"?>
+<cs:colorStyle xmlns:cs="http://schemas.microsoft.com/office/drawing/2012/chartStyle" xmlns:a="http://schemas.openxmlformats.org/drawingml/2006/main" meth="cycle" id="10">
+  <a:schemeClr val="accent1"/>
+  <a:schemeClr val="accent2"/>
+  <a:schemeClr val="accent3"/>
+  <a:schemeClr val="accent4"/>
+  <a:schemeClr val="accent5"/>
+  <a:schemeClr val="accent6"/>
+  <cs:variation/>
+  <cs:variation>
+    <a:lumMod val="60000"/>
+  </cs:variation>
+  <cs:variation>
+    <a:lumMod val="80000"/>
+    <a:lumOff val="20000"/>
+  </cs:variation>
+  <cs:variation>
+    <a:lumMod val="80000"/>
+  </cs:variation>
+  <cs:variation>
+    <a:lumMod val="60000"/>
+    <a:lumOff val="40000"/>
+  </cs:variation>
+  <cs:variation>
+    <a:lumMod val="50000"/>
+  </cs:variation>
+  <cs:variation>
+    <a:lumMod val="70000"/>
+    <a:lumOff val="30000"/>
+  </cs:variation>
+  <cs:variation>
+    <a:lumMod val="70000"/>
+  </cs:variation>
+  <cs:variation>
+    <a:lumMod val="50000"/>
+    <a:lumOff val="50000"/>
+  </cs:variation>
+</cs:colorStyle>
+</file>
+
+<file path=ppt/charts/colors2.xml><?xml version="1.0" encoding="utf-8"?>
+<cs:colorStyle xmlns:cs="http://schemas.microsoft.com/office/drawing/2012/chartStyle" xmlns:a="http://schemas.openxmlformats.org/drawingml/2006/main" meth="cycle" id="10">
+  <a:schemeClr val="accent1"/>
+  <a:schemeClr val="accent2"/>
+  <a:schemeClr val="accent3"/>
+  <a:schemeClr val="accent4"/>
+  <a:schemeClr val="accent5"/>
+  <a:schemeClr val="accent6"/>
+  <cs:variation/>
+  <cs:variation>
+    <a:lumMod val="60000"/>
+  </cs:variation>
+  <cs:variation>
+    <a:lumMod val="80000"/>
+    <a:lumOff val="20000"/>
+  </cs:variation>
+  <cs:variation>
+    <a:lumMod val="80000"/>
+  </cs:variation>
+  <cs:variation>
+    <a:lumMod val="60000"/>
+    <a:lumOff val="40000"/>
+  </cs:variation>
+  <cs:variation>
+    <a:lumMod val="50000"/>
+  </cs:variation>
+  <cs:variation>
+    <a:lumMod val="70000"/>
+    <a:lumOff val="30000"/>
+  </cs:variation>
+  <cs:variation>
+    <a:lumMod val="70000"/>
+  </cs:variation>
+  <cs:variation>
+    <a:lumMod val="50000"/>
+    <a:lumOff val="50000"/>
+  </cs:variation>
+</cs:colorStyle>
+</file>
+
+<file path=ppt/charts/colors3.xml><?xml version="1.0" encoding="utf-8"?>
+<cs:colorStyle xmlns:cs="http://schemas.microsoft.com/office/drawing/2012/chartStyle" xmlns:a="http://schemas.openxmlformats.org/drawingml/2006/main" meth="cycle" id="10">
+  <a:schemeClr val="accent1"/>
+  <a:schemeClr val="accent2"/>
+  <a:schemeClr val="accent3"/>
+  <a:schemeClr val="accent4"/>
+  <a:schemeClr val="accent5"/>
+  <a:schemeClr val="accent6"/>
+  <cs:variation/>
+  <cs:variation>
+    <a:lumMod val="60000"/>
+  </cs:variation>
+  <cs:variation>
+    <a:lumMod val="80000"/>
+    <a:lumOff val="20000"/>
+  </cs:variation>
+  <cs:variation>
+    <a:lumMod val="80000"/>
+  </cs:variation>
+  <cs:variation>
+    <a:lumMod val="60000"/>
+    <a:lumOff val="40000"/>
+  </cs:variation>
+  <cs:variation>
+    <a:lumMod val="50000"/>
+  </cs:variation>
+  <cs:variation>
+    <a:lumMod val="70000"/>
+    <a:lumOff val="30000"/>
+  </cs:variation>
+  <cs:variation>
+    <a:lumMod val="70000"/>
+  </cs:variation>
+  <cs:variation>
+    <a:lumMod val="50000"/>
+    <a:lumOff val="50000"/>
+  </cs:variation>
+</cs:colorStyle>
+</file>
+
+<file path=ppt/charts/colors4.xml><?xml version="1.0" encoding="utf-8"?>
+<cs:colorStyle xmlns:cs="http://schemas.microsoft.com/office/drawing/2012/chartStyle" xmlns:a="http://schemas.openxmlformats.org/drawingml/2006/main" meth="cycle" id="10">
+  <a:schemeClr val="accent1"/>
+  <a:schemeClr val="accent2"/>
+  <a:schemeClr val="accent3"/>
+  <a:schemeClr val="accent4"/>
+  <a:schemeClr val="accent5"/>
+  <a:schemeClr val="accent6"/>
+  <cs:variation/>
+  <cs:variation>
+    <a:lumMod val="60000"/>
+  </cs:variation>
+  <cs:variation>
+    <a:lumMod val="80000"/>
+    <a:lumOff val="20000"/>
+  </cs:variation>
+  <cs:variation>
+    <a:lumMod val="80000"/>
+  </cs:variation>
+  <cs:variation>
+    <a:lumMod val="60000"/>
+    <a:lumOff val="40000"/>
+  </cs:variation>
+  <cs:variation>
+    <a:lumMod val="50000"/>
+  </cs:variation>
+  <cs:variation>
+    <a:lumMod val="70000"/>
+    <a:lumOff val="30000"/>
+  </cs:variation>
+  <cs:variation>
+    <a:lumMod val="70000"/>
+  </cs:variation>
+  <cs:variation>
+    <a:lumMod val="50000"/>
+    <a:lumOff val="50000"/>
+  </cs:variation>
+</cs:colorStyle>
+</file>
+
+<file path=ppt/charts/colors5.xml><?xml version="1.0" encoding="utf-8"?>
+<cs:colorStyle xmlns:cs="http://schemas.microsoft.com/office/drawing/2012/chartStyle" xmlns:a="http://schemas.openxmlformats.org/drawingml/2006/main" meth="cycle" id="10">
+  <a:schemeClr val="accent1"/>
+  <a:schemeClr val="accent2"/>
+  <a:schemeClr val="accent3"/>
+  <a:schemeClr val="accent4"/>
+  <a:schemeClr val="accent5"/>
+  <a:schemeClr val="accent6"/>
+  <cs:variation/>
+  <cs:variation>
+    <a:lumMod val="60000"/>
+  </cs:variation>
+  <cs:variation>
+    <a:lumMod val="80000"/>
+    <a:lumOff val="20000"/>
+  </cs:variation>
+  <cs:variation>
+    <a:lumMod val="80000"/>
+  </cs:variation>
+  <cs:variation>
+    <a:lumMod val="60000"/>
+    <a:lumOff val="40000"/>
+  </cs:variation>
+  <cs:variation>
+    <a:lumMod val="50000"/>
+  </cs:variation>
+  <cs:variation>
+    <a:lumMod val="70000"/>
+    <a:lumOff val="30000"/>
+  </cs:variation>
+  <cs:variation>
+    <a:lumMod val="70000"/>
+  </cs:variation>
+  <cs:variation>
+    <a:lumMod val="50000"/>
+    <a:lumOff val="50000"/>
+  </cs:variation>
+</cs:colorStyle>
+</file>
+
+<file path=ppt/charts/colors6.xml><?xml version="1.0" encoding="utf-8"?>
+<cs:colorStyle xmlns:cs="http://schemas.microsoft.com/office/drawing/2012/chartStyle" xmlns:a="http://schemas.openxmlformats.org/drawingml/2006/main" meth="cycle" id="10">
+  <a:schemeClr val="accent1"/>
+  <a:schemeClr val="accent2"/>
+  <a:schemeClr val="accent3"/>
+  <a:schemeClr val="accent4"/>
+  <a:schemeClr val="accent5"/>
+  <a:schemeClr val="accent6"/>
+  <cs:variation/>
+  <cs:variation>
+    <a:lumMod val="60000"/>
+  </cs:variation>
+  <cs:variation>
+    <a:lumMod val="80000"/>
+    <a:lumOff val="20000"/>
+  </cs:variation>
+  <cs:variation>
+    <a:lumMod val="80000"/>
+  </cs:variation>
+  <cs:variation>
+    <a:lumMod val="60000"/>
+    <a:lumOff val="40000"/>
+  </cs:variation>
+  <cs:variation>
+    <a:lumMod val="50000"/>
+  </cs:variation>
+  <cs:variation>
+    <a:lumMod val="70000"/>
+    <a:lumOff val="30000"/>
+  </cs:variation>
+  <cs:variation>
+    <a:lumMod val="70000"/>
+  </cs:variation>
+  <cs:variation>
+    <a:lumMod val="50000"/>
+    <a:lumOff val="50000"/>
+  </cs:variation>
+</cs:colorStyle>
+</file>
+
+<file path=ppt/charts/colors7.xml><?xml version="1.0" encoding="utf-8"?>
+<cs:colorStyle xmlns:cs="http://schemas.microsoft.com/office/drawing/2012/chartStyle" xmlns:a="http://schemas.openxmlformats.org/drawingml/2006/main" meth="cycle" id="10">
+  <a:schemeClr val="accent1"/>
+  <a:schemeClr val="accent2"/>
+  <a:schemeClr val="accent3"/>
+  <a:schemeClr val="accent4"/>
+  <a:schemeClr val="accent5"/>
+  <a:schemeClr val="accent6"/>
+  <cs:variation/>
+  <cs:variation>
+    <a:lumMod val="60000"/>
+  </cs:variation>
+  <cs:variation>
+    <a:lumMod val="80000"/>
+    <a:lumOff val="20000"/>
+  </cs:variation>
+  <cs:variation>
+    <a:lumMod val="80000"/>
+  </cs:variation>
+  <cs:variation>
+    <a:lumMod val="60000"/>
+    <a:lumOff val="40000"/>
+  </cs:variation>
+  <cs:variation>
+    <a:lumMod val="50000"/>
+  </cs:variation>
+  <cs:variation>
+    <a:lumMod val="70000"/>
+    <a:lumOff val="30000"/>
+  </cs:variation>
+  <cs:variation>
+    <a:lumMod val="70000"/>
+  </cs:variation>
+  <cs:variation>
+    <a:lumMod val="50000"/>
+    <a:lumOff val="50000"/>
+  </cs:variation>
+</cs:colorStyle>
+</file>
+
+<file path=ppt/charts/colors8.xml><?xml version="1.0" encoding="utf-8"?>
+<cs:colorStyle xmlns:cs="http://schemas.microsoft.com/office/drawing/2012/chartStyle" xmlns:a="http://schemas.openxmlformats.org/drawingml/2006/main" meth="cycle" id="10">
+  <a:schemeClr val="accent1"/>
+  <a:schemeClr val="accent2"/>
+  <a:schemeClr val="accent3"/>
+  <a:schemeClr val="accent4"/>
+  <a:schemeClr val="accent5"/>
+  <a:schemeClr val="accent6"/>
+  <cs:variation/>
+  <cs:variation>
+    <a:lumMod val="60000"/>
+  </cs:variation>
+  <cs:variation>
+    <a:lumMod val="80000"/>
+    <a:lumOff val="20000"/>
+  </cs:variation>
+  <cs:variation>
+    <a:lumMod val="80000"/>
+  </cs:variation>
+  <cs:variation>
+    <a:lumMod val="60000"/>
+    <a:lumOff val="40000"/>
+  </cs:variation>
+  <cs:variation>
+    <a:lumMod val="50000"/>
+  </cs:variation>
+  <cs:variation>
+    <a:lumMod val="70000"/>
+    <a:lumOff val="30000"/>
+  </cs:variation>
+  <cs:variation>
+    <a:lumMod val="70000"/>
+  </cs:variation>
+  <cs:variation>
+    <a:lumMod val="50000"/>
+    <a:lumOff val="50000"/>
+  </cs:variation>
+</cs:colorStyle>
+</file>
+
+<file path=ppt/charts/style1.xml><?xml version="1.0" encoding="utf-8"?>
+<cs:chartStyle xmlns:cs="http://schemas.microsoft.com/office/drawing/2012/chartStyle" xmlns:a="http://schemas.openxmlformats.org/drawingml/2006/main" id="258">
+  <cs:axisTitle>
+    <cs:lnRef idx="0"/>
+    <cs:fillRef idx="0"/>
+    <cs:effectRef idx="0"/>
+    <cs:fontRef idx="minor">
+      <a:schemeClr val="tx1">
+        <a:lumMod val="65000"/>
+        <a:lumOff val="35000"/>
+      </a:schemeClr>
+    </cs:fontRef>
+    <cs:defRPr sz="900" kern="1200"/>
+  </cs:axisTitle>
+  <cs:categoryAxis>
+    <cs:lnRef idx="0"/>
+    <cs:fillRef idx="0"/>
+    <cs:effectRef idx="0"/>
+    <cs:fontRef idx="minor">
+      <a:schemeClr val="tx1">
+        <a:lumMod val="65000"/>
+        <a:lumOff val="35000"/>
+      </a:schemeClr>
+    </cs:fontRef>
+    <cs:defRPr sz="900" kern="1200"/>
+  </cs:categoryAxis>
+  <cs:chartArea mods="allowNoFillOverride allowNoLineOverride">
+    <cs:lnRef idx="0"/>
+    <cs:fillRef idx="0"/>
+    <cs:effectRef idx="0"/>
+    <cs:fontRef idx="minor">
+      <a:schemeClr val="tx1"/>
+    </cs:fontRef>
+    <cs:spPr>
+      <a:solidFill>
+        <a:schemeClr val="bg1"/>
+      </a:solidFill>
+      <a:ln w="9525" cap="flat" cmpd="sng" algn="ctr">
+        <a:solidFill>
+          <a:schemeClr val="tx1">
+            <a:lumMod val="15000"/>
+            <a:lumOff val="85000"/>
+          </a:schemeClr>
+        </a:solidFill>
+        <a:round/>
+      </a:ln>
+    </cs:spPr>
+    <cs:defRPr sz="900" kern="1200"/>
+  </cs:chartArea>
+  <cs:dataLabel>
+    <cs:lnRef idx="0"/>
+    <cs:fillRef idx="0"/>
+    <cs:effectRef idx="0"/>
+    <cs:fontRef idx="minor">
+      <a:schemeClr val="lt1"/>
+    </cs:fontRef>
+    <cs:defRPr sz="900" b="1" kern="1200"/>
+  </cs:dataLabel>
+  <cs:dataLabelCallout>
+    <cs:lnRef idx="0"/>
+    <cs:fillRef idx="0"/>
+    <cs:effectRef idx="0"/>
+    <cs:fontRef idx="minor">
+      <a:schemeClr val="dk1">
+        <a:lumMod val="65000"/>
+        <a:lumOff val="35000"/>
+      </a:schemeClr>
+    </cs:fontRef>
+    <cs:spPr>
+      <a:solidFill>
+        <a:schemeClr val="lt1"/>
+      </a:solidFill>
+      <a:ln>
+        <a:solidFill>
+          <a:schemeClr val="dk1">
+            <a:lumMod val="25000"/>
+            <a:lumOff val="75000"/>
+          </a:schemeClr>
+        </a:solidFill>
+      </a:ln>
+    </cs:spPr>
+    <cs:defRPr sz="900" kern="1200"/>
+    <cs:bodyPr rot="0" spcFirstLastPara="1" vertOverflow="clip" horzOverflow="clip" vert="horz" wrap="square" lIns="36576" tIns="18288" rIns="36576" bIns="18288" anchor="ctr" anchorCtr="1">
+      <a:spAutoFit/>
+    </cs:bodyPr>
+  </cs:dataLabelCallout>
+  <cs:dataPoint>
+    <cs:lnRef idx="0"/>
+    <cs:fillRef idx="0">
+      <cs:styleClr val="auto"/>
+    </cs:fillRef>
+    <cs:effectRef idx="0"/>
+    <cs:fontRef idx="minor">
+      <a:schemeClr val="tx1"/>
+    </cs:fontRef>
+    <cs:spPr>
+      <a:solidFill>
+        <a:schemeClr val="phClr"/>
+      </a:solidFill>
+      <a:scene3d>
+        <a:camera prst="orthographicFront"/>
+        <a:lightRig rig="brightRoom" dir="t"/>
+      </a:scene3d>
+      <a:sp3d prstMaterial="flat">
+        <a:bevelT w="50800" h="101600" prst="angle"/>
+        <a:contourClr>
+          <a:srgbClr val="000000"/>
+        </a:contourClr>
+      </a:sp3d>
+    </cs:spPr>
+  </cs:dataPoint>
+  <cs:dataPoint3D>
+    <cs:lnRef idx="0"/>
+    <cs:fillRef idx="0">
+      <cs:styleClr val="auto"/>
+    </cs:fillRef>
+    <cs:effectRef idx="0"/>
+    <cs:fontRef idx="minor">
+      <a:schemeClr val="tx1"/>
+    </cs:fontRef>
+    <cs:spPr>
+      <a:solidFill>
+        <a:schemeClr val="phClr"/>
+      </a:solidFill>
+      <a:ln w="19050">
+        <a:solidFill>
+          <a:schemeClr val="lt1"/>
+        </a:solidFill>
+      </a:ln>
+    </cs:spPr>
+  </cs:dataPoint3D>
+  <cs:dataPointLine>
+    <cs:lnRef idx="0">
+      <cs:styleClr val="auto"/>
+    </cs:lnRef>
+    <cs:fillRef idx="0"/>
+    <cs:effectRef idx="0"/>
+    <cs:fontRef idx="minor">
+      <a:schemeClr val="tx1"/>
+    </cs:fontRef>
+    <cs:spPr>
+      <a:ln w="28575" cap="rnd">
+        <a:solidFill>
+          <a:schemeClr val="phClr"/>
+        </a:solidFill>
+        <a:round/>
+      </a:ln>
+    </cs:spPr>
+  </cs:dataPointLine>
+  <cs:dataPointMarker>
+    <cs:lnRef idx="0"/>
+    <cs:fillRef idx="0">
+      <cs:styleClr val="auto"/>
+    </cs:fillRef>
+    <cs:effectRef idx="0"/>
+    <cs:fontRef idx="minor">
+      <a:schemeClr val="tx1"/>
+    </cs:fontRef>
+    <cs:spPr>
+      <a:solidFill>
+        <a:schemeClr val="phClr"/>
+      </a:solidFill>
+      <a:ln w="9525">
+        <a:solidFill>
+          <a:schemeClr val="lt1"/>
+        </a:solidFill>
+      </a:ln>
+    </cs:spPr>
+  </cs:dataPointMarker>
+  <cs:dataPointMarkerLayout symbol="circle" size="6"/>
+  <cs:dataPointWireframe>
+    <cs:lnRef idx="0">
+      <cs:styleClr val="auto"/>
+    </cs:lnRef>
+    <cs:fillRef idx="0"/>
+    <cs:effectRef idx="0"/>
+    <cs:fontRef idx="minor">
+      <a:schemeClr val="tx1"/>
+    </cs:fontRef>
+    <cs:spPr>
+      <a:ln w="9525" cap="rnd">
+        <a:solidFill>
+          <a:schemeClr val="phClr"/>
+        </a:solidFill>
+        <a:round/>
+      </a:ln>
+    </cs:spPr>
+  </cs:dataPointWireframe>
+  <cs:dataTable>
+    <cs:lnRef idx="0"/>
+    <cs:fillRef idx="0"/>
+    <cs:effectRef idx="0"/>
+    <cs:fontRef idx="minor">
+      <a:schemeClr val="tx1">
+        <a:lumMod val="65000"/>
+        <a:lumOff val="35000"/>
+      </a:schemeClr>
+    </cs:fontRef>
+    <cs:spPr>
+      <a:noFill/>
+      <a:ln w="9525" cap="flat" cmpd="sng" algn="ctr">
+        <a:solidFill>
+          <a:schemeClr val="tx1">
+            <a:lumMod val="15000"/>
+            <a:lumOff val="85000"/>
+          </a:schemeClr>
+        </a:solidFill>
+        <a:round/>
+      </a:ln>
+    </cs:spPr>
+    <cs:defRPr sz="900" kern="1200"/>
+  </cs:dataTable>
+  <cs:downBar>
+    <cs:lnRef idx="0"/>
+    <cs:fillRef idx="0"/>
+    <cs:effectRef idx="0"/>
+    <cs:fontRef idx="minor">
+      <a:schemeClr val="tx1"/>
+    </cs:fontRef>
+    <cs:spPr>
+      <a:solidFill>
+        <a:schemeClr val="dk1">
+          <a:lumMod val="75000"/>
+          <a:lumOff val="25000"/>
+        </a:schemeClr>
+      </a:solidFill>
+      <a:ln w="9525" cap="flat" cmpd="sng" algn="ctr">
+        <a:solidFill>
+          <a:schemeClr val="tx1">
+            <a:lumMod val="65000"/>
+            <a:lumOff val="35000"/>
+          </a:schemeClr>
+        </a:solidFill>
+        <a:round/>
+      </a:ln>
+    </cs:spPr>
+  </cs:downBar>
+  <cs:dropLine>
+    <cs:lnRef idx="0"/>
+    <cs:fillRef idx="0"/>
+    <cs:effectRef idx="0"/>
+    <cs:fontRef idx="minor">
+      <a:schemeClr val="tx1"/>
+    </cs:fontRef>
+    <cs:spPr>
+      <a:ln w="9525" cap="flat" cmpd="sng" algn="ctr">
+        <a:solidFill>
+          <a:schemeClr val="tx1">
+            <a:lumMod val="35000"/>
+            <a:lumOff val="65000"/>
+          </a:schemeClr>
+        </a:solidFill>
+        <a:round/>
+      </a:ln>
+    </cs:spPr>
+  </cs:dropLine>
+  <cs:errorBar>
+    <cs:lnRef idx="0"/>
+    <cs:fillRef idx="0"/>
+    <cs:effectRef idx="0"/>
+    <cs:fontRef idx="minor">
+      <a:schemeClr val="tx1"/>
+    </cs:fontRef>
+    <cs:spPr>
+      <a:ln w="9525" cap="flat" cmpd="sng" algn="ctr">
+        <a:solidFill>
+          <a:schemeClr val="tx1">
+            <a:lumMod val="65000"/>
+            <a:lumOff val="35000"/>
+          </a:schemeClr>
+        </a:solidFill>
+        <a:round/>
+      </a:ln>
+    </cs:spPr>
+  </cs:errorBar>
+  <cs:floor>
+    <cs:lnRef idx="0"/>
+    <cs:fillRef idx="0"/>
+    <cs:effectRef idx="0"/>
+    <cs:fontRef idx="minor">
+      <a:schemeClr val="tx1"/>
+    </cs:fontRef>
+    <cs:spPr>
+      <a:noFill/>
+      <a:ln>
+        <a:noFill/>
+      </a:ln>
+    </cs:spPr>
+  </cs:floor>
+  <cs:gridlineMajor>
+    <cs:lnRef idx="0"/>
+    <cs:fillRef idx="0"/>
+    <cs:effectRef idx="0"/>
+    <cs:fontRef idx="minor">
+      <a:schemeClr val="tx1"/>
+    </cs:fontRef>
+    <cs:spPr>
+      <a:ln w="9525" cap="flat" cmpd="sng" algn="ctr">
+        <a:solidFill>
+          <a:schemeClr val="tx1">
+            <a:lumMod val="15000"/>
+            <a:lumOff val="85000"/>
+          </a:schemeClr>
+        </a:solidFill>
+        <a:round/>
+      </a:ln>
+    </cs:spPr>
+  </cs:gridlineMajor>
+  <cs:gridlineMinor>
+    <cs:lnRef idx="0"/>
+    <cs:fillRef idx="0"/>
+    <cs:effectRef idx="0"/>
+    <cs:fontRef idx="minor">
+      <a:schemeClr val="tx1"/>
+    </cs:fontRef>
+    <cs:spPr>
+      <a:ln w="9525" cap="flat" cmpd="sng" algn="ctr">
+        <a:solidFill>
+          <a:schemeClr val="tx1">
+            <a:lumMod val="5000"/>
+            <a:lumOff val="95000"/>
+          </a:schemeClr>
+        </a:solidFill>
+        <a:round/>
+      </a:ln>
+    </cs:spPr>
+  </cs:gridlineMinor>
+  <cs:hiLoLine>
+    <cs:lnRef idx="0"/>
+    <cs:fillRef idx="0"/>
+    <cs:effectRef idx="0"/>
+    <cs:fontRef idx="minor">
+      <a:schemeClr val="tx1"/>
+    </cs:fontRef>
+    <cs:spPr>
+      <a:ln w="9525" cap="flat" cmpd="sng" algn="ctr">
+        <a:solidFill>
+          <a:schemeClr val="tx1">
+            <a:lumMod val="50000"/>
+            <a:lumOff val="50000"/>
+          </a:schemeClr>
+        </a:solidFill>
+        <a:round/>
+      </a:ln>
+    </cs:spPr>
+  </cs:hiLoLine>
+  <cs:leaderLine>
+    <cs:lnRef idx="0"/>
+    <cs:fillRef idx="0"/>
+    <cs:effectRef idx="0"/>
+    <cs:fontRef idx="minor">
+      <a:schemeClr val="tx1"/>
+    </cs:fontRef>
+    <cs:spPr>
+      <a:ln w="9525" cap="flat" cmpd="sng" algn="ctr">
+        <a:solidFill>
+          <a:schemeClr val="tx1">
+            <a:lumMod val="35000"/>
+            <a:lumOff val="65000"/>
+          </a:schemeClr>
+        </a:solidFill>
+        <a:round/>
+      </a:ln>
+    </cs:spPr>
+  </cs:leaderLine>
+  <cs:legend>
+    <cs:lnRef idx="0"/>
+    <cs:fillRef idx="0"/>
+    <cs:effectRef idx="0"/>
+    <cs:fontRef idx="minor">
+      <a:schemeClr val="tx1">
+        <a:lumMod val="65000"/>
+        <a:lumOff val="35000"/>
+      </a:schemeClr>
+    </cs:fontRef>
+    <cs:defRPr sz="900" kern="1200"/>
+  </cs:legend>
+  <cs:plotArea mods="allowNoFillOverride allowNoLineOverride">
+    <cs:lnRef idx="0"/>
+    <cs:fillRef idx="0"/>
+    <cs:effectRef idx="0"/>
+    <cs:fontRef idx="minor">
+      <a:schemeClr val="tx1"/>
+    </cs:fontRef>
+  </cs:plotArea>
+  <cs:plotArea3D mods="allowNoFillOverride allowNoLineOverride">
+    <cs:lnRef idx="0"/>
+    <cs:fillRef idx="0"/>
+    <cs:effectRef idx="0"/>
+    <cs:fontRef idx="minor">
+      <a:schemeClr val="tx1"/>
+    </cs:fontRef>
+  </cs:plotArea3D>
+  <cs:seriesAxis>
+    <cs:lnRef idx="0"/>
+    <cs:fillRef idx="0"/>
+    <cs:effectRef idx="0"/>
+    <cs:fontRef idx="minor">
+      <a:schemeClr val="tx1">
+        <a:lumMod val="65000"/>
+        <a:lumOff val="35000"/>
+      </a:schemeClr>
+    </cs:fontRef>
+    <cs:defRPr sz="900" kern="1200"/>
+  </cs:seriesAxis>
+  <cs:seriesLine>
+    <cs:lnRef idx="0"/>
+    <cs:fillRef idx="0"/>
+    <cs:effectRef idx="0"/>
+    <cs:fontRef idx="minor">
+      <a:schemeClr val="tx1"/>
+    </cs:fontRef>
+    <cs:spPr>
+      <a:ln w="9525" cap="flat" cmpd="sng" algn="ctr">
+        <a:solidFill>
+          <a:schemeClr val="tx1">
+            <a:lumMod val="35000"/>
+            <a:lumOff val="65000"/>
+          </a:schemeClr>
+        </a:solidFill>
+        <a:round/>
+      </a:ln>
+    </cs:spPr>
+  </cs:seriesLine>
+  <cs:title>
+    <cs:lnRef idx="0"/>
+    <cs:fillRef idx="0"/>
+    <cs:effectRef idx="0"/>
+    <cs:fontRef idx="minor">
+      <a:schemeClr val="tx1">
+        <a:lumMod val="65000"/>
+        <a:lumOff val="35000"/>
+      </a:schemeClr>
+    </cs:fontRef>
+    <cs:defRPr sz="1400" b="1" i="0" kern="1200" cap="all" spc="50" baseline="0"/>
+  </cs:title>
+  <cs:trendline>
+    <cs:lnRef idx="0">
+      <cs:styleClr val="auto"/>
+    </cs:lnRef>
+    <cs:fillRef idx="0"/>
+    <cs:effectRef idx="0"/>
+    <cs:fontRef idx="minor">
+      <a:schemeClr val="tx1"/>
+    </cs:fontRef>
+    <cs:spPr>
+      <a:ln w="19050" cap="rnd">
+        <a:solidFill>
+          <a:schemeClr val="phClr"/>
+        </a:solidFill>
+        <a:prstDash val="sysDash"/>
+      </a:ln>
+    </cs:spPr>
+  </cs:trendline>
+  <cs:trendlineLabel>
+    <cs:lnRef idx="0"/>
+    <cs:fillRef idx="0"/>
+    <cs:effectRef idx="0"/>
+    <cs:fontRef idx="minor">
+      <a:schemeClr val="tx1">
+        <a:lumMod val="65000"/>
+        <a:lumOff val="35000"/>
+      </a:schemeClr>
+    </cs:fontRef>
+    <cs:defRPr sz="900" kern="1200"/>
+  </cs:trendlineLabel>
+  <cs:upBar>
+    <cs:lnRef idx="0"/>
+    <cs:fillRef idx="0"/>
+    <cs:effectRef idx="0"/>
+    <cs:fontRef idx="minor">
+      <a:schemeClr val="tx1"/>
+    </cs:fontRef>
+    <cs:spPr>
+      <a:solidFill>
+        <a:schemeClr val="lt1"/>
+      </a:solidFill>
+      <a:ln w="9525" cap="flat" cmpd="sng" algn="ctr">
+        <a:solidFill>
+          <a:schemeClr val="tx1">
+            <a:lumMod val="65000"/>
+            <a:lumOff val="35000"/>
+          </a:schemeClr>
+        </a:solidFill>
+        <a:round/>
+      </a:ln>
+    </cs:spPr>
+  </cs:upBar>
+  <cs:valueAxis>
+    <cs:lnRef idx="0"/>
+    <cs:fillRef idx="0"/>
+    <cs:effectRef idx="0"/>
+    <cs:fontRef idx="minor">
+      <a:schemeClr val="tx1">
+        <a:lumMod val="65000"/>
+        <a:lumOff val="35000"/>
+      </a:schemeClr>
+    </cs:fontRef>
+    <cs:defRPr sz="900" kern="1200"/>
+  </cs:valueAxis>
+  <cs:wall>
+    <cs:lnRef idx="0"/>
+    <cs:fillRef idx="0"/>
+    <cs:effectRef idx="0"/>
+    <cs:fontRef idx="minor">
+      <a:schemeClr val="tx1"/>
+    </cs:fontRef>
+    <cs:spPr>
+      <a:noFill/>
+      <a:ln>
+        <a:noFill/>
+      </a:ln>
+    </cs:spPr>
+  </cs:wall>
+</cs:chartStyle>
+</file>
+
+<file path=ppt/charts/style2.xml><?xml version="1.0" encoding="utf-8"?>
+<cs:chartStyle xmlns:cs="http://schemas.microsoft.com/office/drawing/2012/chartStyle" xmlns:a="http://schemas.openxmlformats.org/drawingml/2006/main" id="251">
+  <cs:axisTitle>
+    <cs:lnRef idx="0"/>
+    <cs:fillRef idx="0"/>
+    <cs:effectRef idx="0"/>
+    <cs:fontRef idx="minor">
+      <a:schemeClr val="tx1">
+        <a:lumMod val="65000"/>
+        <a:lumOff val="35000"/>
+      </a:schemeClr>
+    </cs:fontRef>
+    <cs:defRPr sz="1000" kern="1200"/>
+  </cs:axisTitle>
+  <cs:categoryAxis>
+    <cs:lnRef idx="0"/>
+    <cs:fillRef idx="0"/>
+    <cs:effectRef idx="0"/>
+    <cs:fontRef idx="minor">
+      <a:schemeClr val="tx1">
+        <a:lumMod val="65000"/>
+        <a:lumOff val="35000"/>
+      </a:schemeClr>
+    </cs:fontRef>
+    <cs:spPr>
+      <a:ln w="9525" cap="flat" cmpd="sng" algn="ctr">
+        <a:solidFill>
+          <a:schemeClr val="tx1">
+            <a:lumMod val="15000"/>
+            <a:lumOff val="85000"/>
+          </a:schemeClr>
+        </a:solidFill>
+        <a:round/>
+      </a:ln>
+    </cs:spPr>
+    <cs:defRPr sz="900" kern="1200"/>
+  </cs:categoryAxis>
+  <cs:chartArea mods="allowNoFillOverride allowNoLineOverride">
+    <cs:lnRef idx="0"/>
+    <cs:fillRef idx="0"/>
+    <cs:effectRef idx="0"/>
+    <cs:fontRef idx="minor">
+      <a:schemeClr val="tx1"/>
+    </cs:fontRef>
+    <cs:spPr>
+      <a:solidFill>
+        <a:schemeClr val="bg1"/>
+      </a:solidFill>
+      <a:ln w="9525" cap="flat" cmpd="sng" algn="ctr">
+        <a:solidFill>
+          <a:schemeClr val="tx1">
+            <a:lumMod val="15000"/>
+            <a:lumOff val="85000"/>
+          </a:schemeClr>
+        </a:solidFill>
+        <a:round/>
+      </a:ln>
+    </cs:spPr>
+    <cs:defRPr sz="900" kern="1200"/>
+  </cs:chartArea>
+  <cs:dataLabel>
+    <cs:lnRef idx="0"/>
+    <cs:fillRef idx="0"/>
+    <cs:effectRef idx="0"/>
+    <cs:fontRef idx="minor">
+      <a:schemeClr val="tx1">
+        <a:lumMod val="75000"/>
+        <a:lumOff val="25000"/>
+      </a:schemeClr>
+    </cs:fontRef>
+    <cs:defRPr sz="900" kern="1200"/>
+  </cs:dataLabel>
+  <cs:dataLabelCallout>
+    <cs:lnRef idx="0"/>
+    <cs:fillRef idx="0"/>
+    <cs:effectRef idx="0"/>
+    <cs:fontRef idx="minor">
+      <a:schemeClr val="dk1">
+        <a:lumMod val="65000"/>
+        <a:lumOff val="35000"/>
+      </a:schemeClr>
+    </cs:fontRef>
+    <cs:spPr>
+      <a:solidFill>
+        <a:schemeClr val="lt1"/>
+      </a:solidFill>
+      <a:ln>
+        <a:solidFill>
+          <a:schemeClr val="dk1">
+            <a:lumMod val="25000"/>
+            <a:lumOff val="75000"/>
+          </a:schemeClr>
+        </a:solidFill>
+      </a:ln>
+    </cs:spPr>
+    <cs:defRPr sz="900" kern="1200"/>
+    <cs:bodyPr rot="0" spcFirstLastPara="1" vertOverflow="clip" horzOverflow="clip" vert="horz" wrap="square" lIns="36576" tIns="18288" rIns="36576" bIns="18288" anchor="ctr" anchorCtr="1">
+      <a:spAutoFit/>
+    </cs:bodyPr>
+  </cs:dataLabelCallout>
+  <cs:dataPoint>
+    <cs:lnRef idx="0"/>
+    <cs:fillRef idx="1">
+      <cs:styleClr val="auto"/>
+    </cs:fillRef>
+    <cs:effectRef idx="0"/>
+    <cs:fontRef idx="minor">
+      <a:schemeClr val="tx1"/>
+    </cs:fontRef>
+    <cs:spPr>
+      <a:ln w="19050">
+        <a:solidFill>
+          <a:schemeClr val="lt1"/>
+        </a:solidFill>
+      </a:ln>
+    </cs:spPr>
+  </cs:dataPoint>
+  <cs:dataPoint3D>
+    <cs:lnRef idx="0"/>
+    <cs:fillRef idx="1">
+      <cs:styleClr val="auto"/>
+    </cs:fillRef>
+    <cs:effectRef idx="0"/>
+    <cs:fontRef idx="minor">
+      <a:schemeClr val="tx1"/>
+    </cs:fontRef>
+    <cs:spPr>
+      <a:ln w="25400">
+        <a:solidFill>
+          <a:schemeClr val="lt1"/>
+        </a:solidFill>
+      </a:ln>
+    </cs:spPr>
+  </cs:dataPoint3D>
+  <cs:dataPointLine>
+    <cs:lnRef idx="0">
+      <cs:styleClr val="auto"/>
+    </cs:lnRef>
+    <cs:fillRef idx="0"/>
+    <cs:effectRef idx="0"/>
+    <cs:fontRef idx="minor">
+      <a:schemeClr val="tx1"/>
+    </cs:fontRef>
+    <cs:spPr>
+      <a:ln w="28575" cap="rnd">
+        <a:solidFill>
+          <a:schemeClr val="phClr"/>
+        </a:solidFill>
+        <a:round/>
+      </a:ln>
+    </cs:spPr>
+  </cs:dataPointLine>
+  <cs:dataPointMarker>
+    <cs:lnRef idx="0">
+      <cs:styleClr val="auto"/>
+    </cs:lnRef>
+    <cs:fillRef idx="1">
+      <cs:styleClr val="auto"/>
+    </cs:fillRef>
+    <cs:effectRef idx="0"/>
+    <cs:fontRef idx="minor">
+      <a:schemeClr val="tx1"/>
+    </cs:fontRef>
+    <cs:spPr>
+      <a:ln w="9525">
+        <a:solidFill>
+          <a:schemeClr val="phClr"/>
+        </a:solidFill>
+      </a:ln>
+    </cs:spPr>
+  </cs:dataPointMarker>
+  <cs:dataPointMarkerLayout symbol="circle" size="5"/>
+  <cs:dataPointWireframe>
+    <cs:lnRef idx="0">
+      <cs:styleClr val="auto"/>
+    </cs:lnRef>
+    <cs:fillRef idx="0"/>
+    <cs:effectRef idx="0"/>
+    <cs:fontRef idx="minor">
+      <a:schemeClr val="tx1"/>
+    </cs:fontRef>
+    <cs:spPr>
+      <a:ln w="9525" cap="rnd">
+        <a:solidFill>
+          <a:schemeClr val="phClr"/>
+        </a:solidFill>
+        <a:round/>
+      </a:ln>
+    </cs:spPr>
+  </cs:dataPointWireframe>
+  <cs:dataTable>
+    <cs:lnRef idx="0"/>
+    <cs:fillRef idx="0"/>
+    <cs:effectRef idx="0"/>
+    <cs:fontRef idx="minor">
+      <a:schemeClr val="tx1">
+        <a:lumMod val="65000"/>
+        <a:lumOff val="35000"/>
+      </a:schemeClr>
+    </cs:fontRef>
+    <cs:spPr>
+      <a:noFill/>
+      <a:ln w="9525" cap="flat" cmpd="sng" algn="ctr">
+        <a:solidFill>
+          <a:schemeClr val="tx1">
+            <a:lumMod val="15000"/>
+            <a:lumOff val="85000"/>
+          </a:schemeClr>
+        </a:solidFill>
+        <a:round/>
+      </a:ln>
+    </cs:spPr>
+    <cs:defRPr sz="900" kern="1200"/>
+  </cs:dataTable>
+  <cs:downBar>
+    <cs:lnRef idx="0"/>
+    <cs:fillRef idx="0"/>
+    <cs:effectRef idx="0"/>
+    <cs:fontRef idx="minor">
+      <a:schemeClr val="tx1"/>
+    </cs:fontRef>
+    <cs:spPr>
+      <a:solidFill>
+        <a:schemeClr val="dk1">
+          <a:lumMod val="75000"/>
+          <a:lumOff val="25000"/>
+        </a:schemeClr>
+      </a:solidFill>
+      <a:ln w="9525" cap="flat" cmpd="sng" algn="ctr">
+        <a:solidFill>
+          <a:schemeClr val="tx1">
+            <a:lumMod val="65000"/>
+            <a:lumOff val="35000"/>
+          </a:schemeClr>
+        </a:solidFill>
+        <a:round/>
+      </a:ln>
+    </cs:spPr>
+  </cs:downBar>
+  <cs:dropLine>
+    <cs:lnRef idx="0"/>
+    <cs:fillRef idx="0"/>
+    <cs:effectRef idx="0"/>
+    <cs:fontRef idx="minor">
+      <a:schemeClr val="tx1"/>
+    </cs:fontRef>
+    <cs:spPr>
+      <a:ln w="9525" cap="flat" cmpd="sng" algn="ctr">
+        <a:solidFill>
+          <a:schemeClr val="tx1">
+            <a:lumMod val="35000"/>
+            <a:lumOff val="65000"/>
+          </a:schemeClr>
+        </a:solidFill>
+        <a:round/>
+      </a:ln>
+    </cs:spPr>
+  </cs:dropLine>
+  <cs:errorBar>
+    <cs:lnRef idx="0"/>
+    <cs:fillRef idx="0"/>
+    <cs:effectRef idx="0"/>
+    <cs:fontRef idx="minor">
+      <a:schemeClr val="tx1"/>
+    </cs:fontRef>
+    <cs:spPr>
+      <a:ln w="9525" cap="flat" cmpd="sng" algn="ctr">
+        <a:solidFill>
+          <a:schemeClr val="tx1">
+            <a:lumMod val="65000"/>
+            <a:lumOff val="35000"/>
+          </a:schemeClr>
+        </a:solidFill>
+        <a:round/>
+      </a:ln>
+    </cs:spPr>
+  </cs:errorBar>
+  <cs:floor>
+    <cs:lnRef idx="0"/>
+    <cs:fillRef idx="0"/>
+    <cs:effectRef idx="0"/>
+    <cs:fontRef idx="minor">
+      <a:schemeClr val="tx1"/>
+    </cs:fontRef>
+    <cs:spPr>
+      <a:noFill/>
+      <a:ln>
+        <a:noFill/>
+      </a:ln>
+    </cs:spPr>
+  </cs:floor>
+  <cs:gridlineMajor>
+    <cs:lnRef idx="0"/>
+    <cs:fillRef idx="0"/>
+    <cs:effectRef idx="0"/>
+    <cs:fontRef idx="minor">
+      <a:schemeClr val="tx1"/>
+    </cs:fontRef>
+    <cs:spPr>
+      <a:ln w="9525" cap="flat" cmpd="sng" algn="ctr">
+        <a:solidFill>
+          <a:schemeClr val="tx1">
+            <a:lumMod val="15000"/>
+            <a:lumOff val="85000"/>
+          </a:schemeClr>
+        </a:solidFill>
+        <a:round/>
+      </a:ln>
+    </cs:spPr>
+  </cs:gridlineMajor>
+  <cs:gridlineMinor>
+    <cs:lnRef idx="0"/>
+    <cs:fillRef idx="0"/>
+    <cs:effectRef idx="0"/>
+    <cs:fontRef idx="minor">
+      <a:schemeClr val="tx1"/>
+    </cs:fontRef>
+    <cs:spPr>
+      <a:ln w="9525" cap="flat" cmpd="sng" algn="ctr">
+        <a:solidFill>
+          <a:schemeClr val="tx1">
+            <a:lumMod val="5000"/>
+            <a:lumOff val="95000"/>
+          </a:schemeClr>
+        </a:solidFill>
+        <a:round/>
+      </a:ln>
+    </cs:spPr>
+  </cs:gridlineMinor>
+  <cs:hiLoLine>
+    <cs:lnRef idx="0"/>
+    <cs:fillRef idx="0"/>
+    <cs:effectRef idx="0"/>
+    <cs:fontRef idx="minor">
+      <a:schemeClr val="tx1"/>
+    </cs:fontRef>
+    <cs:spPr>
+      <a:ln w="9525" cap="flat" cmpd="sng" algn="ctr">
+        <a:solidFill>
+          <a:schemeClr val="tx1">
+            <a:lumMod val="50000"/>
+            <a:lumOff val="50000"/>
+          </a:schemeClr>
+        </a:solidFill>
+        <a:round/>
+      </a:ln>
+    </cs:spPr>
+  </cs:hiLoLine>
+  <cs:leaderLine>
+    <cs:lnRef idx="0"/>
+    <cs:fillRef idx="0"/>
+    <cs:effectRef idx="0"/>
+    <cs:fontRef idx="minor">
+      <a:schemeClr val="tx1"/>
+    </cs:fontRef>
+    <cs:spPr>
+      <a:ln w="9525" cap="flat" cmpd="sng" algn="ctr">
+        <a:solidFill>
+          <a:schemeClr val="tx1">
+            <a:lumMod val="35000"/>
+            <a:lumOff val="65000"/>
+          </a:schemeClr>
+        </a:solidFill>
+        <a:round/>
+      </a:ln>
+    </cs:spPr>
+  </cs:leaderLine>
+  <cs:legend>
+    <cs:lnRef idx="0"/>
+    <cs:fillRef idx="0"/>
+    <cs:effectRef idx="0"/>
+    <cs:fontRef idx="minor">
+      <a:schemeClr val="tx1">
+        <a:lumMod val="65000"/>
+        <a:lumOff val="35000"/>
+      </a:schemeClr>
+    </cs:fontRef>
+    <cs:defRPr sz="900" kern="1200"/>
+  </cs:legend>
+  <cs:plotArea mods="allowNoFillOverride allowNoLineOverride">
+    <cs:lnRef idx="0"/>
+    <cs:fillRef idx="0"/>
+    <cs:effectRef idx="0"/>
+    <cs:fontRef idx="minor">
+      <a:schemeClr val="tx1"/>
+    </cs:fontRef>
+  </cs:plotArea>
+  <cs:plotArea3D mods="allowNoFillOverride allowNoLineOverride">
+    <cs:lnRef idx="0"/>
+    <cs:fillRef idx="0"/>
+    <cs:effectRef idx="0"/>
+    <cs:fontRef idx="minor">
+      <a:schemeClr val="tx1"/>
+    </cs:fontRef>
+  </cs:plotArea3D>
+  <cs:seriesAxis>
+    <cs:lnRef idx="0"/>
+    <cs:fillRef idx="0"/>
+    <cs:effectRef idx="0"/>
+    <cs:fontRef idx="minor">
+      <a:schemeClr val="tx1">
+        <a:lumMod val="65000"/>
+        <a:lumOff val="35000"/>
+      </a:schemeClr>
+    </cs:fontRef>
+    <cs:defRPr sz="900" kern="1200"/>
+  </cs:seriesAxis>
+  <cs:seriesLine>
+    <cs:lnRef idx="0"/>
+    <cs:fillRef idx="0"/>
+    <cs:effectRef idx="0"/>
+    <cs:fontRef idx="minor">
+      <a:schemeClr val="tx1"/>
+    </cs:fontRef>
+    <cs:spPr>
+      <a:ln w="9525" cap="flat" cmpd="sng" algn="ctr">
+        <a:solidFill>
+          <a:schemeClr val="tx1">
+            <a:lumMod val="35000"/>
+            <a:lumOff val="65000"/>
+          </a:schemeClr>
+        </a:solidFill>
+        <a:round/>
+      </a:ln>
+    </cs:spPr>
+  </cs:seriesLine>
+  <cs:title>
+    <cs:lnRef idx="0"/>
+    <cs:fillRef idx="0"/>
+    <cs:effectRef idx="0"/>
+    <cs:fontRef idx="minor">
+      <a:schemeClr val="tx1">
+        <a:lumMod val="65000"/>
+        <a:lumOff val="35000"/>
+      </a:schemeClr>
+    </cs:fontRef>
+    <cs:defRPr sz="1400" b="0" kern="1200" spc="0" baseline="0"/>
+  </cs:title>
+  <cs:trendline>
+    <cs:lnRef idx="0">
+      <cs:styleClr val="auto"/>
+    </cs:lnRef>
+    <cs:fillRef idx="0"/>
+    <cs:effectRef idx="0"/>
+    <cs:fontRef idx="minor">
+      <a:schemeClr val="tx1"/>
+    </cs:fontRef>
+    <cs:spPr>
+      <a:ln w="19050" cap="rnd">
+        <a:solidFill>
+          <a:schemeClr val="phClr"/>
+        </a:solidFill>
+        <a:prstDash val="sysDot"/>
+      </a:ln>
+    </cs:spPr>
+  </cs:trendline>
+  <cs:trendlineLabel>
+    <cs:lnRef idx="0"/>
+    <cs:fillRef idx="0"/>
+    <cs:effectRef idx="0"/>
+    <cs:fontRef idx="minor">
+      <a:schemeClr val="tx1">
+        <a:lumMod val="65000"/>
+        <a:lumOff val="35000"/>
+      </a:schemeClr>
+    </cs:fontRef>
+    <cs:defRPr sz="900" kern="1200"/>
+  </cs:trendlineLabel>
+  <cs:upBar>
+    <cs:lnRef idx="0"/>
+    <cs:fillRef idx="0"/>
+    <cs:effectRef idx="0"/>
+    <cs:fontRef idx="minor">
+      <a:schemeClr val="tx1"/>
+    </cs:fontRef>
+    <cs:spPr>
+      <a:solidFill>
+        <a:schemeClr val="lt1"/>
+      </a:solidFill>
+      <a:ln w="9525" cap="flat" cmpd="sng" algn="ctr">
+        <a:solidFill>
+          <a:schemeClr val="tx1">
+            <a:lumMod val="65000"/>
+            <a:lumOff val="35000"/>
+          </a:schemeClr>
+        </a:solidFill>
+        <a:round/>
+      </a:ln>
+    </cs:spPr>
+  </cs:upBar>
+  <cs:valueAxis>
+    <cs:lnRef idx="0"/>
+    <cs:fillRef idx="0"/>
+    <cs:effectRef idx="0"/>
+    <cs:fontRef idx="minor">
+      <a:schemeClr val="tx1">
+        <a:lumMod val="65000"/>
+        <a:lumOff val="35000"/>
+      </a:schemeClr>
+    </cs:fontRef>
+    <cs:defRPr sz="900" kern="1200"/>
+  </cs:valueAxis>
+  <cs:wall>
+    <cs:lnRef idx="0"/>
+    <cs:fillRef idx="0"/>
+    <cs:effectRef idx="0"/>
+    <cs:fontRef idx="minor">
+      <a:schemeClr val="tx1"/>
+    </cs:fontRef>
+    <cs:spPr>
+      <a:noFill/>
+      <a:ln>
+        <a:noFill/>
+      </a:ln>
+    </cs:spPr>
+  </cs:wall>
+</cs:chartStyle>
+</file>
+
+<file path=ppt/charts/style3.xml><?xml version="1.0" encoding="utf-8"?>
+<cs:chartStyle xmlns:cs="http://schemas.microsoft.com/office/drawing/2012/chartStyle" xmlns:a="http://schemas.openxmlformats.org/drawingml/2006/main" id="201">
+  <cs:axisTitle>
+    <cs:lnRef idx="0"/>
+    <cs:fillRef idx="0"/>
+    <cs:effectRef idx="0"/>
+    <cs:fontRef idx="minor">
+      <a:schemeClr val="tx1">
+        <a:lumMod val="65000"/>
+        <a:lumOff val="35000"/>
+      </a:schemeClr>
+    </cs:fontRef>
+    <cs:defRPr sz="1000" kern="1200"/>
+  </cs:axisTitle>
+  <cs:categoryAxis>
+    <cs:lnRef idx="0"/>
+    <cs:fillRef idx="0"/>
+    <cs:effectRef idx="0"/>
+    <cs:fontRef idx="minor">
+      <a:schemeClr val="tx1">
+        <a:lumMod val="65000"/>
+        <a:lumOff val="35000"/>
+      </a:schemeClr>
+    </cs:fontRef>
+    <cs:spPr>
+      <a:ln w="9525" cap="flat" cmpd="sng" algn="ctr">
+        <a:solidFill>
+          <a:schemeClr val="tx1">
+            <a:lumMod val="15000"/>
+            <a:lumOff val="85000"/>
+          </a:schemeClr>
+        </a:solidFill>
+        <a:round/>
+      </a:ln>
+    </cs:spPr>
+    <cs:defRPr sz="900" kern="1200"/>
+  </cs:categoryAxis>
+  <cs:chartArea mods="allowNoFillOverride allowNoLineOverride">
+    <cs:lnRef idx="0"/>
+    <cs:fillRef idx="0"/>
+    <cs:effectRef idx="0"/>
+    <cs:fontRef idx="minor">
+      <a:schemeClr val="tx1"/>
+    </cs:fontRef>
+    <cs:spPr>
+      <a:solidFill>
+        <a:schemeClr val="bg1"/>
+      </a:solidFill>
+      <a:ln w="9525" cap="flat" cmpd="sng" algn="ctr">
+        <a:solidFill>
+          <a:schemeClr val="tx1">
+            <a:lumMod val="15000"/>
+            <a:lumOff val="85000"/>
+          </a:schemeClr>
+        </a:solidFill>
+        <a:round/>
+      </a:ln>
+    </cs:spPr>
+    <cs:defRPr sz="1000" kern="1200"/>
+  </cs:chartArea>
+  <cs:dataLabel>
+    <cs:lnRef idx="0"/>
+    <cs:fillRef idx="0"/>
+    <cs:effectRef idx="0"/>
+    <cs:fontRef idx="minor">
+      <a:schemeClr val="tx1">
+        <a:lumMod val="75000"/>
+        <a:lumOff val="25000"/>
+      </a:schemeClr>
+    </cs:fontRef>
+    <cs:defRPr sz="900" kern="1200"/>
+  </cs:dataLabel>
+  <cs:dataLabelCallout>
+    <cs:lnRef idx="0"/>
+    <cs:fillRef idx="0"/>
+    <cs:effectRef idx="0"/>
+    <cs:fontRef idx="minor">
+      <a:schemeClr val="dk1">
+        <a:lumMod val="65000"/>
+        <a:lumOff val="35000"/>
+      </a:schemeClr>
+    </cs:fontRef>
+    <cs:spPr>
+      <a:solidFill>
+        <a:schemeClr val="lt1"/>
+      </a:solidFill>
+      <a:ln>
+        <a:solidFill>
+          <a:schemeClr val="dk1">
+            <a:lumMod val="25000"/>
+            <a:lumOff val="75000"/>
+          </a:schemeClr>
+        </a:solidFill>
+      </a:ln>
+    </cs:spPr>
+    <cs:defRPr sz="900" kern="1200"/>
+    <cs:bodyPr rot="0" spcFirstLastPara="1" vertOverflow="clip" horzOverflow="clip" vert="horz" wrap="square" lIns="36576" tIns="18288" rIns="36576" bIns="18288" anchor="ctr" anchorCtr="1">
+      <a:spAutoFit/>
+    </cs:bodyPr>
+  </cs:dataLabelCallout>
+  <cs:dataPoint>
+    <cs:lnRef idx="0"/>
+    <cs:fillRef idx="1">
+      <cs:styleClr val="auto"/>
+    </cs:fillRef>
+    <cs:effectRef idx="0"/>
+    <cs:fontRef idx="minor">
+      <a:schemeClr val="tx1"/>
+    </cs:fontRef>
+  </cs:dataPoint>
+  <cs:dataPoint3D>
+    <cs:lnRef idx="0"/>
+    <cs:fillRef idx="1">
+      <cs:styleClr val="auto"/>
+    </cs:fillRef>
+    <cs:effectRef idx="0"/>
+    <cs:fontRef idx="minor">
+      <a:schemeClr val="tx1"/>
+    </cs:fontRef>
+  </cs:dataPoint3D>
+  <cs:dataPointLine>
+    <cs:lnRef idx="0">
+      <cs:styleClr val="auto"/>
+    </cs:lnRef>
+    <cs:fillRef idx="1"/>
+    <cs:effectRef idx="0"/>
+    <cs:fontRef idx="minor">
+      <a:schemeClr val="tx1"/>
+    </cs:fontRef>
+    <cs:spPr>
+      <a:ln w="28575" cap="rnd">
+        <a:solidFill>
+          <a:schemeClr val="phClr"/>
+        </a:solidFill>
+        <a:round/>
+      </a:ln>
+    </cs:spPr>
+  </cs:dataPointLine>
+  <cs:dataPointMarker>
+    <cs:lnRef idx="0">
+      <cs:styleClr val="auto"/>
+    </cs:lnRef>
+    <cs:fillRef idx="1">
+      <cs:styleClr val="auto"/>
+    </cs:fillRef>
+    <cs:effectRef idx="0"/>
+    <cs:fontRef idx="minor">
+      <a:schemeClr val="tx1"/>
+    </cs:fontRef>
+    <cs:spPr>
+      <a:ln w="9525">
+        <a:solidFill>
+          <a:schemeClr val="phClr"/>
+        </a:solidFill>
+      </a:ln>
+    </cs:spPr>
+  </cs:dataPointMarker>
+  <cs:dataPointMarkerLayout symbol="circle" size="5"/>
+  <cs:dataPointWireframe>
+    <cs:lnRef idx="0">
+      <cs:styleClr val="auto"/>
+    </cs:lnRef>
+    <cs:fillRef idx="1"/>
+    <cs:effectRef idx="0"/>
+    <cs:fontRef idx="minor">
+      <a:schemeClr val="tx1"/>
+    </cs:fontRef>
+    <cs:spPr>
+      <a:ln w="9525" cap="rnd">
+        <a:solidFill>
+          <a:schemeClr val="phClr"/>
+        </a:solidFill>
+        <a:round/>
+      </a:ln>
+    </cs:spPr>
+  </cs:dataPointWireframe>
+  <cs:dataTable>
+    <cs:lnRef idx="0"/>
+    <cs:fillRef idx="0"/>
+    <cs:effectRef idx="0"/>
+    <cs:fontRef idx="minor">
+      <a:schemeClr val="tx1">
+        <a:lumMod val="65000"/>
+        <a:lumOff val="35000"/>
+      </a:schemeClr>
+    </cs:fontRef>
+    <cs:spPr>
+      <a:noFill/>
+      <a:ln w="9525" cap="flat" cmpd="sng" algn="ctr">
+        <a:solidFill>
+          <a:schemeClr val="tx1">
+            <a:lumMod val="15000"/>
+            <a:lumOff val="85000"/>
+          </a:schemeClr>
+        </a:solidFill>
+        <a:round/>
+      </a:ln>
+    </cs:spPr>
+    <cs:defRPr sz="900" kern="1200"/>
+  </cs:dataTable>
+  <cs:downBar>
+    <cs:lnRef idx="0"/>
+    <cs:fillRef idx="0"/>
+    <cs:effectRef idx="0"/>
+    <cs:fontRef idx="minor">
+      <a:schemeClr val="dk1"/>
+    </cs:fontRef>
+    <cs:spPr>
+      <a:solidFill>
+        <a:schemeClr val="dk1">
+          <a:lumMod val="65000"/>
+          <a:lumOff val="35000"/>
+        </a:schemeClr>
+      </a:solidFill>
+      <a:ln w="9525">
+        <a:solidFill>
+          <a:schemeClr val="tx1">
+            <a:lumMod val="65000"/>
+            <a:lumOff val="35000"/>
+          </a:schemeClr>
+        </a:solidFill>
+      </a:ln>
+    </cs:spPr>
+  </cs:downBar>
+  <cs:dropLine>
+    <cs:lnRef idx="0"/>
+    <cs:fillRef idx="0"/>
+    <cs:effectRef idx="0"/>
+    <cs:fontRef idx="minor">
+      <a:schemeClr val="tx1"/>
+    </cs:fontRef>
+    <cs:spPr>
+      <a:ln w="9525" cap="flat" cmpd="sng" algn="ctr">
+        <a:solidFill>
+          <a:schemeClr val="tx1">
+            <a:lumMod val="35000"/>
+            <a:lumOff val="65000"/>
+          </a:schemeClr>
+        </a:solidFill>
+        <a:round/>
+      </a:ln>
+    </cs:spPr>
+  </cs:dropLine>
+  <cs:errorBar>
+    <cs:lnRef idx="0"/>
+    <cs:fillRef idx="0"/>
+    <cs:effectRef idx="0"/>
+    <cs:fontRef idx="minor">
+      <a:schemeClr val="tx1"/>
+    </cs:fontRef>
+    <cs:spPr>
+      <a:ln w="9525" cap="flat" cmpd="sng" algn="ctr">
+        <a:solidFill>
+          <a:schemeClr val="tx1">
+            <a:lumMod val="65000"/>
+            <a:lumOff val="35000"/>
+          </a:schemeClr>
+        </a:solidFill>
+        <a:round/>
+      </a:ln>
+    </cs:spPr>
+  </cs:errorBar>
+  <cs:floor>
+    <cs:lnRef idx="0"/>
+    <cs:fillRef idx="0"/>
+    <cs:effectRef idx="0"/>
+    <cs:fontRef idx="minor">
+      <a:schemeClr val="tx1"/>
+    </cs:fontRef>
+    <cs:spPr>
+      <a:noFill/>
+      <a:ln>
+        <a:noFill/>
+      </a:ln>
+    </cs:spPr>
+  </cs:floor>
+  <cs:gridlineMajor>
+    <cs:lnRef idx="0"/>
+    <cs:fillRef idx="0"/>
+    <cs:effectRef idx="0"/>
+    <cs:fontRef idx="minor">
+      <a:schemeClr val="tx1"/>
+    </cs:fontRef>
+    <cs:spPr>
+      <a:ln w="9525" cap="flat" cmpd="sng" algn="ctr">
+        <a:solidFill>
+          <a:schemeClr val="tx1">
+            <a:lumMod val="15000"/>
+            <a:lumOff val="85000"/>
+          </a:schemeClr>
+        </a:solidFill>
+        <a:round/>
+      </a:ln>
+    </cs:spPr>
+  </cs:gridlineMajor>
+  <cs:gridlineMinor>
+    <cs:lnRef idx="0"/>
+    <cs:fillRef idx="0"/>
+    <cs:effectRef idx="0"/>
+    <cs:fontRef idx="minor">
+      <a:schemeClr val="tx1"/>
+    </cs:fontRef>
+    <cs:spPr>
+      <a:ln w="9525" cap="flat" cmpd="sng" algn="ctr">
+        <a:solidFill>
+          <a:schemeClr val="tx1">
+            <a:lumMod val="5000"/>
+            <a:lumOff val="95000"/>
+          </a:schemeClr>
+        </a:solidFill>
+        <a:round/>
+      </a:ln>
+    </cs:spPr>
+  </cs:gridlineMinor>
+  <cs:hiLoLine>
+    <cs:lnRef idx="0"/>
+    <cs:fillRef idx="0"/>
+    <cs:effectRef idx="0"/>
+    <cs:fontRef idx="minor">
+      <a:schemeClr val="tx1"/>
+    </cs:fontRef>
+    <cs:spPr>
+      <a:ln w="9525" cap="flat" cmpd="sng" algn="ctr">
+        <a:solidFill>
+          <a:schemeClr val="tx1">
+            <a:lumMod val="75000"/>
+            <a:lumOff val="25000"/>
+          </a:schemeClr>
+        </a:solidFill>
+        <a:round/>
+      </a:ln>
+    </cs:spPr>
+  </cs:hiLoLine>
+  <cs:leaderLine>
+    <cs:lnRef idx="0"/>
+    <cs:fillRef idx="0"/>
+    <cs:effectRef idx="0"/>
+    <cs:fontRef idx="minor">
+      <a:schemeClr val="tx1"/>
+    </cs:fontRef>
+    <cs:spPr>
+      <a:ln w="9525" cap="flat" cmpd="sng" algn="ctr">
+        <a:solidFill>
+          <a:schemeClr val="tx1">
+            <a:lumMod val="35000"/>
+            <a:lumOff val="65000"/>
+          </a:schemeClr>
+        </a:solidFill>
+        <a:round/>
+      </a:ln>
+    </cs:spPr>
+  </cs:leaderLine>
+  <cs:legend>
+    <cs:lnRef idx="0"/>
+    <cs:fillRef idx="0"/>
+    <cs:effectRef idx="0"/>
+    <cs:fontRef idx="minor">
+      <a:schemeClr val="tx1">
+        <a:lumMod val="65000"/>
+        <a:lumOff val="35000"/>
+      </a:schemeClr>
+    </cs:fontRef>
+    <cs:defRPr sz="900" kern="1200"/>
+  </cs:legend>
+  <cs:plotArea mods="allowNoFillOverride allowNoLineOverride">
+    <cs:lnRef idx="0"/>
+    <cs:fillRef idx="0"/>
+    <cs:effectRef idx="0"/>
+    <cs:fontRef idx="minor">
+      <a:schemeClr val="tx1"/>
+    </cs:fontRef>
+  </cs:plotArea>
+  <cs:plotArea3D mods="allowNoFillOverride allowNoLineOverride">
+    <cs:lnRef idx="0"/>
+    <cs:fillRef idx="0"/>
+    <cs:effectRef idx="0"/>
+    <cs:fontRef idx="minor">
+      <a:schemeClr val="tx1"/>
+    </cs:fontRef>
+  </cs:plotArea3D>
+  <cs:seriesAxis>
+    <cs:lnRef idx="0"/>
+    <cs:fillRef idx="0"/>
+    <cs:effectRef idx="0"/>
+    <cs:fontRef idx="minor">
+      <a:schemeClr val="tx1">
+        <a:lumMod val="65000"/>
+        <a:lumOff val="35000"/>
+      </a:schemeClr>
+    </cs:fontRef>
+    <cs:defRPr sz="900" kern="1200"/>
+  </cs:seriesAxis>
+  <cs:seriesLine>
+    <cs:lnRef idx="0"/>
+    <cs:fillRef idx="0"/>
+    <cs:effectRef idx="0"/>
+    <cs:fontRef idx="minor">
+      <a:schemeClr val="tx1"/>
+    </cs:fontRef>
+    <cs:spPr>
+      <a:ln w="9525" cap="flat" cmpd="sng" algn="ctr">
+        <a:solidFill>
+          <a:schemeClr val="tx1">
+            <a:lumMod val="35000"/>
+            <a:lumOff val="65000"/>
+          </a:schemeClr>
+        </a:solidFill>
+        <a:round/>
+      </a:ln>
+    </cs:spPr>
+  </cs:seriesLine>
+  <cs:title>
+    <cs:lnRef idx="0"/>
+    <cs:fillRef idx="0"/>
+    <cs:effectRef idx="0"/>
+    <cs:fontRef idx="minor">
+      <a:schemeClr val="tx1">
+        <a:lumMod val="65000"/>
+        <a:lumOff val="35000"/>
+      </a:schemeClr>
+    </cs:fontRef>
+    <cs:defRPr sz="1400" b="0" kern="1200" spc="0" baseline="0"/>
+  </cs:title>
+  <cs:trendline>
+    <cs:lnRef idx="0">
+      <cs:styleClr val="auto"/>
+    </cs:lnRef>
+    <cs:fillRef idx="0"/>
+    <cs:effectRef idx="0"/>
+    <cs:fontRef idx="minor">
+      <a:schemeClr val="tx1"/>
+    </cs:fontRef>
+    <cs:spPr>
+      <a:ln w="19050" cap="rnd">
+        <a:solidFill>
+          <a:schemeClr val="phClr"/>
+        </a:solidFill>
+        <a:prstDash val="sysDot"/>
+      </a:ln>
+    </cs:spPr>
+  </cs:trendline>
+  <cs:trendlineLabel>
+    <cs:lnRef idx="0"/>
+    <cs:fillRef idx="0"/>
+    <cs:effectRef idx="0"/>
+    <cs:fontRef idx="minor">
+      <a:schemeClr val="tx1">
+        <a:lumMod val="65000"/>
+        <a:lumOff val="35000"/>
+      </a:schemeClr>
+    </cs:fontRef>
+    <cs:defRPr sz="900" kern="1200"/>
+  </cs:trendlineLabel>
+  <cs:upBar>
+    <cs:lnRef idx="0"/>
+    <cs:fillRef idx="0"/>
+    <cs:effectRef idx="0"/>
+    <cs:fontRef idx="minor">
+      <a:schemeClr val="dk1"/>
+    </cs:fontRef>
+    <cs:spPr>
+      <a:solidFill>
+        <a:schemeClr val="lt1"/>
+      </a:solidFill>
+      <a:ln w="9525">
+        <a:solidFill>
+          <a:schemeClr val="tx1">
+            <a:lumMod val="15000"/>
+            <a:lumOff val="85000"/>
+          </a:schemeClr>
+        </a:solidFill>
+      </a:ln>
+    </cs:spPr>
+  </cs:upBar>
+  <cs:valueAxis>
+    <cs:lnRef idx="0"/>
+    <cs:fillRef idx="0"/>
+    <cs:effectRef idx="0"/>
+    <cs:fontRef idx="minor">
+      <a:schemeClr val="tx1">
+        <a:lumMod val="65000"/>
+        <a:lumOff val="35000"/>
+      </a:schemeClr>
+    </cs:fontRef>
+    <cs:defRPr sz="900" kern="1200"/>
+  </cs:valueAxis>
+  <cs:wall>
+    <cs:lnRef idx="0"/>
+    <cs:fillRef idx="0"/>
+    <cs:effectRef idx="0"/>
+    <cs:fontRef idx="minor">
+      <a:schemeClr val="tx1"/>
+    </cs:fontRef>
+    <cs:spPr>
+      <a:noFill/>
+      <a:ln>
+        <a:noFill/>
+      </a:ln>
+    </cs:spPr>
+  </cs:wall>
+</cs:chartStyle>
+</file>
+
+<file path=ppt/charts/style4.xml><?xml version="1.0" encoding="utf-8"?>
+<cs:chartStyle xmlns:cs="http://schemas.microsoft.com/office/drawing/2012/chartStyle" xmlns:a="http://schemas.openxmlformats.org/drawingml/2006/main" id="251">
+  <cs:axisTitle>
+    <cs:lnRef idx="0"/>
+    <cs:fillRef idx="0"/>
+    <cs:effectRef idx="0"/>
+    <cs:fontRef idx="minor">
+      <a:schemeClr val="tx1">
+        <a:lumMod val="65000"/>
+        <a:lumOff val="35000"/>
+      </a:schemeClr>
+    </cs:fontRef>
+    <cs:defRPr sz="1000" kern="1200"/>
+  </cs:axisTitle>
+  <cs:categoryAxis>
+    <cs:lnRef idx="0"/>
+    <cs:fillRef idx="0"/>
+    <cs:effectRef idx="0"/>
+    <cs:fontRef idx="minor">
+      <a:schemeClr val="tx1">
+        <a:lumMod val="65000"/>
+        <a:lumOff val="35000"/>
+      </a:schemeClr>
+    </cs:fontRef>
+    <cs:spPr>
+      <a:ln w="9525" cap="flat" cmpd="sng" algn="ctr">
+        <a:solidFill>
+          <a:schemeClr val="tx1">
+            <a:lumMod val="15000"/>
+            <a:lumOff val="85000"/>
+          </a:schemeClr>
+        </a:solidFill>
+        <a:round/>
+      </a:ln>
+    </cs:spPr>
+    <cs:defRPr sz="900" kern="1200"/>
+  </cs:categoryAxis>
+  <cs:chartArea mods="allowNoFillOverride allowNoLineOverride">
+    <cs:lnRef idx="0"/>
+    <cs:fillRef idx="0"/>
+    <cs:effectRef idx="0"/>
+    <cs:fontRef idx="minor">
+      <a:schemeClr val="tx1"/>
+    </cs:fontRef>
+    <cs:spPr>
+      <a:solidFill>
+        <a:schemeClr val="bg1"/>
+      </a:solidFill>
+      <a:ln w="9525" cap="flat" cmpd="sng" algn="ctr">
+        <a:solidFill>
+          <a:schemeClr val="tx1">
+            <a:lumMod val="15000"/>
+            <a:lumOff val="85000"/>
+          </a:schemeClr>
+        </a:solidFill>
+        <a:round/>
+      </a:ln>
+    </cs:spPr>
+    <cs:defRPr sz="900" kern="1200"/>
+  </cs:chartArea>
+  <cs:dataLabel>
+    <cs:lnRef idx="0"/>
+    <cs:fillRef idx="0"/>
+    <cs:effectRef idx="0"/>
+    <cs:fontRef idx="minor">
+      <a:schemeClr val="tx1">
+        <a:lumMod val="75000"/>
+        <a:lumOff val="25000"/>
+      </a:schemeClr>
+    </cs:fontRef>
+    <cs:defRPr sz="900" kern="1200"/>
+  </cs:dataLabel>
+  <cs:dataLabelCallout>
+    <cs:lnRef idx="0"/>
+    <cs:fillRef idx="0"/>
+    <cs:effectRef idx="0"/>
+    <cs:fontRef idx="minor">
+      <a:schemeClr val="dk1">
+        <a:lumMod val="65000"/>
+        <a:lumOff val="35000"/>
+      </a:schemeClr>
+    </cs:fontRef>
+    <cs:spPr>
+      <a:solidFill>
+        <a:schemeClr val="lt1"/>
+      </a:solidFill>
+      <a:ln>
+        <a:solidFill>
+          <a:schemeClr val="dk1">
+            <a:lumMod val="25000"/>
+            <a:lumOff val="75000"/>
+          </a:schemeClr>
+        </a:solidFill>
+      </a:ln>
+    </cs:spPr>
+    <cs:defRPr sz="900" kern="1200"/>
+    <cs:bodyPr rot="0" spcFirstLastPara="1" vertOverflow="clip" horzOverflow="clip" vert="horz" wrap="square" lIns="36576" tIns="18288" rIns="36576" bIns="18288" anchor="ctr" anchorCtr="1">
+      <a:spAutoFit/>
+    </cs:bodyPr>
+  </cs:dataLabelCallout>
+  <cs:dataPoint>
+    <cs:lnRef idx="0"/>
+    <cs:fillRef idx="1">
+      <cs:styleClr val="auto"/>
+    </cs:fillRef>
+    <cs:effectRef idx="0"/>
+    <cs:fontRef idx="minor">
+      <a:schemeClr val="tx1"/>
+    </cs:fontRef>
+    <cs:spPr>
+      <a:ln w="19050">
+        <a:solidFill>
+          <a:schemeClr val="lt1"/>
+        </a:solidFill>
+      </a:ln>
+    </cs:spPr>
+  </cs:dataPoint>
+  <cs:dataPoint3D>
+    <cs:lnRef idx="0"/>
+    <cs:fillRef idx="1">
+      <cs:styleClr val="auto"/>
+    </cs:fillRef>
+    <cs:effectRef idx="0"/>
+    <cs:fontRef idx="minor">
+      <a:schemeClr val="tx1"/>
+    </cs:fontRef>
+    <cs:spPr>
+      <a:ln w="25400">
+        <a:solidFill>
+          <a:schemeClr val="lt1"/>
+        </a:solidFill>
+      </a:ln>
+    </cs:spPr>
+  </cs:dataPoint3D>
+  <cs:dataPointLine>
+    <cs:lnRef idx="0">
+      <cs:styleClr val="auto"/>
+    </cs:lnRef>
+    <cs:fillRef idx="0"/>
+    <cs:effectRef idx="0"/>
+    <cs:fontRef idx="minor">
+      <a:schemeClr val="tx1"/>
+    </cs:fontRef>
+    <cs:spPr>
+      <a:ln w="28575" cap="rnd">
+        <a:solidFill>
+          <a:schemeClr val="phClr"/>
+        </a:solidFill>
+        <a:round/>
+      </a:ln>
+    </cs:spPr>
+  </cs:dataPointLine>
+  <cs:dataPointMarker>
+    <cs:lnRef idx="0">
+      <cs:styleClr val="auto"/>
+    </cs:lnRef>
+    <cs:fillRef idx="1">
+      <cs:styleClr val="auto"/>
+    </cs:fillRef>
+    <cs:effectRef idx="0"/>
+    <cs:fontRef idx="minor">
+      <a:schemeClr val="tx1"/>
+    </cs:fontRef>
+    <cs:spPr>
+      <a:ln w="9525">
+        <a:solidFill>
+          <a:schemeClr val="phClr"/>
+        </a:solidFill>
+      </a:ln>
+    </cs:spPr>
+  </cs:dataPointMarker>
+  <cs:dataPointMarkerLayout symbol="circle" size="5"/>
+  <cs:dataPointWireframe>
+    <cs:lnRef idx="0">
+      <cs:styleClr val="auto"/>
+    </cs:lnRef>
+    <cs:fillRef idx="0"/>
+    <cs:effectRef idx="0"/>
+    <cs:fontRef idx="minor">
+      <a:schemeClr val="tx1"/>
+    </cs:fontRef>
+    <cs:spPr>
+      <a:ln w="9525" cap="rnd">
+        <a:solidFill>
+          <a:schemeClr val="phClr"/>
+        </a:solidFill>
+        <a:round/>
+      </a:ln>
+    </cs:spPr>
+  </cs:dataPointWireframe>
+  <cs:dataTable>
+    <cs:lnRef idx="0"/>
+    <cs:fillRef idx="0"/>
+    <cs:effectRef idx="0"/>
+    <cs:fontRef idx="minor">
+      <a:schemeClr val="tx1">
+        <a:lumMod val="65000"/>
+        <a:lumOff val="35000"/>
+      </a:schemeClr>
+    </cs:fontRef>
+    <cs:spPr>
+      <a:noFill/>
+      <a:ln w="9525" cap="flat" cmpd="sng" algn="ctr">
+        <a:solidFill>
+          <a:schemeClr val="tx1">
+            <a:lumMod val="15000"/>
+            <a:lumOff val="85000"/>
+          </a:schemeClr>
+        </a:solidFill>
+        <a:round/>
+      </a:ln>
+    </cs:spPr>
+    <cs:defRPr sz="900" kern="1200"/>
+  </cs:dataTable>
+  <cs:downBar>
+    <cs:lnRef idx="0"/>
+    <cs:fillRef idx="0"/>
+    <cs:effectRef idx="0"/>
+    <cs:fontRef idx="minor">
+      <a:schemeClr val="tx1"/>
+    </cs:fontRef>
+    <cs:spPr>
+      <a:solidFill>
+        <a:schemeClr val="dk1">
+          <a:lumMod val="75000"/>
+          <a:lumOff val="25000"/>
+        </a:schemeClr>
+      </a:solidFill>
+      <a:ln w="9525" cap="flat" cmpd="sng" algn="ctr">
+        <a:solidFill>
+          <a:schemeClr val="tx1">
+            <a:lumMod val="65000"/>
+            <a:lumOff val="35000"/>
+          </a:schemeClr>
+        </a:solidFill>
+        <a:round/>
+      </a:ln>
+    </cs:spPr>
+  </cs:downBar>
+  <cs:dropLine>
+    <cs:lnRef idx="0"/>
+    <cs:fillRef idx="0"/>
+    <cs:effectRef idx="0"/>
+    <cs:fontRef idx="minor">
+      <a:schemeClr val="tx1"/>
+    </cs:fontRef>
+    <cs:spPr>
+      <a:ln w="9525" cap="flat" cmpd="sng" algn="ctr">
+        <a:solidFill>
+          <a:schemeClr val="tx1">
+            <a:lumMod val="35000"/>
+            <a:lumOff val="65000"/>
+          </a:schemeClr>
+        </a:solidFill>
+        <a:round/>
+      </a:ln>
+    </cs:spPr>
+  </cs:dropLine>
+  <cs:errorBar>
+    <cs:lnRef idx="0"/>
+    <cs:fillRef idx="0"/>
+    <cs:effectRef idx="0"/>
+    <cs:fontRef idx="minor">
+      <a:schemeClr val="tx1"/>
+    </cs:fontRef>
+    <cs:spPr>
+      <a:ln w="9525" cap="flat" cmpd="sng" algn="ctr">
+        <a:solidFill>
+          <a:schemeClr val="tx1">
+            <a:lumMod val="65000"/>
+            <a:lumOff val="35000"/>
+          </a:schemeClr>
+        </a:solidFill>
+        <a:round/>
+      </a:ln>
+    </cs:spPr>
+  </cs:errorBar>
+  <cs:floor>
+    <cs:lnRef idx="0"/>
+    <cs:fillRef idx="0"/>
+    <cs:effectRef idx="0"/>
+    <cs:fontRef idx="minor">
+      <a:schemeClr val="tx1"/>
+    </cs:fontRef>
+    <cs:spPr>
+      <a:noFill/>
+      <a:ln>
+        <a:noFill/>
+      </a:ln>
+    </cs:spPr>
+  </cs:floor>
+  <cs:gridlineMajor>
+    <cs:lnRef idx="0"/>
+    <cs:fillRef idx="0"/>
+    <cs:effectRef idx="0"/>
+    <cs:fontRef idx="minor">
+      <a:schemeClr val="tx1"/>
+    </cs:fontRef>
+    <cs:spPr>
+      <a:ln w="9525" cap="flat" cmpd="sng" algn="ctr">
+        <a:solidFill>
+          <a:schemeClr val="tx1">
+            <a:lumMod val="15000"/>
+            <a:lumOff val="85000"/>
+          </a:schemeClr>
+        </a:solidFill>
+        <a:round/>
+      </a:ln>
+    </cs:spPr>
+  </cs:gridlineMajor>
+  <cs:gridlineMinor>
+    <cs:lnRef idx="0"/>
+    <cs:fillRef idx="0"/>
+    <cs:effectRef idx="0"/>
+    <cs:fontRef idx="minor">
+      <a:schemeClr val="tx1"/>
+    </cs:fontRef>
+    <cs:spPr>
+      <a:ln w="9525" cap="flat" cmpd="sng" algn="ctr">
+        <a:solidFill>
+          <a:schemeClr val="tx1">
+            <a:lumMod val="5000"/>
+            <a:lumOff val="95000"/>
+          </a:schemeClr>
+        </a:solidFill>
+        <a:round/>
+      </a:ln>
+    </cs:spPr>
+  </cs:gridlineMinor>
+  <cs:hiLoLine>
+    <cs:lnRef idx="0"/>
+    <cs:fillRef idx="0"/>
+    <cs:effectRef idx="0"/>
+    <cs:fontRef idx="minor">
+      <a:schemeClr val="tx1"/>
+    </cs:fontRef>
+    <cs:spPr>
+      <a:ln w="9525" cap="flat" cmpd="sng" algn="ctr">
+        <a:solidFill>
+          <a:schemeClr val="tx1">
+            <a:lumMod val="50000"/>
+            <a:lumOff val="50000"/>
+          </a:schemeClr>
+        </a:solidFill>
+        <a:round/>
+      </a:ln>
+    </cs:spPr>
+  </cs:hiLoLine>
+  <cs:leaderLine>
+    <cs:lnRef idx="0"/>
+    <cs:fillRef idx="0"/>
+    <cs:effectRef idx="0"/>
+    <cs:fontRef idx="minor">
+      <a:schemeClr val="tx1"/>
+    </cs:fontRef>
+    <cs:spPr>
+      <a:ln w="9525" cap="flat" cmpd="sng" algn="ctr">
+        <a:solidFill>
+          <a:schemeClr val="tx1">
+            <a:lumMod val="35000"/>
+            <a:lumOff val="65000"/>
+          </a:schemeClr>
+        </a:solidFill>
+        <a:round/>
+      </a:ln>
+    </cs:spPr>
+  </cs:leaderLine>
+  <cs:legend>
+    <cs:lnRef idx="0"/>
+    <cs:fillRef idx="0"/>
+    <cs:effectRef idx="0"/>
+    <cs:fontRef idx="minor">
+      <a:schemeClr val="tx1">
+        <a:lumMod val="65000"/>
+        <a:lumOff val="35000"/>
+      </a:schemeClr>
+    </cs:fontRef>
+    <cs:defRPr sz="900" kern="1200"/>
+  </cs:legend>
+  <cs:plotArea mods="allowNoFillOverride allowNoLineOverride">
+    <cs:lnRef idx="0"/>
+    <cs:fillRef idx="0"/>
+    <cs:effectRef idx="0"/>
+    <cs:fontRef idx="minor">
+      <a:schemeClr val="tx1"/>
+    </cs:fontRef>
+  </cs:plotArea>
+  <cs:plotArea3D mods="allowNoFillOverride allowNoLineOverride">
+    <cs:lnRef idx="0"/>
+    <cs:fillRef idx="0"/>
+    <cs:effectRef idx="0"/>
+    <cs:fontRef idx="minor">
+      <a:schemeClr val="tx1"/>
+    </cs:fontRef>
+  </cs:plotArea3D>
+  <cs:seriesAxis>
+    <cs:lnRef idx="0"/>
+    <cs:fillRef idx="0"/>
+    <cs:effectRef idx="0"/>
+    <cs:fontRef idx="minor">
+      <a:schemeClr val="tx1">
+        <a:lumMod val="65000"/>
+        <a:lumOff val="35000"/>
+      </a:schemeClr>
+    </cs:fontRef>
+    <cs:defRPr sz="900" kern="1200"/>
+  </cs:seriesAxis>
+  <cs:seriesLine>
+    <cs:lnRef idx="0"/>
+    <cs:fillRef idx="0"/>
+    <cs:effectRef idx="0"/>
+    <cs:fontRef idx="minor">
+      <a:schemeClr val="tx1"/>
+    </cs:fontRef>
+    <cs:spPr>
+      <a:ln w="9525" cap="flat" cmpd="sng" algn="ctr">
+        <a:solidFill>
+          <a:schemeClr val="tx1">
+            <a:lumMod val="35000"/>
+            <a:lumOff val="65000"/>
+          </a:schemeClr>
+        </a:solidFill>
+        <a:round/>
+      </a:ln>
+    </cs:spPr>
+  </cs:seriesLine>
+  <cs:title>
+    <cs:lnRef idx="0"/>
+    <cs:fillRef idx="0"/>
+    <cs:effectRef idx="0"/>
+    <cs:fontRef idx="minor">
+      <a:schemeClr val="tx1">
+        <a:lumMod val="65000"/>
+        <a:lumOff val="35000"/>
+      </a:schemeClr>
+    </cs:fontRef>
+    <cs:defRPr sz="1400" b="0" kern="1200" spc="0" baseline="0"/>
+  </cs:title>
+  <cs:trendline>
+    <cs:lnRef idx="0">
+      <cs:styleClr val="auto"/>
+    </cs:lnRef>
+    <cs:fillRef idx="0"/>
+    <cs:effectRef idx="0"/>
+    <cs:fontRef idx="minor">
+      <a:schemeClr val="tx1"/>
+    </cs:fontRef>
+    <cs:spPr>
+      <a:ln w="19050" cap="rnd">
+        <a:solidFill>
+          <a:schemeClr val="phClr"/>
+        </a:solidFill>
+        <a:prstDash val="sysDot"/>
+      </a:ln>
+    </cs:spPr>
+  </cs:trendline>
+  <cs:trendlineLabel>
+    <cs:lnRef idx="0"/>
+    <cs:fillRef idx="0"/>
+    <cs:effectRef idx="0"/>
+    <cs:fontRef idx="minor">
+      <a:schemeClr val="tx1">
+        <a:lumMod val="65000"/>
+        <a:lumOff val="35000"/>
+      </a:schemeClr>
+    </cs:fontRef>
+    <cs:defRPr sz="900" kern="1200"/>
+  </cs:trendlineLabel>
+  <cs:upBar>
+    <cs:lnRef idx="0"/>
+    <cs:fillRef idx="0"/>
+    <cs:effectRef idx="0"/>
+    <cs:fontRef idx="minor">
+      <a:schemeClr val="tx1"/>
+    </cs:fontRef>
+    <cs:spPr>
+      <a:solidFill>
+        <a:schemeClr val="lt1"/>
+      </a:solidFill>
+      <a:ln w="9525" cap="flat" cmpd="sng" algn="ctr">
+        <a:solidFill>
+          <a:schemeClr val="tx1">
+            <a:lumMod val="65000"/>
+            <a:lumOff val="35000"/>
+          </a:schemeClr>
+        </a:solidFill>
+        <a:round/>
+      </a:ln>
+    </cs:spPr>
+  </cs:upBar>
+  <cs:valueAxis>
+    <cs:lnRef idx="0"/>
+    <cs:fillRef idx="0"/>
+    <cs:effectRef idx="0"/>
+    <cs:fontRef idx="minor">
+      <a:schemeClr val="tx1">
+        <a:lumMod val="65000"/>
+        <a:lumOff val="35000"/>
+      </a:schemeClr>
+    </cs:fontRef>
+    <cs:defRPr sz="900" kern="1200"/>
+  </cs:valueAxis>
+  <cs:wall>
+    <cs:lnRef idx="0"/>
+    <cs:fillRef idx="0"/>
+    <cs:effectRef idx="0"/>
+    <cs:fontRef idx="minor">
+      <a:schemeClr val="tx1"/>
+    </cs:fontRef>
+    <cs:spPr>
+      <a:noFill/>
+      <a:ln>
+        <a:noFill/>
+      </a:ln>
+    </cs:spPr>
+  </cs:wall>
+</cs:chartStyle>
+</file>
+
+<file path=ppt/charts/style5.xml><?xml version="1.0" encoding="utf-8"?>
+<cs:chartStyle xmlns:cs="http://schemas.microsoft.com/office/drawing/2012/chartStyle" xmlns:a="http://schemas.openxmlformats.org/drawingml/2006/main" id="333">
+  <cs:axisTitle>
+    <cs:lnRef idx="0"/>
+    <cs:fillRef idx="0"/>
+    <cs:effectRef idx="0"/>
+    <cs:fontRef idx="minor">
+      <a:schemeClr val="tx1">
+        <a:lumMod val="65000"/>
+        <a:lumOff val="35000"/>
+      </a:schemeClr>
+    </cs:fontRef>
+    <cs:defRPr sz="900" kern="1200"/>
+  </cs:axisTitle>
+  <cs:categoryAxis>
+    <cs:lnRef idx="0"/>
+    <cs:fillRef idx="0"/>
+    <cs:effectRef idx="0"/>
+    <cs:fontRef idx="minor">
+      <a:schemeClr val="tx1">
+        <a:lumMod val="65000"/>
+        <a:lumOff val="35000"/>
+      </a:schemeClr>
+    </cs:fontRef>
+    <cs:spPr>
+      <a:ln w="9525" cap="flat" cmpd="sng" algn="ctr">
+        <a:solidFill>
+          <a:schemeClr val="tx1">
+            <a:lumMod val="15000"/>
+            <a:lumOff val="85000"/>
+          </a:schemeClr>
+        </a:solidFill>
+        <a:round/>
+      </a:ln>
+    </cs:spPr>
+    <cs:defRPr sz="900" kern="1200"/>
+  </cs:categoryAxis>
+  <cs:chartArea mods="allowNoFillOverride allowNoLineOverride">
+    <cs:lnRef idx="0"/>
+    <cs:fillRef idx="0"/>
+    <cs:effectRef idx="0"/>
+    <cs:fontRef idx="minor">
+      <a:schemeClr val="tx1"/>
+    </cs:fontRef>
+    <cs:spPr>
+      <a:solidFill>
+        <a:schemeClr val="bg1"/>
+      </a:solidFill>
+      <a:ln w="9525" cap="flat" cmpd="sng" algn="ctr">
+        <a:solidFill>
+          <a:schemeClr val="tx1">
+            <a:lumMod val="15000"/>
+            <a:lumOff val="85000"/>
+          </a:schemeClr>
+        </a:solidFill>
+        <a:round/>
+      </a:ln>
+    </cs:spPr>
+    <cs:defRPr sz="900" kern="1200"/>
+  </cs:chartArea>
+  <cs:dataLabel>
+    <cs:lnRef idx="0"/>
+    <cs:fillRef idx="0"/>
+    <cs:effectRef idx="0"/>
+    <cs:fontRef idx="minor">
+      <a:schemeClr val="tx1">
+        <a:lumMod val="65000"/>
+        <a:lumOff val="35000"/>
+      </a:schemeClr>
+    </cs:fontRef>
+    <cs:defRPr sz="900" kern="1200"/>
+  </cs:dataLabel>
+  <cs:dataLabelCallout>
+    <cs:lnRef idx="0"/>
+    <cs:fillRef idx="0"/>
+    <cs:effectRef idx="0"/>
+    <cs:fontRef idx="minor">
+      <a:schemeClr val="dk1">
+        <a:lumMod val="65000"/>
+        <a:lumOff val="35000"/>
+      </a:schemeClr>
+    </cs:fontRef>
+    <cs:spPr>
+      <a:solidFill>
+        <a:schemeClr val="lt1"/>
+      </a:solidFill>
+      <a:ln>
+        <a:solidFill>
+          <a:schemeClr val="dk1">
+            <a:lumMod val="50000"/>
+            <a:lumOff val="50000"/>
+          </a:schemeClr>
+        </a:solidFill>
+      </a:ln>
+    </cs:spPr>
+    <cs:defRPr sz="900" kern="1200"/>
+    <cs:bodyPr rot="0" spcFirstLastPara="1" vertOverflow="clip" horzOverflow="clip" vert="horz" wrap="square" lIns="36576" tIns="18288" rIns="36576" bIns="18288" anchor="ctr" anchorCtr="1">
+      <a:spAutoFit/>
+    </cs:bodyPr>
+  </cs:dataLabelCallout>
+  <cs:dataPoint>
+    <cs:lnRef idx="0"/>
+    <cs:fillRef idx="0">
+      <cs:styleClr val="auto"/>
+    </cs:fillRef>
+    <cs:effectRef idx="0"/>
+    <cs:fontRef idx="minor">
+      <a:schemeClr val="tx1"/>
+    </cs:fontRef>
+    <cs:spPr>
+      <a:solidFill>
+        <a:schemeClr val="phClr"/>
+      </a:solidFill>
+      <a:ln w="19050">
+        <a:solidFill>
+          <a:schemeClr val="lt1"/>
+        </a:solidFill>
+      </a:ln>
+    </cs:spPr>
+  </cs:dataPoint>
+  <cs:dataPoint3D>
+    <cs:lnRef idx="0"/>
+    <cs:fillRef idx="0">
+      <cs:styleClr val="auto"/>
+    </cs:fillRef>
+    <cs:effectRef idx="0"/>
+    <cs:fontRef idx="minor">
+      <a:schemeClr val="tx1"/>
+    </cs:fontRef>
+    <cs:spPr>
+      <a:solidFill>
+        <a:schemeClr val="phClr"/>
+      </a:solidFill>
+      <a:ln w="19050">
+        <a:solidFill>
+          <a:schemeClr val="lt1"/>
+        </a:solidFill>
+      </a:ln>
+    </cs:spPr>
+  </cs:dataPoint3D>
+  <cs:dataPointLine>
+    <cs:lnRef idx="0">
+      <cs:styleClr val="auto"/>
+    </cs:lnRef>
+    <cs:fillRef idx="0"/>
+    <cs:effectRef idx="0"/>
+    <cs:fontRef idx="minor">
+      <a:schemeClr val="tx1"/>
+    </cs:fontRef>
+    <cs:spPr>
+      <a:ln w="28575" cap="rnd">
+        <a:solidFill>
+          <a:schemeClr val="phClr"/>
+        </a:solidFill>
+        <a:round/>
+      </a:ln>
+    </cs:spPr>
+  </cs:dataPointLine>
+  <cs:dataPointMarker>
+    <cs:lnRef idx="0"/>
+    <cs:fillRef idx="0">
+      <cs:styleClr val="auto"/>
+    </cs:fillRef>
+    <cs:effectRef idx="0"/>
+    <cs:fontRef idx="minor">
+      <a:schemeClr val="tx1"/>
+    </cs:fontRef>
+    <cs:spPr>
+      <a:solidFill>
+        <a:schemeClr val="phClr"/>
+      </a:solidFill>
+      <a:ln w="9525">
+        <a:solidFill>
+          <a:schemeClr val="lt1"/>
+        </a:solidFill>
+      </a:ln>
+    </cs:spPr>
+  </cs:dataPointMarker>
+  <cs:dataPointMarkerLayout symbol="circle" size="6"/>
+  <cs:dataPointWireframe>
+    <cs:lnRef idx="0">
+      <cs:styleClr val="auto"/>
+    </cs:lnRef>
+    <cs:fillRef idx="0"/>
+    <cs:effectRef idx="0"/>
+    <cs:fontRef idx="minor">
+      <a:schemeClr val="tx1"/>
+    </cs:fontRef>
+    <cs:spPr>
+      <a:ln w="9525" cap="rnd">
+        <a:solidFill>
+          <a:schemeClr val="phClr"/>
+        </a:solidFill>
+        <a:round/>
+      </a:ln>
+    </cs:spPr>
+  </cs:dataPointWireframe>
+  <cs:dataTable>
+    <cs:lnRef idx="0"/>
+    <cs:fillRef idx="0"/>
+    <cs:effectRef idx="0"/>
+    <cs:fontRef idx="minor">
+      <a:schemeClr val="tx1">
+        <a:lumMod val="65000"/>
+        <a:lumOff val="35000"/>
+      </a:schemeClr>
+    </cs:fontRef>
+    <cs:spPr>
+      <a:noFill/>
+      <a:ln w="9525" cap="flat" cmpd="sng" algn="ctr">
+        <a:solidFill>
+          <a:schemeClr val="tx1">
+            <a:lumMod val="15000"/>
+            <a:lumOff val="85000"/>
+          </a:schemeClr>
+        </a:solidFill>
+        <a:round/>
+      </a:ln>
+    </cs:spPr>
+    <cs:defRPr sz="900" kern="1200"/>
+  </cs:dataTable>
+  <cs:downBar>
+    <cs:lnRef idx="0"/>
+    <cs:fillRef idx="0"/>
+    <cs:effectRef idx="0"/>
+    <cs:fontRef idx="minor">
+      <a:schemeClr val="tx1"/>
+    </cs:fontRef>
+    <cs:spPr>
+      <a:solidFill>
+        <a:schemeClr val="dk1">
+          <a:lumMod val="75000"/>
+          <a:lumOff val="25000"/>
+        </a:schemeClr>
+      </a:solidFill>
+      <a:ln w="9525" cap="flat" cmpd="sng" algn="ctr">
+        <a:solidFill>
+          <a:schemeClr val="tx1">
+            <a:lumMod val="65000"/>
+            <a:lumOff val="35000"/>
+          </a:schemeClr>
+        </a:solidFill>
+        <a:round/>
+      </a:ln>
+    </cs:spPr>
+  </cs:downBar>
+  <cs:dropLine>
+    <cs:lnRef idx="0"/>
+    <cs:fillRef idx="0"/>
+    <cs:effectRef idx="0"/>
+    <cs:fontRef idx="minor">
+      <a:schemeClr val="tx1"/>
+    </cs:fontRef>
+    <cs:spPr>
+      <a:ln w="9525" cap="flat" cmpd="sng" algn="ctr">
+        <a:solidFill>
+          <a:schemeClr val="tx1">
+            <a:lumMod val="35000"/>
+            <a:lumOff val="65000"/>
+          </a:schemeClr>
+        </a:solidFill>
+        <a:round/>
+      </a:ln>
+    </cs:spPr>
+  </cs:dropLine>
+  <cs:errorBar>
+    <cs:lnRef idx="0"/>
+    <cs:fillRef idx="0"/>
+    <cs:effectRef idx="0"/>
+    <cs:fontRef idx="minor">
+      <a:schemeClr val="tx1"/>
+    </cs:fontRef>
+    <cs:spPr>
+      <a:ln w="9525" cap="flat" cmpd="sng" algn="ctr">
+        <a:solidFill>
+          <a:schemeClr val="tx1">
+            <a:lumMod val="65000"/>
+            <a:lumOff val="35000"/>
+          </a:schemeClr>
+        </a:solidFill>
+        <a:round/>
+      </a:ln>
+    </cs:spPr>
+  </cs:errorBar>
+  <cs:floor>
+    <cs:lnRef idx="0"/>
+    <cs:fillRef idx="0"/>
+    <cs:effectRef idx="0"/>
+    <cs:fontRef idx="minor">
+      <a:schemeClr val="tx1"/>
+    </cs:fontRef>
+    <cs:spPr>
+      <a:noFill/>
+      <a:ln>
+        <a:noFill/>
+      </a:ln>
+    </cs:spPr>
+  </cs:floor>
+  <cs:gridlineMajor>
+    <cs:lnRef idx="0"/>
+    <cs:fillRef idx="0"/>
+    <cs:effectRef idx="0"/>
+    <cs:fontRef idx="minor">
+      <a:schemeClr val="tx1"/>
+    </cs:fontRef>
+    <cs:spPr>
+      <a:ln w="9525" cap="flat" cmpd="sng" algn="ctr">
+        <a:solidFill>
+          <a:schemeClr val="tx1">
+            <a:lumMod val="15000"/>
+            <a:lumOff val="85000"/>
+          </a:schemeClr>
+        </a:solidFill>
+        <a:round/>
+      </a:ln>
+    </cs:spPr>
+  </cs:gridlineMajor>
+  <cs:gridlineMinor>
+    <cs:lnRef idx="0"/>
+    <cs:fillRef idx="0"/>
+    <cs:effectRef idx="0"/>
+    <cs:fontRef idx="minor">
+      <a:schemeClr val="tx1"/>
+    </cs:fontRef>
+    <cs:spPr>
+      <a:ln w="9525" cap="flat" cmpd="sng" algn="ctr">
+        <a:solidFill>
+          <a:schemeClr val="tx1">
+            <a:lumMod val="5000"/>
+            <a:lumOff val="95000"/>
+          </a:schemeClr>
+        </a:solidFill>
+        <a:round/>
+      </a:ln>
+    </cs:spPr>
+  </cs:gridlineMinor>
+  <cs:hiLoLine>
+    <cs:lnRef idx="0"/>
+    <cs:fillRef idx="0"/>
+    <cs:effectRef idx="0"/>
+    <cs:fontRef idx="minor">
+      <a:schemeClr val="tx1"/>
+    </cs:fontRef>
+    <cs:spPr>
+      <a:ln w="9525" cap="flat" cmpd="sng" algn="ctr">
+        <a:solidFill>
+          <a:schemeClr val="tx1">
+            <a:lumMod val="50000"/>
+            <a:lumOff val="50000"/>
+          </a:schemeClr>
+        </a:solidFill>
+        <a:round/>
+      </a:ln>
+    </cs:spPr>
+  </cs:hiLoLine>
+  <cs:leaderLine>
+    <cs:lnRef idx="0"/>
+    <cs:fillRef idx="0"/>
+    <cs:effectRef idx="0"/>
+    <cs:fontRef idx="minor">
+      <a:schemeClr val="tx1"/>
+    </cs:fontRef>
+    <cs:spPr>
+      <a:ln w="9525" cap="flat" cmpd="sng" algn="ctr">
+        <a:solidFill>
+          <a:schemeClr val="tx1">
+            <a:lumMod val="35000"/>
+            <a:lumOff val="65000"/>
+          </a:schemeClr>
+        </a:solidFill>
+        <a:round/>
+      </a:ln>
+    </cs:spPr>
+  </cs:leaderLine>
+  <cs:legend>
+    <cs:lnRef idx="0"/>
+    <cs:fillRef idx="0"/>
+    <cs:effectRef idx="0"/>
+    <cs:fontRef idx="minor">
+      <a:schemeClr val="tx1">
+        <a:lumMod val="65000"/>
+        <a:lumOff val="35000"/>
+      </a:schemeClr>
+    </cs:fontRef>
+    <cs:defRPr sz="900" kern="1200"/>
+  </cs:legend>
+  <cs:plotArea mods="allowNoFillOverride allowNoLineOverride">
+    <cs:lnRef idx="0"/>
+    <cs:fillRef idx="0"/>
+    <cs:effectRef idx="0"/>
+    <cs:fontRef idx="minor">
+      <a:schemeClr val="tx1"/>
+    </cs:fontRef>
+  </cs:plotArea>
+  <cs:plotArea3D mods="allowNoFillOverride allowNoLineOverride">
+    <cs:lnRef idx="0"/>
+    <cs:fillRef idx="0"/>
+    <cs:effectRef idx="0"/>
+    <cs:fontRef idx="minor">
+      <a:schemeClr val="tx1"/>
+    </cs:fontRef>
+  </cs:plotArea3D>
+  <cs:seriesAxis>
+    <cs:lnRef idx="0"/>
+    <cs:fillRef idx="0"/>
+    <cs:effectRef idx="0"/>
+    <cs:fontRef idx="minor">
+      <a:schemeClr val="tx1">
+        <a:lumMod val="65000"/>
+        <a:lumOff val="35000"/>
+      </a:schemeClr>
+    </cs:fontRef>
+    <cs:defRPr sz="900" kern="1200"/>
+  </cs:seriesAxis>
+  <cs:seriesLine>
+    <cs:lnRef idx="0"/>
+    <cs:fillRef idx="0"/>
+    <cs:effectRef idx="0"/>
+    <cs:fontRef idx="minor">
+      <a:schemeClr val="tx1"/>
+    </cs:fontRef>
+    <cs:spPr>
+      <a:ln w="9525" cap="flat" cmpd="sng" algn="ctr">
+        <a:solidFill>
+          <a:schemeClr val="tx1">
+            <a:lumMod val="35000"/>
+            <a:lumOff val="65000"/>
+          </a:schemeClr>
+        </a:solidFill>
+        <a:round/>
+      </a:ln>
+    </cs:spPr>
+  </cs:seriesLine>
+  <cs:title>
+    <cs:lnRef idx="0"/>
+    <cs:fillRef idx="0"/>
+    <cs:effectRef idx="0"/>
+    <cs:fontRef idx="minor">
+      <a:schemeClr val="tx1">
+        <a:lumMod val="65000"/>
+        <a:lumOff val="35000"/>
+      </a:schemeClr>
+    </cs:fontRef>
+    <cs:defRPr sz="1440" b="0" kern="1200" spc="0" baseline="0"/>
+  </cs:title>
+  <cs:trendline>
+    <cs:lnRef idx="0">
+      <cs:styleClr val="auto"/>
+    </cs:lnRef>
+    <cs:fillRef idx="0"/>
+    <cs:effectRef idx="0"/>
+    <cs:fontRef idx="minor">
+      <a:schemeClr val="tx1"/>
+    </cs:fontRef>
+    <cs:spPr>
+      <a:ln w="19050" cap="rnd">
+        <a:solidFill>
+          <a:schemeClr val="phClr"/>
+        </a:solidFill>
+        <a:prstDash val="sysDash"/>
+      </a:ln>
+    </cs:spPr>
+  </cs:trendline>
+  <cs:trendlineLabel>
+    <cs:lnRef idx="0"/>
+    <cs:fillRef idx="0"/>
+    <cs:effectRef idx="0"/>
+    <cs:fontRef idx="minor">
+      <a:schemeClr val="tx1">
+        <a:lumMod val="65000"/>
+        <a:lumOff val="35000"/>
+      </a:schemeClr>
+    </cs:fontRef>
+    <cs:defRPr sz="900" kern="1200"/>
+  </cs:trendlineLabel>
+  <cs:upBar>
+    <cs:lnRef idx="0"/>
+    <cs:fillRef idx="0"/>
+    <cs:effectRef idx="0"/>
+    <cs:fontRef idx="minor">
+      <a:schemeClr val="tx1"/>
+    </cs:fontRef>
+    <cs:spPr>
+      <a:solidFill>
+        <a:schemeClr val="lt1"/>
+      </a:solidFill>
+      <a:ln w="9525" cap="flat" cmpd="sng" algn="ctr">
+        <a:solidFill>
+          <a:schemeClr val="tx1">
+            <a:lumMod val="65000"/>
+            <a:lumOff val="35000"/>
+          </a:schemeClr>
+        </a:solidFill>
+        <a:round/>
+      </a:ln>
+    </cs:spPr>
+  </cs:upBar>
+  <cs:valueAxis>
+    <cs:lnRef idx="0"/>
+    <cs:fillRef idx="0"/>
+    <cs:effectRef idx="0"/>
+    <cs:fontRef idx="minor">
+      <a:schemeClr val="tx1">
+        <a:lumMod val="65000"/>
+        <a:lumOff val="35000"/>
+      </a:schemeClr>
+    </cs:fontRef>
+    <cs:defRPr sz="900" kern="1200"/>
+  </cs:valueAxis>
+  <cs:wall>
+    <cs:lnRef idx="0"/>
+    <cs:fillRef idx="0"/>
+    <cs:effectRef idx="0"/>
+    <cs:fontRef idx="minor">
+      <a:schemeClr val="tx1"/>
+    </cs:fontRef>
+    <cs:spPr>
+      <a:noFill/>
+      <a:ln>
+        <a:noFill/>
+      </a:ln>
+    </cs:spPr>
+  </cs:wall>
+</cs:chartStyle>
+</file>
+
+<file path=ppt/charts/style6.xml><?xml version="1.0" encoding="utf-8"?>
+<cs:chartStyle xmlns:cs="http://schemas.microsoft.com/office/drawing/2012/chartStyle" xmlns:a="http://schemas.openxmlformats.org/drawingml/2006/main" id="333">
+  <cs:axisTitle>
+    <cs:lnRef idx="0"/>
+    <cs:fillRef idx="0"/>
+    <cs:effectRef idx="0"/>
+    <cs:fontRef idx="minor">
+      <a:schemeClr val="tx1">
+        <a:lumMod val="65000"/>
+        <a:lumOff val="35000"/>
+      </a:schemeClr>
+    </cs:fontRef>
+    <cs:defRPr sz="900" kern="1200"/>
+  </cs:axisTitle>
+  <cs:categoryAxis>
+    <cs:lnRef idx="0"/>
+    <cs:fillRef idx="0"/>
+    <cs:effectRef idx="0"/>
+    <cs:fontRef idx="minor">
+      <a:schemeClr val="tx1">
+        <a:lumMod val="65000"/>
+        <a:lumOff val="35000"/>
+      </a:schemeClr>
+    </cs:fontRef>
+    <cs:spPr>
+      <a:ln w="9525" cap="flat" cmpd="sng" algn="ctr">
+        <a:solidFill>
+          <a:schemeClr val="tx1">
+            <a:lumMod val="15000"/>
+            <a:lumOff val="85000"/>
+          </a:schemeClr>
+        </a:solidFill>
+        <a:round/>
+      </a:ln>
+    </cs:spPr>
+    <cs:defRPr sz="900" kern="1200"/>
+  </cs:categoryAxis>
+  <cs:chartArea mods="allowNoFillOverride allowNoLineOverride">
+    <cs:lnRef idx="0"/>
+    <cs:fillRef idx="0"/>
+    <cs:effectRef idx="0"/>
+    <cs:fontRef idx="minor">
+      <a:schemeClr val="tx1"/>
+    </cs:fontRef>
+    <cs:spPr>
+      <a:solidFill>
+        <a:schemeClr val="bg1"/>
+      </a:solidFill>
+      <a:ln w="9525" cap="flat" cmpd="sng" algn="ctr">
+        <a:solidFill>
+          <a:schemeClr val="tx1">
+            <a:lumMod val="15000"/>
+            <a:lumOff val="85000"/>
+          </a:schemeClr>
+        </a:solidFill>
+        <a:round/>
+      </a:ln>
+    </cs:spPr>
+    <cs:defRPr sz="900" kern="1200"/>
+  </cs:chartArea>
+  <cs:dataLabel>
+    <cs:lnRef idx="0"/>
+    <cs:fillRef idx="0"/>
+    <cs:effectRef idx="0"/>
+    <cs:fontRef idx="minor">
+      <a:schemeClr val="tx1">
+        <a:lumMod val="65000"/>
+        <a:lumOff val="35000"/>
+      </a:schemeClr>
+    </cs:fontRef>
+    <cs:defRPr sz="900" kern="1200"/>
+  </cs:dataLabel>
+  <cs:dataLabelCallout>
+    <cs:lnRef idx="0"/>
+    <cs:fillRef idx="0"/>
+    <cs:effectRef idx="0"/>
+    <cs:fontRef idx="minor">
+      <a:schemeClr val="dk1">
+        <a:lumMod val="65000"/>
+        <a:lumOff val="35000"/>
+      </a:schemeClr>
+    </cs:fontRef>
+    <cs:spPr>
+      <a:solidFill>
+        <a:schemeClr val="lt1"/>
+      </a:solidFill>
+      <a:ln>
+        <a:solidFill>
+          <a:schemeClr val="dk1">
+            <a:lumMod val="50000"/>
+            <a:lumOff val="50000"/>
+          </a:schemeClr>
+        </a:solidFill>
+      </a:ln>
+    </cs:spPr>
+    <cs:defRPr sz="900" kern="1200"/>
+    <cs:bodyPr rot="0" spcFirstLastPara="1" vertOverflow="clip" horzOverflow="clip" vert="horz" wrap="square" lIns="36576" tIns="18288" rIns="36576" bIns="18288" anchor="ctr" anchorCtr="1">
+      <a:spAutoFit/>
+    </cs:bodyPr>
+  </cs:dataLabelCallout>
+  <cs:dataPoint>
+    <cs:lnRef idx="0"/>
+    <cs:fillRef idx="0">
+      <cs:styleClr val="auto"/>
+    </cs:fillRef>
+    <cs:effectRef idx="0"/>
+    <cs:fontRef idx="minor">
+      <a:schemeClr val="tx1"/>
+    </cs:fontRef>
+    <cs:spPr>
+      <a:solidFill>
+        <a:schemeClr val="phClr"/>
+      </a:solidFill>
+      <a:ln w="19050">
+        <a:solidFill>
+          <a:schemeClr val="lt1"/>
+        </a:solidFill>
+      </a:ln>
+    </cs:spPr>
+  </cs:dataPoint>
+  <cs:dataPoint3D>
+    <cs:lnRef idx="0"/>
+    <cs:fillRef idx="0">
+      <cs:styleClr val="auto"/>
+    </cs:fillRef>
+    <cs:effectRef idx="0"/>
+    <cs:fontRef idx="minor">
+      <a:schemeClr val="tx1"/>
+    </cs:fontRef>
+    <cs:spPr>
+      <a:solidFill>
+        <a:schemeClr val="phClr"/>
+      </a:solidFill>
+      <a:ln w="19050">
+        <a:solidFill>
+          <a:schemeClr val="lt1"/>
+        </a:solidFill>
+      </a:ln>
+    </cs:spPr>
+  </cs:dataPoint3D>
+  <cs:dataPointLine>
+    <cs:lnRef idx="0">
+      <cs:styleClr val="auto"/>
+    </cs:lnRef>
+    <cs:fillRef idx="0"/>
+    <cs:effectRef idx="0"/>
+    <cs:fontRef idx="minor">
+      <a:schemeClr val="tx1"/>
+    </cs:fontRef>
+    <cs:spPr>
+      <a:ln w="28575" cap="rnd">
+        <a:solidFill>
+          <a:schemeClr val="phClr"/>
+        </a:solidFill>
+        <a:round/>
+      </a:ln>
+    </cs:spPr>
+  </cs:dataPointLine>
+  <cs:dataPointMarker>
+    <cs:lnRef idx="0"/>
+    <cs:fillRef idx="0">
+      <cs:styleClr val="auto"/>
+    </cs:fillRef>
+    <cs:effectRef idx="0"/>
+    <cs:fontRef idx="minor">
+      <a:schemeClr val="tx1"/>
+    </cs:fontRef>
+    <cs:spPr>
+      <a:solidFill>
+        <a:schemeClr val="phClr"/>
+      </a:solidFill>
+      <a:ln w="9525">
+        <a:solidFill>
+          <a:schemeClr val="lt1"/>
+        </a:solidFill>
+      </a:ln>
+    </cs:spPr>
+  </cs:dataPointMarker>
+  <cs:dataPointMarkerLayout symbol="circle" size="6"/>
+  <cs:dataPointWireframe>
+    <cs:lnRef idx="0">
+      <cs:styleClr val="auto"/>
+    </cs:lnRef>
+    <cs:fillRef idx="0"/>
+    <cs:effectRef idx="0"/>
+    <cs:fontRef idx="minor">
+      <a:schemeClr val="tx1"/>
+    </cs:fontRef>
+    <cs:spPr>
+      <a:ln w="9525" cap="rnd">
+        <a:solidFill>
+          <a:schemeClr val="phClr"/>
+        </a:solidFill>
+        <a:round/>
+      </a:ln>
+    </cs:spPr>
+  </cs:dataPointWireframe>
+  <cs:dataTable>
+    <cs:lnRef idx="0"/>
+    <cs:fillRef idx="0"/>
+    <cs:effectRef idx="0"/>
+    <cs:fontRef idx="minor">
+      <a:schemeClr val="tx1">
+        <a:lumMod val="65000"/>
+        <a:lumOff val="35000"/>
+      </a:schemeClr>
+    </cs:fontRef>
+    <cs:spPr>
+      <a:noFill/>
+      <a:ln w="9525" cap="flat" cmpd="sng" algn="ctr">
+        <a:solidFill>
+          <a:schemeClr val="tx1">
+            <a:lumMod val="15000"/>
+            <a:lumOff val="85000"/>
+          </a:schemeClr>
+        </a:solidFill>
+        <a:round/>
+      </a:ln>
+    </cs:spPr>
+    <cs:defRPr sz="900" kern="1200"/>
+  </cs:dataTable>
+  <cs:downBar>
+    <cs:lnRef idx="0"/>
+    <cs:fillRef idx="0"/>
+    <cs:effectRef idx="0"/>
+    <cs:fontRef idx="minor">
+      <a:schemeClr val="tx1"/>
+    </cs:fontRef>
+    <cs:spPr>
+      <a:solidFill>
+        <a:schemeClr val="dk1">
+          <a:lumMod val="75000"/>
+          <a:lumOff val="25000"/>
+        </a:schemeClr>
+      </a:solidFill>
+      <a:ln w="9525" cap="flat" cmpd="sng" algn="ctr">
+        <a:solidFill>
+          <a:schemeClr val="tx1">
+            <a:lumMod val="65000"/>
+            <a:lumOff val="35000"/>
+          </a:schemeClr>
+        </a:solidFill>
+        <a:round/>
+      </a:ln>
+    </cs:spPr>
+  </cs:downBar>
+  <cs:dropLine>
+    <cs:lnRef idx="0"/>
+    <cs:fillRef idx="0"/>
+    <cs:effectRef idx="0"/>
+    <cs:fontRef idx="minor">
+      <a:schemeClr val="tx1"/>
+    </cs:fontRef>
+    <cs:spPr>
+      <a:ln w="9525" cap="flat" cmpd="sng" algn="ctr">
+        <a:solidFill>
+          <a:schemeClr val="tx1">
+            <a:lumMod val="35000"/>
+            <a:lumOff val="65000"/>
+          </a:schemeClr>
+        </a:solidFill>
+        <a:round/>
+      </a:ln>
+    </cs:spPr>
+  </cs:dropLine>
+  <cs:errorBar>
+    <cs:lnRef idx="0"/>
+    <cs:fillRef idx="0"/>
+    <cs:effectRef idx="0"/>
+    <cs:fontRef idx="minor">
+      <a:schemeClr val="tx1"/>
+    </cs:fontRef>
+    <cs:spPr>
+      <a:ln w="9525" cap="flat" cmpd="sng" algn="ctr">
+        <a:solidFill>
+          <a:schemeClr val="tx1">
+            <a:lumMod val="65000"/>
+            <a:lumOff val="35000"/>
+          </a:schemeClr>
+        </a:solidFill>
+        <a:round/>
+      </a:ln>
+    </cs:spPr>
+  </cs:errorBar>
+  <cs:floor>
+    <cs:lnRef idx="0"/>
+    <cs:fillRef idx="0"/>
+    <cs:effectRef idx="0"/>
+    <cs:fontRef idx="minor">
+      <a:schemeClr val="tx1"/>
+    </cs:fontRef>
+    <cs:spPr>
+      <a:noFill/>
+      <a:ln>
+        <a:noFill/>
+      </a:ln>
+    </cs:spPr>
+  </cs:floor>
+  <cs:gridlineMajor>
+    <cs:lnRef idx="0"/>
+    <cs:fillRef idx="0"/>
+    <cs:effectRef idx="0"/>
+    <cs:fontRef idx="minor">
+      <a:schemeClr val="tx1"/>
+    </cs:fontRef>
+    <cs:spPr>
+      <a:ln w="9525" cap="flat" cmpd="sng" algn="ctr">
+        <a:solidFill>
+          <a:schemeClr val="tx1">
+            <a:lumMod val="15000"/>
+            <a:lumOff val="85000"/>
+          </a:schemeClr>
+        </a:solidFill>
+        <a:round/>
+      </a:ln>
+    </cs:spPr>
+  </cs:gridlineMajor>
+  <cs:gridlineMinor>
+    <cs:lnRef idx="0"/>
+    <cs:fillRef idx="0"/>
+    <cs:effectRef idx="0"/>
+    <cs:fontRef idx="minor">
+      <a:schemeClr val="tx1"/>
+    </cs:fontRef>
+    <cs:spPr>
+      <a:ln w="9525" cap="flat" cmpd="sng" algn="ctr">
+        <a:solidFill>
+          <a:schemeClr val="tx1">
+            <a:lumMod val="5000"/>
+            <a:lumOff val="95000"/>
+          </a:schemeClr>
+        </a:solidFill>
+        <a:round/>
+      </a:ln>
+    </cs:spPr>
+  </cs:gridlineMinor>
+  <cs:hiLoLine>
+    <cs:lnRef idx="0"/>
+    <cs:fillRef idx="0"/>
+    <cs:effectRef idx="0"/>
+    <cs:fontRef idx="minor">
+      <a:schemeClr val="tx1"/>
+    </cs:fontRef>
+    <cs:spPr>
+      <a:ln w="9525" cap="flat" cmpd="sng" algn="ctr">
+        <a:solidFill>
+          <a:schemeClr val="tx1">
+            <a:lumMod val="50000"/>
+            <a:lumOff val="50000"/>
+          </a:schemeClr>
+        </a:solidFill>
+        <a:round/>
+      </a:ln>
+    </cs:spPr>
+  </cs:hiLoLine>
+  <cs:leaderLine>
+    <cs:lnRef idx="0"/>
+    <cs:fillRef idx="0"/>
+    <cs:effectRef idx="0"/>
+    <cs:fontRef idx="minor">
+      <a:schemeClr val="tx1"/>
+    </cs:fontRef>
+    <cs:spPr>
+      <a:ln w="9525" cap="flat" cmpd="sng" algn="ctr">
+        <a:solidFill>
+          <a:schemeClr val="tx1">
+            <a:lumMod val="35000"/>
+            <a:lumOff val="65000"/>
+          </a:schemeClr>
+        </a:solidFill>
+        <a:round/>
+      </a:ln>
+    </cs:spPr>
+  </cs:leaderLine>
+  <cs:legend>
+    <cs:lnRef idx="0"/>
+    <cs:fillRef idx="0"/>
+    <cs:effectRef idx="0"/>
+    <cs:fontRef idx="minor">
+      <a:schemeClr val="tx1">
+        <a:lumMod val="65000"/>
+        <a:lumOff val="35000"/>
+      </a:schemeClr>
+    </cs:fontRef>
+    <cs:defRPr sz="900" kern="1200"/>
+  </cs:legend>
+  <cs:plotArea mods="allowNoFillOverride allowNoLineOverride">
+    <cs:lnRef idx="0"/>
+    <cs:fillRef idx="0"/>
+    <cs:effectRef idx="0"/>
+    <cs:fontRef idx="minor">
+      <a:schemeClr val="tx1"/>
+    </cs:fontRef>
+  </cs:plotArea>
+  <cs:plotArea3D mods="allowNoFillOverride allowNoLineOverride">
+    <cs:lnRef idx="0"/>
+    <cs:fillRef idx="0"/>
+    <cs:effectRef idx="0"/>
+    <cs:fontRef idx="minor">
+      <a:schemeClr val="tx1"/>
+    </cs:fontRef>
+  </cs:plotArea3D>
+  <cs:seriesAxis>
+    <cs:lnRef idx="0"/>
+    <cs:fillRef idx="0"/>
+    <cs:effectRef idx="0"/>
+    <cs:fontRef idx="minor">
+      <a:schemeClr val="tx1">
+        <a:lumMod val="65000"/>
+        <a:lumOff val="35000"/>
+      </a:schemeClr>
+    </cs:fontRef>
+    <cs:defRPr sz="900" kern="1200"/>
+  </cs:seriesAxis>
+  <cs:seriesLine>
+    <cs:lnRef idx="0"/>
+    <cs:fillRef idx="0"/>
+    <cs:effectRef idx="0"/>
+    <cs:fontRef idx="minor">
+      <a:schemeClr val="tx1"/>
+    </cs:fontRef>
+    <cs:spPr>
+      <a:ln w="9525" cap="flat" cmpd="sng" algn="ctr">
+        <a:solidFill>
+          <a:schemeClr val="tx1">
+            <a:lumMod val="35000"/>
+            <a:lumOff val="65000"/>
+          </a:schemeClr>
+        </a:solidFill>
+        <a:round/>
+      </a:ln>
+    </cs:spPr>
+  </cs:seriesLine>
+  <cs:title>
+    <cs:lnRef idx="0"/>
+    <cs:fillRef idx="0"/>
+    <cs:effectRef idx="0"/>
+    <cs:fontRef idx="minor">
+      <a:schemeClr val="tx1">
+        <a:lumMod val="65000"/>
+        <a:lumOff val="35000"/>
+      </a:schemeClr>
+    </cs:fontRef>
+    <cs:defRPr sz="1440" b="0" kern="1200" spc="0" baseline="0"/>
+  </cs:title>
+  <cs:trendline>
+    <cs:lnRef idx="0">
+      <cs:styleClr val="auto"/>
+    </cs:lnRef>
+    <cs:fillRef idx="0"/>
+    <cs:effectRef idx="0"/>
+    <cs:fontRef idx="minor">
+      <a:schemeClr val="tx1"/>
+    </cs:fontRef>
+    <cs:spPr>
+      <a:ln w="19050" cap="rnd">
+        <a:solidFill>
+          <a:schemeClr val="phClr"/>
+        </a:solidFill>
+        <a:prstDash val="sysDash"/>
+      </a:ln>
+    </cs:spPr>
+  </cs:trendline>
+  <cs:trendlineLabel>
+    <cs:lnRef idx="0"/>
+    <cs:fillRef idx="0"/>
+    <cs:effectRef idx="0"/>
+    <cs:fontRef idx="minor">
+      <a:schemeClr val="tx1">
+        <a:lumMod val="65000"/>
+        <a:lumOff val="35000"/>
+      </a:schemeClr>
+    </cs:fontRef>
+    <cs:defRPr sz="900" kern="1200"/>
+  </cs:trendlineLabel>
+  <cs:upBar>
+    <cs:lnRef idx="0"/>
+    <cs:fillRef idx="0"/>
+    <cs:effectRef idx="0"/>
+    <cs:fontRef idx="minor">
+      <a:schemeClr val="tx1"/>
+    </cs:fontRef>
+    <cs:spPr>
+      <a:solidFill>
+        <a:schemeClr val="lt1"/>
+      </a:solidFill>
+      <a:ln w="9525" cap="flat" cmpd="sng" algn="ctr">
+        <a:solidFill>
+          <a:schemeClr val="tx1">
+            <a:lumMod val="65000"/>
+            <a:lumOff val="35000"/>
+          </a:schemeClr>
+        </a:solidFill>
+        <a:round/>
+      </a:ln>
+    </cs:spPr>
+  </cs:upBar>
+  <cs:valueAxis>
+    <cs:lnRef idx="0"/>
+    <cs:fillRef idx="0"/>
+    <cs:effectRef idx="0"/>
+    <cs:fontRef idx="minor">
+      <a:schemeClr val="tx1">
+        <a:lumMod val="65000"/>
+        <a:lumOff val="35000"/>
+      </a:schemeClr>
+    </cs:fontRef>
+    <cs:defRPr sz="900" kern="1200"/>
+  </cs:valueAxis>
+  <cs:wall>
+    <cs:lnRef idx="0"/>
+    <cs:fillRef idx="0"/>
+    <cs:effectRef idx="0"/>
+    <cs:fontRef idx="minor">
+      <a:schemeClr val="tx1"/>
+    </cs:fontRef>
+    <cs:spPr>
+      <a:noFill/>
+      <a:ln>
+        <a:noFill/>
+      </a:ln>
+    </cs:spPr>
+  </cs:wall>
+</cs:chartStyle>
+</file>
+
+<file path=ppt/charts/style7.xml><?xml version="1.0" encoding="utf-8"?>
+<cs:chartStyle xmlns:cs="http://schemas.microsoft.com/office/drawing/2012/chartStyle" xmlns:a="http://schemas.openxmlformats.org/drawingml/2006/main" id="251">
+  <cs:axisTitle>
+    <cs:lnRef idx="0"/>
+    <cs:fillRef idx="0"/>
+    <cs:effectRef idx="0"/>
+    <cs:fontRef idx="minor">
+      <a:schemeClr val="tx1">
+        <a:lumMod val="65000"/>
+        <a:lumOff val="35000"/>
+      </a:schemeClr>
+    </cs:fontRef>
+    <cs:defRPr sz="1000" kern="1200"/>
+  </cs:axisTitle>
+  <cs:categoryAxis>
+    <cs:lnRef idx="0"/>
+    <cs:fillRef idx="0"/>
+    <cs:effectRef idx="0"/>
+    <cs:fontRef idx="minor">
+      <a:schemeClr val="tx1">
+        <a:lumMod val="65000"/>
+        <a:lumOff val="35000"/>
+      </a:schemeClr>
+    </cs:fontRef>
+    <cs:spPr>
+      <a:ln w="9525" cap="flat" cmpd="sng" algn="ctr">
+        <a:solidFill>
+          <a:schemeClr val="tx1">
+            <a:lumMod val="15000"/>
+            <a:lumOff val="85000"/>
+          </a:schemeClr>
+        </a:solidFill>
+        <a:round/>
+      </a:ln>
+    </cs:spPr>
+    <cs:defRPr sz="900" kern="1200"/>
+  </cs:categoryAxis>
+  <cs:chartArea mods="allowNoFillOverride allowNoLineOverride">
+    <cs:lnRef idx="0"/>
+    <cs:fillRef idx="0"/>
+    <cs:effectRef idx="0"/>
+    <cs:fontRef idx="minor">
+      <a:schemeClr val="tx1"/>
+    </cs:fontRef>
+    <cs:spPr>
+      <a:solidFill>
+        <a:schemeClr val="bg1"/>
+      </a:solidFill>
+      <a:ln w="9525" cap="flat" cmpd="sng" algn="ctr">
+        <a:solidFill>
+          <a:schemeClr val="tx1">
+            <a:lumMod val="15000"/>
+            <a:lumOff val="85000"/>
+          </a:schemeClr>
+        </a:solidFill>
+        <a:round/>
+      </a:ln>
+    </cs:spPr>
+    <cs:defRPr sz="900" kern="1200"/>
+  </cs:chartArea>
+  <cs:dataLabel>
+    <cs:lnRef idx="0"/>
+    <cs:fillRef idx="0"/>
+    <cs:effectRef idx="0"/>
+    <cs:fontRef idx="minor">
+      <a:schemeClr val="tx1">
+        <a:lumMod val="75000"/>
+        <a:lumOff val="25000"/>
+      </a:schemeClr>
+    </cs:fontRef>
+    <cs:defRPr sz="900" kern="1200"/>
+  </cs:dataLabel>
+  <cs:dataLabelCallout>
+    <cs:lnRef idx="0"/>
+    <cs:fillRef idx="0"/>
+    <cs:effectRef idx="0"/>
+    <cs:fontRef idx="minor">
+      <a:schemeClr val="dk1">
+        <a:lumMod val="65000"/>
+        <a:lumOff val="35000"/>
+      </a:schemeClr>
+    </cs:fontRef>
+    <cs:spPr>
+      <a:solidFill>
+        <a:schemeClr val="lt1"/>
+      </a:solidFill>
+      <a:ln>
+        <a:solidFill>
+          <a:schemeClr val="dk1">
+            <a:lumMod val="25000"/>
+            <a:lumOff val="75000"/>
+          </a:schemeClr>
+        </a:solidFill>
+      </a:ln>
+    </cs:spPr>
+    <cs:defRPr sz="900" kern="1200"/>
+    <cs:bodyPr rot="0" spcFirstLastPara="1" vertOverflow="clip" horzOverflow="clip" vert="horz" wrap="square" lIns="36576" tIns="18288" rIns="36576" bIns="18288" anchor="ctr" anchorCtr="1">
+      <a:spAutoFit/>
+    </cs:bodyPr>
+  </cs:dataLabelCallout>
+  <cs:dataPoint>
+    <cs:lnRef idx="0"/>
+    <cs:fillRef idx="1">
+      <cs:styleClr val="auto"/>
+    </cs:fillRef>
+    <cs:effectRef idx="0"/>
+    <cs:fontRef idx="minor">
+      <a:schemeClr val="tx1"/>
+    </cs:fontRef>
+    <cs:spPr>
+      <a:ln w="19050">
+        <a:solidFill>
+          <a:schemeClr val="lt1"/>
+        </a:solidFill>
+      </a:ln>
+    </cs:spPr>
+  </cs:dataPoint>
+  <cs:dataPoint3D>
+    <cs:lnRef idx="0"/>
+    <cs:fillRef idx="1">
+      <cs:styleClr val="auto"/>
+    </cs:fillRef>
+    <cs:effectRef idx="0"/>
+    <cs:fontRef idx="minor">
+      <a:schemeClr val="tx1"/>
+    </cs:fontRef>
+    <cs:spPr>
+      <a:ln w="25400">
+        <a:solidFill>
+          <a:schemeClr val="lt1"/>
+        </a:solidFill>
+      </a:ln>
+    </cs:spPr>
+  </cs:dataPoint3D>
+  <cs:dataPointLine>
+    <cs:lnRef idx="0">
+      <cs:styleClr val="auto"/>
+    </cs:lnRef>
+    <cs:fillRef idx="0"/>
+    <cs:effectRef idx="0"/>
+    <cs:fontRef idx="minor">
+      <a:schemeClr val="tx1"/>
+    </cs:fontRef>
+    <cs:spPr>
+      <a:ln w="28575" cap="rnd">
+        <a:solidFill>
+          <a:schemeClr val="phClr"/>
+        </a:solidFill>
+        <a:round/>
+      </a:ln>
+    </cs:spPr>
+  </cs:dataPointLine>
+  <cs:dataPointMarker>
+    <cs:lnRef idx="0">
+      <cs:styleClr val="auto"/>
+    </cs:lnRef>
+    <cs:fillRef idx="1">
+      <cs:styleClr val="auto"/>
+    </cs:fillRef>
+    <cs:effectRef idx="0"/>
+    <cs:fontRef idx="minor">
+      <a:schemeClr val="tx1"/>
+    </cs:fontRef>
+    <cs:spPr>
+      <a:ln w="9525">
+        <a:solidFill>
+          <a:schemeClr val="phClr"/>
+        </a:solidFill>
+      </a:ln>
+    </cs:spPr>
+  </cs:dataPointMarker>
+  <cs:dataPointMarkerLayout symbol="circle" size="5"/>
+  <cs:dataPointWireframe>
+    <cs:lnRef idx="0">
+      <cs:styleClr val="auto"/>
+    </cs:lnRef>
+    <cs:fillRef idx="0"/>
+    <cs:effectRef idx="0"/>
+    <cs:fontRef idx="minor">
+      <a:schemeClr val="tx1"/>
+    </cs:fontRef>
+    <cs:spPr>
+      <a:ln w="9525" cap="rnd">
+        <a:solidFill>
+          <a:schemeClr val="phClr"/>
+        </a:solidFill>
+        <a:round/>
+      </a:ln>
+    </cs:spPr>
+  </cs:dataPointWireframe>
+  <cs:dataTable>
+    <cs:lnRef idx="0"/>
+    <cs:fillRef idx="0"/>
+    <cs:effectRef idx="0"/>
+    <cs:fontRef idx="minor">
+      <a:schemeClr val="tx1">
+        <a:lumMod val="65000"/>
+        <a:lumOff val="35000"/>
+      </a:schemeClr>
+    </cs:fontRef>
+    <cs:spPr>
+      <a:noFill/>
+      <a:ln w="9525" cap="flat" cmpd="sng" algn="ctr">
+        <a:solidFill>
+          <a:schemeClr val="tx1">
+            <a:lumMod val="15000"/>
+            <a:lumOff val="85000"/>
+          </a:schemeClr>
+        </a:solidFill>
+        <a:round/>
+      </a:ln>
+    </cs:spPr>
+    <cs:defRPr sz="900" kern="1200"/>
+  </cs:dataTable>
+  <cs:downBar>
+    <cs:lnRef idx="0"/>
+    <cs:fillRef idx="0"/>
+    <cs:effectRef idx="0"/>
+    <cs:fontRef idx="minor">
+      <a:schemeClr val="tx1"/>
+    </cs:fontRef>
+    <cs:spPr>
+      <a:solidFill>
+        <a:schemeClr val="dk1">
+          <a:lumMod val="75000"/>
+          <a:lumOff val="25000"/>
+        </a:schemeClr>
+      </a:solidFill>
+      <a:ln w="9525" cap="flat" cmpd="sng" algn="ctr">
+        <a:solidFill>
+          <a:schemeClr val="tx1">
+            <a:lumMod val="65000"/>
+            <a:lumOff val="35000"/>
+          </a:schemeClr>
+        </a:solidFill>
+        <a:round/>
+      </a:ln>
+    </cs:spPr>
+  </cs:downBar>
+  <cs:dropLine>
+    <cs:lnRef idx="0"/>
+    <cs:fillRef idx="0"/>
+    <cs:effectRef idx="0"/>
+    <cs:fontRef idx="minor">
+      <a:schemeClr val="tx1"/>
+    </cs:fontRef>
+    <cs:spPr>
+      <a:ln w="9525" cap="flat" cmpd="sng" algn="ctr">
+        <a:solidFill>
+          <a:schemeClr val="tx1">
+            <a:lumMod val="35000"/>
+            <a:lumOff val="65000"/>
+          </a:schemeClr>
+        </a:solidFill>
+        <a:round/>
+      </a:ln>
+    </cs:spPr>
+  </cs:dropLine>
+  <cs:errorBar>
+    <cs:lnRef idx="0"/>
+    <cs:fillRef idx="0"/>
+    <cs:effectRef idx="0"/>
+    <cs:fontRef idx="minor">
+      <a:schemeClr val="tx1"/>
+    </cs:fontRef>
+    <cs:spPr>
+      <a:ln w="9525" cap="flat" cmpd="sng" algn="ctr">
+        <a:solidFill>
+          <a:schemeClr val="tx1">
+            <a:lumMod val="65000"/>
+            <a:lumOff val="35000"/>
+          </a:schemeClr>
+        </a:solidFill>
+        <a:round/>
+      </a:ln>
+    </cs:spPr>
+  </cs:errorBar>
+  <cs:floor>
+    <cs:lnRef idx="0"/>
+    <cs:fillRef idx="0"/>
+    <cs:effectRef idx="0"/>
+    <cs:fontRef idx="minor">
+      <a:schemeClr val="tx1"/>
+    </cs:fontRef>
+    <cs:spPr>
+      <a:noFill/>
+      <a:ln>
+        <a:noFill/>
+      </a:ln>
+    </cs:spPr>
+  </cs:floor>
+  <cs:gridlineMajor>
+    <cs:lnRef idx="0"/>
+    <cs:fillRef idx="0"/>
+    <cs:effectRef idx="0"/>
+    <cs:fontRef idx="minor">
+      <a:schemeClr val="tx1"/>
+    </cs:fontRef>
+    <cs:spPr>
+      <a:ln w="9525" cap="flat" cmpd="sng" algn="ctr">
+        <a:solidFill>
+          <a:schemeClr val="tx1">
+            <a:lumMod val="15000"/>
+            <a:lumOff val="85000"/>
+          </a:schemeClr>
+        </a:solidFill>
+        <a:round/>
+      </a:ln>
+    </cs:spPr>
+  </cs:gridlineMajor>
+  <cs:gridlineMinor>
+    <cs:lnRef idx="0"/>
+    <cs:fillRef idx="0"/>
+    <cs:effectRef idx="0"/>
+    <cs:fontRef idx="minor">
+      <a:schemeClr val="tx1"/>
+    </cs:fontRef>
+    <cs:spPr>
+      <a:ln w="9525" cap="flat" cmpd="sng" algn="ctr">
+        <a:solidFill>
+          <a:schemeClr val="tx1">
+            <a:lumMod val="5000"/>
+            <a:lumOff val="95000"/>
+          </a:schemeClr>
+        </a:solidFill>
+        <a:round/>
+      </a:ln>
+    </cs:spPr>
+  </cs:gridlineMinor>
+  <cs:hiLoLine>
+    <cs:lnRef idx="0"/>
+    <cs:fillRef idx="0"/>
+    <cs:effectRef idx="0"/>
+    <cs:fontRef idx="minor">
+      <a:schemeClr val="tx1"/>
+    </cs:fontRef>
+    <cs:spPr>
+      <a:ln w="9525" cap="flat" cmpd="sng" algn="ctr">
+        <a:solidFill>
+          <a:schemeClr val="tx1">
+            <a:lumMod val="50000"/>
+            <a:lumOff val="50000"/>
+          </a:schemeClr>
+        </a:solidFill>
+        <a:round/>
+      </a:ln>
+    </cs:spPr>
+  </cs:hiLoLine>
+  <cs:leaderLine>
+    <cs:lnRef idx="0"/>
+    <cs:fillRef idx="0"/>
+    <cs:effectRef idx="0"/>
+    <cs:fontRef idx="minor">
+      <a:schemeClr val="tx1"/>
+    </cs:fontRef>
+    <cs:spPr>
+      <a:ln w="9525" cap="flat" cmpd="sng" algn="ctr">
+        <a:solidFill>
+          <a:schemeClr val="tx1">
+            <a:lumMod val="35000"/>
+            <a:lumOff val="65000"/>
+          </a:schemeClr>
+        </a:solidFill>
+        <a:round/>
+      </a:ln>
+    </cs:spPr>
+  </cs:leaderLine>
+  <cs:legend>
+    <cs:lnRef idx="0"/>
+    <cs:fillRef idx="0"/>
+    <cs:effectRef idx="0"/>
+    <cs:fontRef idx="minor">
+      <a:schemeClr val="tx1">
+        <a:lumMod val="65000"/>
+        <a:lumOff val="35000"/>
+      </a:schemeClr>
+    </cs:fontRef>
+    <cs:defRPr sz="900" kern="1200"/>
+  </cs:legend>
+  <cs:plotArea mods="allowNoFillOverride allowNoLineOverride">
+    <cs:lnRef idx="0"/>
+    <cs:fillRef idx="0"/>
+    <cs:effectRef idx="0"/>
+    <cs:fontRef idx="minor">
+      <a:schemeClr val="tx1"/>
+    </cs:fontRef>
+  </cs:plotArea>
+  <cs:plotArea3D mods="allowNoFillOverride allowNoLineOverride">
+    <cs:lnRef idx="0"/>
+    <cs:fillRef idx="0"/>
+    <cs:effectRef idx="0"/>
+    <cs:fontRef idx="minor">
+      <a:schemeClr val="tx1"/>
+    </cs:fontRef>
+  </cs:plotArea3D>
+  <cs:seriesAxis>
+    <cs:lnRef idx="0"/>
+    <cs:fillRef idx="0"/>
+    <cs:effectRef idx="0"/>
+    <cs:fontRef idx="minor">
+      <a:schemeClr val="tx1">
+        <a:lumMod val="65000"/>
+        <a:lumOff val="35000"/>
+      </a:schemeClr>
+    </cs:fontRef>
+    <cs:defRPr sz="900" kern="1200"/>
+  </cs:seriesAxis>
+  <cs:seriesLine>
+    <cs:lnRef idx="0"/>
+    <cs:fillRef idx="0"/>
+    <cs:effectRef idx="0"/>
+    <cs:fontRef idx="minor">
+      <a:schemeClr val="tx1"/>
+    </cs:fontRef>
+    <cs:spPr>
+      <a:ln w="9525" cap="flat" cmpd="sng" algn="ctr">
+        <a:solidFill>
+          <a:schemeClr val="tx1">
+            <a:lumMod val="35000"/>
+            <a:lumOff val="65000"/>
+          </a:schemeClr>
+        </a:solidFill>
+        <a:round/>
+      </a:ln>
+    </cs:spPr>
+  </cs:seriesLine>
+  <cs:title>
+    <cs:lnRef idx="0"/>
+    <cs:fillRef idx="0"/>
+    <cs:effectRef idx="0"/>
+    <cs:fontRef idx="minor">
+      <a:schemeClr val="tx1">
+        <a:lumMod val="65000"/>
+        <a:lumOff val="35000"/>
+      </a:schemeClr>
+    </cs:fontRef>
+    <cs:defRPr sz="1400" b="0" kern="1200" spc="0" baseline="0"/>
+  </cs:title>
+  <cs:trendline>
+    <cs:lnRef idx="0">
+      <cs:styleClr val="auto"/>
+    </cs:lnRef>
+    <cs:fillRef idx="0"/>
+    <cs:effectRef idx="0"/>
+    <cs:fontRef idx="minor">
+      <a:schemeClr val="tx1"/>
+    </cs:fontRef>
+    <cs:spPr>
+      <a:ln w="19050" cap="rnd">
+        <a:solidFill>
+          <a:schemeClr val="phClr"/>
+        </a:solidFill>
+        <a:prstDash val="sysDot"/>
+      </a:ln>
+    </cs:spPr>
+  </cs:trendline>
+  <cs:trendlineLabel>
+    <cs:lnRef idx="0"/>
+    <cs:fillRef idx="0"/>
+    <cs:effectRef idx="0"/>
+    <cs:fontRef idx="minor">
+      <a:schemeClr val="tx1">
+        <a:lumMod val="65000"/>
+        <a:lumOff val="35000"/>
+      </a:schemeClr>
+    </cs:fontRef>
+    <cs:defRPr sz="900" kern="1200"/>
+  </cs:trendlineLabel>
+  <cs:upBar>
+    <cs:lnRef idx="0"/>
+    <cs:fillRef idx="0"/>
+    <cs:effectRef idx="0"/>
+    <cs:fontRef idx="minor">
+      <a:schemeClr val="tx1"/>
+    </cs:fontRef>
+    <cs:spPr>
+      <a:solidFill>
+        <a:schemeClr val="lt1"/>
+      </a:solidFill>
+      <a:ln w="9525" cap="flat" cmpd="sng" algn="ctr">
+        <a:solidFill>
+          <a:schemeClr val="tx1">
+            <a:lumMod val="65000"/>
+            <a:lumOff val="35000"/>
+          </a:schemeClr>
+        </a:solidFill>
+        <a:round/>
+      </a:ln>
+    </cs:spPr>
+  </cs:upBar>
+  <cs:valueAxis>
+    <cs:lnRef idx="0"/>
+    <cs:fillRef idx="0"/>
+    <cs:effectRef idx="0"/>
+    <cs:fontRef idx="minor">
+      <a:schemeClr val="tx1">
+        <a:lumMod val="65000"/>
+        <a:lumOff val="35000"/>
+      </a:schemeClr>
+    </cs:fontRef>
+    <cs:defRPr sz="900" kern="1200"/>
+  </cs:valueAxis>
+  <cs:wall>
+    <cs:lnRef idx="0"/>
+    <cs:fillRef idx="0"/>
+    <cs:effectRef idx="0"/>
+    <cs:fontRef idx="minor">
+      <a:schemeClr val="tx1"/>
+    </cs:fontRef>
+    <cs:spPr>
+      <a:noFill/>
+      <a:ln>
+        <a:noFill/>
+      </a:ln>
+    </cs:spPr>
+  </cs:wall>
+</cs:chartStyle>
+</file>
+
+<file path=ppt/charts/style8.xml><?xml version="1.0" encoding="utf-8"?>
+<cs:chartStyle xmlns:cs="http://schemas.microsoft.com/office/drawing/2012/chartStyle" xmlns:a="http://schemas.openxmlformats.org/drawingml/2006/main" id="344">
+  <cs:axisTitle>
+    <cs:lnRef idx="0"/>
+    <cs:fillRef idx="0"/>
+    <cs:effectRef idx="0"/>
+    <cs:fontRef idx="minor">
+      <a:schemeClr val="tx1">
+        <a:lumMod val="65000"/>
+        <a:lumOff val="35000"/>
+      </a:schemeClr>
+    </cs:fontRef>
+    <cs:defRPr sz="1197" kern="1200"/>
+  </cs:axisTitle>
+  <cs:categoryAxis>
+    <cs:lnRef idx="0"/>
+    <cs:fillRef idx="0"/>
+    <cs:effectRef idx="0"/>
+    <cs:fontRef idx="minor">
+      <a:schemeClr val="tx1">
+        <a:lumMod val="65000"/>
+        <a:lumOff val="35000"/>
+      </a:schemeClr>
+    </cs:fontRef>
+    <cs:spPr>
+      <a:ln w="12700" cap="flat" cmpd="sng" algn="ctr">
+        <a:solidFill>
+          <a:schemeClr val="tx1">
+            <a:lumMod val="15000"/>
+            <a:lumOff val="85000"/>
+          </a:schemeClr>
+        </a:solidFill>
+        <a:round/>
+      </a:ln>
+    </cs:spPr>
+    <cs:defRPr sz="1197" kern="1200"/>
+  </cs:categoryAxis>
+  <cs:chartArea mods="allowNoFillOverride allowNoLineOverride">
+    <cs:lnRef idx="0"/>
+    <cs:fillRef idx="0"/>
+    <cs:effectRef idx="0"/>
+    <cs:fontRef idx="minor">
+      <a:schemeClr val="tx2"/>
+    </cs:fontRef>
+    <cs:spPr>
+      <a:solidFill>
+        <a:schemeClr val="bg1"/>
+      </a:solidFill>
+      <a:ln w="9525" cap="flat" cmpd="sng" algn="ctr">
+        <a:solidFill>
+          <a:schemeClr val="tx1">
+            <a:lumMod val="15000"/>
+            <a:lumOff val="85000"/>
+          </a:schemeClr>
+        </a:solidFill>
+        <a:round/>
+      </a:ln>
+    </cs:spPr>
+    <cs:defRPr sz="1197" kern="1200"/>
+  </cs:chartArea>
+  <cs:dataLabel>
+    <cs:lnRef idx="0"/>
+    <cs:fillRef idx="0"/>
+    <cs:effectRef idx="0"/>
+    <cs:fontRef idx="minor">
+      <a:schemeClr val="tx1">
+        <a:lumMod val="75000"/>
+        <a:lumOff val="25000"/>
+      </a:schemeClr>
+    </cs:fontRef>
+    <cs:defRPr sz="1197" kern="1200"/>
+  </cs:dataLabel>
+  <cs:dataLabelCallout>
+    <cs:lnRef idx="0"/>
+    <cs:fillRef idx="0"/>
+    <cs:effectRef idx="0"/>
+    <cs:fontRef idx="minor">
+      <a:schemeClr val="dk1">
+        <a:lumMod val="65000"/>
+        <a:lumOff val="35000"/>
+      </a:schemeClr>
+    </cs:fontRef>
+    <cs:spPr>
+      <a:solidFill>
+        <a:schemeClr val="lt1"/>
+      </a:solidFill>
+      <a:ln>
+        <a:solidFill>
+          <a:schemeClr val="dk1">
+            <a:lumMod val="25000"/>
+            <a:lumOff val="75000"/>
+          </a:schemeClr>
+        </a:solidFill>
+      </a:ln>
+    </cs:spPr>
+    <cs:defRPr sz="1197" kern="1200"/>
+    <cs:bodyPr rot="0" spcFirstLastPara="1" vertOverflow="clip" horzOverflow="clip" vert="horz" wrap="square" lIns="36576" tIns="18288" rIns="36576" bIns="18288" anchor="ctr" anchorCtr="1">
+      <a:spAutoFit/>
+    </cs:bodyPr>
+  </cs:dataLabelCallout>
+  <cs:dataPoint>
+    <cs:lnRef idx="0"/>
+    <cs:fillRef idx="3">
+      <cs:styleClr val="auto"/>
+    </cs:fillRef>
+    <cs:effectRef idx="3"/>
+    <cs:fontRef idx="minor">
+      <a:schemeClr val="tx1"/>
+    </cs:fontRef>
+  </cs:dataPoint>
+  <cs:dataPoint3D>
+    <cs:lnRef idx="0"/>
+    <cs:fillRef idx="3">
+      <cs:styleClr val="auto"/>
+    </cs:fillRef>
+    <cs:effectRef idx="3"/>
+    <cs:fontRef idx="minor">
+      <a:schemeClr val="tx1"/>
+    </cs:fontRef>
+  </cs:dataPoint3D>
+  <cs:dataPointLine>
+    <cs:lnRef idx="0">
+      <cs:styleClr val="auto"/>
+    </cs:lnRef>
+    <cs:fillRef idx="3"/>
+    <cs:effectRef idx="3"/>
+    <cs:fontRef idx="minor">
+      <a:schemeClr val="tx1"/>
+    </cs:fontRef>
+    <cs:spPr>
+      <a:ln w="34925" cap="rnd">
+        <a:solidFill>
+          <a:schemeClr val="phClr"/>
+        </a:solidFill>
+        <a:round/>
+      </a:ln>
+    </cs:spPr>
+  </cs:dataPointLine>
+  <cs:dataPointMarker>
+    <cs:lnRef idx="0">
+      <cs:styleClr val="auto"/>
+    </cs:lnRef>
+    <cs:fillRef idx="3">
+      <cs:styleClr val="auto"/>
+    </cs:fillRef>
+    <cs:effectRef idx="3"/>
+    <cs:fontRef idx="minor">
+      <a:schemeClr val="tx1"/>
+    </cs:fontRef>
+    <cs:spPr>
+      <a:ln w="9525">
+        <a:solidFill>
+          <a:schemeClr val="phClr"/>
+        </a:solidFill>
+        <a:round/>
+      </a:ln>
+    </cs:spPr>
+  </cs:dataPointMarker>
+  <cs:dataPointMarkerLayout symbol="circle" size="6"/>
+  <cs:dataPointWireframe>
+    <cs:lnRef idx="0">
+      <cs:styleClr val="auto"/>
+    </cs:lnRef>
+    <cs:fillRef idx="3"/>
+    <cs:effectRef idx="3"/>
+    <cs:fontRef idx="minor">
+      <a:schemeClr val="tx1"/>
+    </cs:fontRef>
+    <cs:spPr>
+      <a:ln w="9525" cap="rnd">
+        <a:solidFill>
+          <a:schemeClr val="phClr"/>
+        </a:solidFill>
+        <a:round/>
+      </a:ln>
+    </cs:spPr>
+  </cs:dataPointWireframe>
+  <cs:dataTable>
+    <cs:lnRef idx="0"/>
+    <cs:fillRef idx="0"/>
+    <cs:effectRef idx="0"/>
+    <cs:fontRef idx="minor">
+      <a:schemeClr val="tx1">
+        <a:lumMod val="65000"/>
+        <a:lumOff val="35000"/>
+      </a:schemeClr>
+    </cs:fontRef>
+    <cs:spPr>
+      <a:noFill/>
+      <a:ln w="9525" cap="flat" cmpd="sng" algn="ctr">
+        <a:solidFill>
+          <a:schemeClr val="tx1">
+            <a:lumMod val="15000"/>
+            <a:lumOff val="85000"/>
+          </a:schemeClr>
+        </a:solidFill>
+        <a:round/>
+      </a:ln>
+    </cs:spPr>
+    <cs:defRPr sz="1197" kern="1200"/>
+  </cs:dataTable>
+  <cs:downBar>
+    <cs:lnRef idx="0"/>
+    <cs:fillRef idx="0"/>
+    <cs:effectRef idx="0"/>
+    <cs:fontRef idx="minor">
+      <a:schemeClr val="dk1"/>
+    </cs:fontRef>
+    <cs:spPr>
+      <a:solidFill>
+        <a:schemeClr val="dk1">
+          <a:lumMod val="65000"/>
+          <a:lumOff val="35000"/>
+        </a:schemeClr>
+      </a:solidFill>
+      <a:ln w="9525">
+        <a:solidFill>
+          <a:schemeClr val="tx1">
+            <a:lumMod val="65000"/>
+            <a:lumOff val="35000"/>
+          </a:schemeClr>
+        </a:solidFill>
+      </a:ln>
+    </cs:spPr>
+  </cs:downBar>
+  <cs:dropLine>
+    <cs:lnRef idx="0"/>
+    <cs:fillRef idx="0"/>
+    <cs:effectRef idx="0"/>
+    <cs:fontRef idx="minor">
+      <a:schemeClr val="tx1"/>
+    </cs:fontRef>
+    <cs:spPr>
+      <a:ln w="9525" cap="flat" cmpd="sng" algn="ctr">
+        <a:solidFill>
+          <a:schemeClr val="tx1">
+            <a:lumMod val="35000"/>
+            <a:lumOff val="65000"/>
+          </a:schemeClr>
+        </a:solidFill>
+        <a:round/>
+      </a:ln>
+    </cs:spPr>
+  </cs:dropLine>
+  <cs:errorBar>
+    <cs:lnRef idx="0"/>
+    <cs:fillRef idx="0"/>
+    <cs:effectRef idx="0"/>
+    <cs:fontRef idx="minor">
+      <a:schemeClr val="tx1"/>
+    </cs:fontRef>
+    <cs:spPr>
+      <a:ln w="9525" cap="flat" cmpd="sng" algn="ctr">
+        <a:solidFill>
+          <a:schemeClr val="tx1">
+            <a:lumMod val="65000"/>
+            <a:lumOff val="35000"/>
+          </a:schemeClr>
+        </a:solidFill>
+        <a:round/>
+      </a:ln>
+    </cs:spPr>
+  </cs:errorBar>
+  <cs:floor>
+    <cs:lnRef idx="0"/>
+    <cs:fillRef idx="0"/>
+    <cs:effectRef idx="0"/>
+    <cs:fontRef idx="minor">
+      <a:schemeClr val="lt1"/>
+    </cs:fontRef>
+  </cs:floor>
+  <cs:gridlineMajor>
+    <cs:lnRef idx="0"/>
+    <cs:fillRef idx="0"/>
+    <cs:effectRef idx="0"/>
+    <cs:fontRef idx="minor">
+      <a:schemeClr val="tx1"/>
+    </cs:fontRef>
+    <cs:spPr>
+      <a:ln w="9525" cap="flat" cmpd="sng" algn="ctr">
+        <a:solidFill>
+          <a:schemeClr val="tx1">
+            <a:lumMod val="15000"/>
+            <a:lumOff val="85000"/>
+          </a:schemeClr>
+        </a:solidFill>
+        <a:round/>
+      </a:ln>
+    </cs:spPr>
+  </cs:gridlineMajor>
+  <cs:gridlineMinor>
+    <cs:lnRef idx="0"/>
+    <cs:fillRef idx="0"/>
+    <cs:effectRef idx="0"/>
+    <cs:fontRef idx="minor">
+      <a:schemeClr val="tx1"/>
+    </cs:fontRef>
+    <cs:spPr>
+      <a:ln w="9525" cap="flat" cmpd="sng" algn="ctr">
+        <a:solidFill>
+          <a:schemeClr val="tx1">
+            <a:lumMod val="5000"/>
+            <a:lumOff val="95000"/>
+          </a:schemeClr>
+        </a:solidFill>
+        <a:round/>
+      </a:ln>
+    </cs:spPr>
+  </cs:gridlineMinor>
+  <cs:hiLoLine>
+    <cs:lnRef idx="0"/>
+    <cs:fillRef idx="0"/>
+    <cs:effectRef idx="0"/>
+    <cs:fontRef idx="minor">
+      <a:schemeClr val="tx1"/>
+    </cs:fontRef>
+    <cs:spPr>
+      <a:ln w="9525" cap="flat" cmpd="sng" algn="ctr">
+        <a:solidFill>
+          <a:schemeClr val="tx1">
+            <a:lumMod val="75000"/>
+            <a:lumOff val="25000"/>
+          </a:schemeClr>
+        </a:solidFill>
+        <a:round/>
+      </a:ln>
+    </cs:spPr>
+  </cs:hiLoLine>
+  <cs:leaderLine>
+    <cs:lnRef idx="0"/>
+    <cs:fillRef idx="0"/>
+    <cs:effectRef idx="0"/>
+    <cs:fontRef idx="minor">
+      <a:schemeClr val="tx1"/>
+    </cs:fontRef>
+    <cs:spPr>
+      <a:ln w="9525" cap="flat" cmpd="sng" algn="ctr">
+        <a:solidFill>
+          <a:schemeClr val="tx1">
+            <a:lumMod val="35000"/>
+            <a:lumOff val="65000"/>
+          </a:schemeClr>
+        </a:solidFill>
+        <a:round/>
+      </a:ln>
+    </cs:spPr>
+  </cs:leaderLine>
+  <cs:legend>
+    <cs:lnRef idx="0"/>
+    <cs:fillRef idx="0"/>
+    <cs:effectRef idx="0"/>
+    <cs:fontRef idx="minor">
+      <a:schemeClr val="tx1">
+        <a:lumMod val="65000"/>
+        <a:lumOff val="35000"/>
+      </a:schemeClr>
+    </cs:fontRef>
+    <cs:defRPr sz="1197" kern="1200"/>
+  </cs:legend>
+  <cs:plotArea>
+    <cs:lnRef idx="0"/>
+    <cs:fillRef idx="0"/>
+    <cs:effectRef idx="0"/>
+    <cs:fontRef idx="minor">
+      <a:schemeClr val="lt1"/>
+    </cs:fontRef>
+  </cs:plotArea>
+  <cs:plotArea3D>
+    <cs:lnRef idx="0"/>
+    <cs:fillRef idx="0"/>
+    <cs:effectRef idx="0"/>
+    <cs:fontRef idx="minor">
+      <a:schemeClr val="lt1"/>
+    </cs:fontRef>
+  </cs:plotArea3D>
+  <cs:seriesAxis>
+    <cs:lnRef idx="0"/>
+    <cs:fillRef idx="0"/>
+    <cs:effectRef idx="0"/>
+    <cs:fontRef idx="minor">
+      <a:schemeClr val="tx1">
+        <a:lumMod val="65000"/>
+        <a:lumOff val="35000"/>
+      </a:schemeClr>
+    </cs:fontRef>
+    <cs:spPr>
+      <a:ln w="12700" cap="flat" cmpd="sng" algn="ctr">
+        <a:solidFill>
+          <a:schemeClr val="tx1">
+            <a:lumMod val="15000"/>
+            <a:lumOff val="85000"/>
+          </a:schemeClr>
+        </a:solidFill>
+        <a:round/>
+      </a:ln>
+    </cs:spPr>
+    <cs:defRPr sz="1197" kern="1200"/>
+  </cs:seriesAxis>
+  <cs:seriesLine>
+    <cs:lnRef idx="0"/>
+    <cs:fillRef idx="0"/>
+    <cs:effectRef idx="0"/>
+    <cs:fontRef idx="minor">
+      <a:schemeClr val="tx1"/>
+    </cs:fontRef>
+    <cs:spPr>
+      <a:ln w="9525" cap="flat" cmpd="sng" algn="ctr">
+        <a:solidFill>
+          <a:schemeClr val="tx1">
+            <a:lumMod val="35000"/>
+            <a:lumOff val="65000"/>
+          </a:schemeClr>
+        </a:solidFill>
+        <a:round/>
+      </a:ln>
+    </cs:spPr>
+  </cs:seriesLine>
+  <cs:title>
+    <cs:lnRef idx="0"/>
+    <cs:fillRef idx="0"/>
+    <cs:effectRef idx="0"/>
+    <cs:fontRef idx="minor">
+      <a:schemeClr val="tx1">
+        <a:lumMod val="65000"/>
+        <a:lumOff val="35000"/>
+      </a:schemeClr>
+    </cs:fontRef>
+    <cs:defRPr sz="2128" b="1" kern="1200" baseline="0"/>
+  </cs:title>
+  <cs:trendline>
+    <cs:lnRef idx="0">
+      <cs:styleClr val="auto"/>
+    </cs:lnRef>
+    <cs:fillRef idx="0"/>
+    <cs:effectRef idx="0"/>
+    <cs:fontRef idx="minor">
+      <a:schemeClr val="lt1"/>
+    </cs:fontRef>
+    <cs:spPr>
+      <a:ln w="19050" cap="rnd">
+        <a:solidFill>
+          <a:schemeClr val="phClr"/>
+        </a:solidFill>
+      </a:ln>
+    </cs:spPr>
+  </cs:trendline>
+  <cs:trendlineLabel>
+    <cs:lnRef idx="0"/>
+    <cs:fillRef idx="0"/>
+    <cs:effectRef idx="0"/>
+    <cs:fontRef idx="minor">
+      <a:schemeClr val="tx1">
+        <a:lumMod val="65000"/>
+        <a:lumOff val="35000"/>
+      </a:schemeClr>
+    </cs:fontRef>
+    <cs:defRPr sz="1197" kern="1200"/>
+  </cs:trendlineLabel>
+  <cs:upBar>
+    <cs:lnRef idx="0"/>
+    <cs:fillRef idx="0"/>
+    <cs:effectRef idx="0"/>
+    <cs:fontRef idx="minor">
+      <a:schemeClr val="dk1"/>
+    </cs:fontRef>
+    <cs:spPr>
+      <a:solidFill>
+        <a:schemeClr val="lt1"/>
+      </a:solidFill>
+      <a:ln w="9525">
+        <a:solidFill>
+          <a:schemeClr val="tx1">
+            <a:lumMod val="15000"/>
+            <a:lumOff val="85000"/>
+          </a:schemeClr>
+        </a:solidFill>
+      </a:ln>
+    </cs:spPr>
+  </cs:upBar>
+  <cs:valueAxis>
+    <cs:lnRef idx="0"/>
+    <cs:fillRef idx="0"/>
+    <cs:effectRef idx="0"/>
+    <cs:fontRef idx="minor">
+      <a:schemeClr val="tx1">
+        <a:lumMod val="65000"/>
+        <a:lumOff val="35000"/>
+      </a:schemeClr>
+    </cs:fontRef>
+    <cs:defRPr sz="1197" kern="1200"/>
+  </cs:valueAxis>
+  <cs:wall>
+    <cs:lnRef idx="0"/>
+    <cs:fillRef idx="0"/>
+    <cs:effectRef idx="0"/>
+    <cs:fontRef idx="minor">
+      <a:schemeClr val="lt1"/>
+    </cs:fontRef>
+  </cs:wall>
+</cs:chartStyle>
+</file>
+
+<file path=ppt/notesMasters/notesMaster1.xml><?xml version="1.0" encoding="utf-8"?>
+<p:notesMaster xmlns:a="http://schemas.openxmlformats.org/drawingml/2006/main" xmlns:r="http://schemas.openxmlformats.org/officeDocument/2006/relationships" xmlns:p="http://schemas.openxmlformats.org/presentationml/2006/main">
+  <p:cSld>
+    <p:bg>
+      <p:bgRef idx="1001">
+        <a:schemeClr val="bg1"/>
+      </p:bgRef>
+    </p:bg>
+    <p:spTree>
+      <p:nvGrpSpPr>
+        <p:cNvPr id="1" name=""/>
+        <p:cNvGrpSpPr/>
+        <p:nvPr/>
+      </p:nvGrpSpPr>
+      <p:grpSpPr>
+        <a:xfrm>
+          <a:off x="0" y="0"/>
+          <a:ext cx="0" cy="0"/>
+          <a:chOff x="0" y="0"/>
+          <a:chExt cx="0" cy="0"/>
+        </a:xfrm>
+      </p:grpSpPr>
+      <p:sp>
+        <p:nvSpPr>
+          <p:cNvPr id="2" name="Header Placeholder 1"/>
+          <p:cNvSpPr>
+            <a:spLocks noGrp="1"/>
+          </p:cNvSpPr>
+          <p:nvPr>
+            <p:ph type="hdr" sz="quarter"/>
+          </p:nvPr>
+        </p:nvSpPr>
+        <p:spPr>
+          <a:xfrm>
+            <a:off x="0" y="0"/>
+            <a:ext cx="2971800" cy="458788"/>
+          </a:xfrm>
+          <a:prstGeom prst="rect">
+            <a:avLst/>
+          </a:prstGeom>
+        </p:spPr>
+        <p:txBody>
+          <a:bodyPr vert="horz" lIns="91440" tIns="45720" rIns="91440" bIns="45720" rtlCol="0"/>
+          <a:lstStyle>
+            <a:lvl1pPr algn="l">
+              <a:defRPr sz="1200"/>
+            </a:lvl1pPr>
+          </a:lstStyle>
+          <a:p>
+            <a:endParaRPr lang="en-US"/>
+          </a:p>
+        </p:txBody>
+      </p:sp>
+      <p:sp>
+        <p:nvSpPr>
+          <p:cNvPr id="3" name="Date Placeholder 2"/>
+          <p:cNvSpPr>
+            <a:spLocks noGrp="1"/>
+          </p:cNvSpPr>
+          <p:nvPr>
+            <p:ph type="dt" idx="1"/>
+          </p:nvPr>
+        </p:nvSpPr>
+        <p:spPr>
+          <a:xfrm>
+            <a:off x="3884613" y="0"/>
+            <a:ext cx="2971800" cy="458788"/>
+          </a:xfrm>
+          <a:prstGeom prst="rect">
+            <a:avLst/>
+          </a:prstGeom>
+        </p:spPr>
+        <p:txBody>
+          <a:bodyPr vert="horz" lIns="91440" tIns="45720" rIns="91440" bIns="45720" rtlCol="0"/>
+          <a:lstStyle>
+            <a:lvl1pPr algn="r">
+              <a:defRPr sz="1200"/>
+            </a:lvl1pPr>
+          </a:lstStyle>
+          <a:p>
+            <a:fld id="{23383EEB-2133-42E3-8A4C-FC9DC21036AF}" type="datetimeFigureOut">
+              <a:rPr lang="en-US" smtClean="0"/>
+              <a:t>01-Mar-16</a:t>
+            </a:fld>
+            <a:endParaRPr lang="en-US"/>
+          </a:p>
+        </p:txBody>
+      </p:sp>
+      <p:sp>
+        <p:nvSpPr>
+          <p:cNvPr id="4" name="Slide Image Placeholder 3"/>
+          <p:cNvSpPr>
+            <a:spLocks noGrp="1" noRot="1" noChangeAspect="1"/>
+          </p:cNvSpPr>
+          <p:nvPr>
+            <p:ph type="sldImg" idx="2"/>
+          </p:nvPr>
+        </p:nvSpPr>
+        <p:spPr>
+          <a:xfrm>
+            <a:off x="685800" y="1143000"/>
+            <a:ext cx="5486400" cy="3086100"/>
+          </a:xfrm>
+          <a:prstGeom prst="rect">
+            <a:avLst/>
+          </a:prstGeom>
+          <a:noFill/>
+          <a:ln w="12700">
+            <a:solidFill>
+              <a:prstClr val="black"/>
+            </a:solidFill>
+          </a:ln>
+        </p:spPr>
+        <p:txBody>
+          <a:bodyPr vert="horz" lIns="91440" tIns="45720" rIns="91440" bIns="45720" rtlCol="0" anchor="ctr"/>
+          <a:lstStyle/>
+          <a:p>
+            <a:endParaRPr lang="en-US"/>
+          </a:p>
+        </p:txBody>
+      </p:sp>
+      <p:sp>
+        <p:nvSpPr>
+          <p:cNvPr id="5" name="Notes Placeholder 4"/>
+          <p:cNvSpPr>
+            <a:spLocks noGrp="1"/>
+          </p:cNvSpPr>
+          <p:nvPr>
+            <p:ph type="body" sz="quarter" idx="3"/>
+          </p:nvPr>
+        </p:nvSpPr>
+        <p:spPr>
+          <a:xfrm>
+            <a:off x="685800" y="4400550"/>
+            <a:ext cx="5486400" cy="3600450"/>
+          </a:xfrm>
+          <a:prstGeom prst="rect">
+            <a:avLst/>
+          </a:prstGeom>
+        </p:spPr>
+        <p:txBody>
+          <a:bodyPr vert="horz" lIns="91440" tIns="45720" rIns="91440" bIns="45720" rtlCol="0"/>
+          <a:lstStyle/>
+          <a:p>
+            <a:pPr lvl="0"/>
+            <a:r>
+              <a:rPr lang="en-US"/>
+              <a:t>Edit Master text styles</a:t>
+            </a:r>
+          </a:p>
+          <a:p>
+            <a:pPr lvl="1"/>
+            <a:r>
+              <a:rPr lang="en-US"/>
+              <a:t>Second level</a:t>
+            </a:r>
+          </a:p>
+          <a:p>
+            <a:pPr lvl="2"/>
+            <a:r>
+              <a:rPr lang="en-US"/>
+              <a:t>Third level</a:t>
+            </a:r>
+          </a:p>
+          <a:p>
+            <a:pPr lvl="3"/>
+            <a:r>
+              <a:rPr lang="en-US"/>
+              <a:t>Fourth level</a:t>
+            </a:r>
+          </a:p>
+          <a:p>
+            <a:pPr lvl="4"/>
+            <a:r>
+              <a:rPr lang="en-US"/>
+              <a:t>Fifth level</a:t>
+            </a:r>
+            <a:endParaRPr lang="en-US"/>
+          </a:p>
+        </p:txBody>
+      </p:sp>
+      <p:sp>
+        <p:nvSpPr>
+          <p:cNvPr id="6" name="Footer Placeholder 5"/>
+          <p:cNvSpPr>
+            <a:spLocks noGrp="1"/>
+          </p:cNvSpPr>
+          <p:nvPr>
+            <p:ph type="ftr" sz="quarter" idx="4"/>
+          </p:nvPr>
+        </p:nvSpPr>
+        <p:spPr>
+          <a:xfrm>
+            <a:off x="0" y="8685213"/>
+            <a:ext cx="2971800" cy="458787"/>
+          </a:xfrm>
+          <a:prstGeom prst="rect">
+            <a:avLst/>
+          </a:prstGeom>
+        </p:spPr>
+        <p:txBody>
+          <a:bodyPr vert="horz" lIns="91440" tIns="45720" rIns="91440" bIns="45720" rtlCol="0" anchor="b"/>
+          <a:lstStyle>
+            <a:lvl1pPr algn="l">
+              <a:defRPr sz="1200"/>
+            </a:lvl1pPr>
+          </a:lstStyle>
+          <a:p>
+            <a:endParaRPr lang="en-US"/>
+          </a:p>
+        </p:txBody>
+      </p:sp>
+      <p:sp>
+        <p:nvSpPr>
+          <p:cNvPr id="7" name="Slide Number Placeholder 6"/>
+          <p:cNvSpPr>
+            <a:spLocks noGrp="1"/>
+          </p:cNvSpPr>
+          <p:nvPr>
+            <p:ph type="sldNum" sz="quarter" idx="5"/>
+          </p:nvPr>
+        </p:nvSpPr>
+        <p:spPr>
+          <a:xfrm>
+            <a:off x="3884613" y="8685213"/>
+            <a:ext cx="2971800" cy="458787"/>
+          </a:xfrm>
+          <a:prstGeom prst="rect">
+            <a:avLst/>
+          </a:prstGeom>
+        </p:spPr>
+        <p:txBody>
+          <a:bodyPr vert="horz" lIns="91440" tIns="45720" rIns="91440" bIns="45720" rtlCol="0" anchor="b"/>
+          <a:lstStyle>
+            <a:lvl1pPr algn="r">
+              <a:defRPr sz="1200"/>
+            </a:lvl1pPr>
+          </a:lstStyle>
+          <a:p>
+            <a:fld id="{B93C73D4-A8D8-4844-A4FB-C54AB380D4EA}" type="slidenum">
+              <a:rPr lang="en-US" smtClean="0"/>
+              <a:t>‹#›</a:t>
+            </a:fld>
+            <a:endParaRPr lang="en-US"/>
+          </a:p>
+        </p:txBody>
+      </p:sp>
+    </p:spTree>
+    <p:extLst>
+      <p:ext uri="{BB962C8B-B14F-4D97-AF65-F5344CB8AC3E}">
+        <p14:creationId xmlns:p14="http://schemas.microsoft.com/office/powerpoint/2010/main" val="3326361422"/>
+      </p:ext>
+    </p:extLst>
+  </p:cSld>
+  <p:clrMap bg1="lt1" tx1="dk1" bg2="lt2" tx2="dk2" accent1="accent1" accent2="accent2" accent3="accent3" accent4="accent4" accent5="accent5" accent6="accent6" hlink="hlink" folHlink="folHlink"/>
+  <p:notesStyle>
+    <a:lvl1pPr marL="0" algn="l" defTabSz="914400" rtl="0" eaLnBrk="1" latinLnBrk="0" hangingPunct="1">
+      <a:defRPr sz="1200" kern="1200">
+        <a:solidFill>
+          <a:schemeClr val="tx1"/>
+        </a:solidFill>
+        <a:latin typeface="+mn-lt"/>
+        <a:ea typeface="+mn-ea"/>
+        <a:cs typeface="+mn-cs"/>
+      </a:defRPr>
+    </a:lvl1pPr>
+    <a:lvl2pPr marL="457200" algn="l" defTabSz="914400" rtl="0" eaLnBrk="1" latinLnBrk="0" hangingPunct="1">
+      <a:defRPr sz="1200" kern="1200">
+        <a:solidFill>
+          <a:schemeClr val="tx1"/>
+        </a:solidFill>
+        <a:latin typeface="+mn-lt"/>
+        <a:ea typeface="+mn-ea"/>
+        <a:cs typeface="+mn-cs"/>
+      </a:defRPr>
+    </a:lvl2pPr>
+    <a:lvl3pPr marL="914400" algn="l" defTabSz="914400" rtl="0" eaLnBrk="1" latinLnBrk="0" hangingPunct="1">
+      <a:defRPr sz="1200" kern="1200">
+        <a:solidFill>
+          <a:schemeClr val="tx1"/>
+        </a:solidFill>
+        <a:latin typeface="+mn-lt"/>
+        <a:ea typeface="+mn-ea"/>
+        <a:cs typeface="+mn-cs"/>
+      </a:defRPr>
+    </a:lvl3pPr>
+    <a:lvl4pPr marL="1371600" algn="l" defTabSz="914400" rtl="0" eaLnBrk="1" latinLnBrk="0" hangingPunct="1">
+      <a:defRPr sz="1200" kern="1200">
+        <a:solidFill>
+          <a:schemeClr val="tx1"/>
+        </a:solidFill>
+        <a:latin typeface="+mn-lt"/>
+        <a:ea typeface="+mn-ea"/>
+        <a:cs typeface="+mn-cs"/>
+      </a:defRPr>
+    </a:lvl4pPr>
+    <a:lvl5pPr marL="1828800" algn="l" defTabSz="914400" rtl="0" eaLnBrk="1" latinLnBrk="0" hangingPunct="1">
+      <a:defRPr sz="1200" kern="1200">
+        <a:solidFill>
+          <a:schemeClr val="tx1"/>
+        </a:solidFill>
+        <a:latin typeface="+mn-lt"/>
+        <a:ea typeface="+mn-ea"/>
+        <a:cs typeface="+mn-cs"/>
+      </a:defRPr>
+    </a:lvl5pPr>
+    <a:lvl6pPr marL="2286000" algn="l" defTabSz="914400" rtl="0" eaLnBrk="1" latinLnBrk="0" hangingPunct="1">
+      <a:defRPr sz="1200" kern="1200">
+        <a:solidFill>
+          <a:schemeClr val="tx1"/>
+        </a:solidFill>
+        <a:latin typeface="+mn-lt"/>
+        <a:ea typeface="+mn-ea"/>
+        <a:cs typeface="+mn-cs"/>
+      </a:defRPr>
+    </a:lvl6pPr>
+    <a:lvl7pPr marL="2743200" algn="l" defTabSz="914400" rtl="0" eaLnBrk="1" latinLnBrk="0" hangingPunct="1">
+      <a:defRPr sz="1200" kern="1200">
+        <a:solidFill>
+          <a:schemeClr val="tx1"/>
+        </a:solidFill>
+        <a:latin typeface="+mn-lt"/>
+        <a:ea typeface="+mn-ea"/>
+        <a:cs typeface="+mn-cs"/>
+      </a:defRPr>
+    </a:lvl7pPr>
+    <a:lvl8pPr marL="3200400" algn="l" defTabSz="914400" rtl="0" eaLnBrk="1" latinLnBrk="0" hangingPunct="1">
+      <a:defRPr sz="1200" kern="1200">
+        <a:solidFill>
+          <a:schemeClr val="tx1"/>
+        </a:solidFill>
+        <a:latin typeface="+mn-lt"/>
+        <a:ea typeface="+mn-ea"/>
+        <a:cs typeface="+mn-cs"/>
+      </a:defRPr>
+    </a:lvl8pPr>
+    <a:lvl9pPr marL="3657600" algn="l" defTabSz="914400" rtl="0" eaLnBrk="1" latinLnBrk="0" hangingPunct="1">
+      <a:defRPr sz="1200" kern="1200">
+        <a:solidFill>
+          <a:schemeClr val="tx1"/>
+        </a:solidFill>
+        <a:latin typeface="+mn-lt"/>
+        <a:ea typeface="+mn-ea"/>
+        <a:cs typeface="+mn-cs"/>
+      </a:defRPr>
+    </a:lvl9pPr>
+  </p:notesStyle>
+</p:notesMaster>
+</file>
+
+<file path=ppt/notesSlides/notesSlide1.xml><?xml version="1.0" encoding="utf-8"?>
+<p:notes xmlns:a="http://schemas.openxmlformats.org/drawingml/2006/main" xmlns:r="http://schemas.openxmlformats.org/officeDocument/2006/relationships" xmlns:p="http://schemas.openxmlformats.org/presentationml/2006/main">
+  <p:cSld>
+    <p:spTree>
+      <p:nvGrpSpPr>
+        <p:cNvPr id="1" name=""/>
+        <p:cNvGrpSpPr/>
+        <p:nvPr/>
+      </p:nvGrpSpPr>
+      <p:grpSpPr>
+        <a:xfrm>
+          <a:off x="0" y="0"/>
+          <a:ext cx="0" cy="0"/>
+          <a:chOff x="0" y="0"/>
+          <a:chExt cx="0" cy="0"/>
+        </a:xfrm>
+      </p:grpSpPr>
+      <p:sp>
+        <p:nvSpPr>
+          <p:cNvPr id="2" name="Slide Image Placeholder 1"/>
+          <p:cNvSpPr>
+            <a:spLocks noGrp="1" noRot="1" noChangeAspect="1"/>
+          </p:cNvSpPr>
+          <p:nvPr>
+            <p:ph type="sldImg"/>
+          </p:nvPr>
+        </p:nvSpPr>
+        <p:spPr/>
+      </p:sp>
+      <p:sp>
+        <p:nvSpPr>
+          <p:cNvPr id="3" name="Notes Placeholder 2"/>
+          <p:cNvSpPr>
+            <a:spLocks noGrp="1"/>
+          </p:cNvSpPr>
+          <p:nvPr>
+            <p:ph type="body" idx="1"/>
+          </p:nvPr>
+        </p:nvSpPr>
+        <p:spPr/>
+        <p:txBody>
+          <a:bodyPr/>
+          <a:lstStyle/>
+          <a:p>
+            <a:r>
+              <a:rPr lang="en-US" sz="2000" dirty="0"/>
+              <a:t>Total Sales  $331,886,195 </a:t>
+            </a:r>
+          </a:p>
+          <a:p>
+            <a:endParaRPr lang="en-US" dirty="0"/>
+          </a:p>
+        </p:txBody>
+      </p:sp>
+      <p:sp>
+        <p:nvSpPr>
+          <p:cNvPr id="4" name="Slide Number Placeholder 3"/>
+          <p:cNvSpPr>
+            <a:spLocks noGrp="1"/>
+          </p:cNvSpPr>
+          <p:nvPr>
+            <p:ph type="sldNum" sz="quarter" idx="10"/>
+          </p:nvPr>
+        </p:nvSpPr>
+        <p:spPr/>
+        <p:txBody>
+          <a:bodyPr/>
+          <a:lstStyle/>
+          <a:p>
+            <a:fld id="{B93C73D4-A8D8-4844-A4FB-C54AB380D4EA}" type="slidenum">
+              <a:rPr lang="en-US" smtClean="0"/>
+              <a:t>8</a:t>
+            </a:fld>
+            <a:endParaRPr lang="en-US"/>
+          </a:p>
+        </p:txBody>
+      </p:sp>
+    </p:spTree>
+    <p:extLst>
+      <p:ext uri="{BB962C8B-B14F-4D97-AF65-F5344CB8AC3E}">
+        <p14:creationId xmlns:p14="http://schemas.microsoft.com/office/powerpoint/2010/main" val="153417190"/>
+      </p:ext>
+    </p:extLst>
+  </p:cSld>
+  <p:clrMapOvr>
+    <a:masterClrMapping/>
+  </p:clrMapOvr>
+</p:notes>
+</file>
+
+<file path=ppt/notesSlides/notesSlide2.xml><?xml version="1.0" encoding="utf-8"?>
+<p:notes xmlns:a="http://schemas.openxmlformats.org/drawingml/2006/main" xmlns:r="http://schemas.openxmlformats.org/officeDocument/2006/relationships" xmlns:p="http://schemas.openxmlformats.org/presentationml/2006/main">
+  <p:cSld>
+    <p:spTree>
+      <p:nvGrpSpPr>
+        <p:cNvPr id="1" name=""/>
+        <p:cNvGrpSpPr/>
+        <p:nvPr/>
+      </p:nvGrpSpPr>
+      <p:grpSpPr>
+        <a:xfrm>
+          <a:off x="0" y="0"/>
+          <a:ext cx="0" cy="0"/>
+          <a:chOff x="0" y="0"/>
+          <a:chExt cx="0" cy="0"/>
+        </a:xfrm>
+      </p:grpSpPr>
+      <p:sp>
+        <p:nvSpPr>
+          <p:cNvPr id="2" name="Slide Image Placeholder 1"/>
+          <p:cNvSpPr>
+            <a:spLocks noGrp="1" noRot="1" noChangeAspect="1"/>
+          </p:cNvSpPr>
+          <p:nvPr>
+            <p:ph type="sldImg"/>
+          </p:nvPr>
+        </p:nvSpPr>
+        <p:spPr/>
+      </p:sp>
+      <p:sp>
+        <p:nvSpPr>
+          <p:cNvPr id="3" name="Notes Placeholder 2"/>
+          <p:cNvSpPr>
+            <a:spLocks noGrp="1"/>
+          </p:cNvSpPr>
+          <p:nvPr>
+            <p:ph type="body" idx="1"/>
+          </p:nvPr>
+        </p:nvSpPr>
+        <p:spPr/>
+        <p:txBody>
+          <a:bodyPr/>
+          <a:lstStyle/>
+          <a:p>
+            <a:r>
+              <a:rPr lang="en-US" dirty="0"/>
+              <a:t>Nearly 150% increase</a:t>
+            </a:r>
+          </a:p>
+        </p:txBody>
+      </p:sp>
+      <p:sp>
+        <p:nvSpPr>
+          <p:cNvPr id="4" name="Slide Number Placeholder 3"/>
+          <p:cNvSpPr>
+            <a:spLocks noGrp="1"/>
+          </p:cNvSpPr>
+          <p:nvPr>
+            <p:ph type="sldNum" sz="quarter" idx="10"/>
+          </p:nvPr>
+        </p:nvSpPr>
+        <p:spPr/>
+        <p:txBody>
+          <a:bodyPr/>
+          <a:lstStyle/>
+          <a:p>
+            <a:fld id="{B93C73D4-A8D8-4844-A4FB-C54AB380D4EA}" type="slidenum">
+              <a:rPr lang="en-US" smtClean="0"/>
+              <a:t>9</a:t>
+            </a:fld>
+            <a:endParaRPr lang="en-US"/>
+          </a:p>
+        </p:txBody>
+      </p:sp>
+    </p:spTree>
+    <p:extLst>
+      <p:ext uri="{BB962C8B-B14F-4D97-AF65-F5344CB8AC3E}">
+        <p14:creationId xmlns:p14="http://schemas.microsoft.com/office/powerpoint/2010/main" val="47367337"/>
+      </p:ext>
+    </p:extLst>
+  </p:cSld>
+  <p:clrMapOvr>
+    <a:masterClrMapping/>
+  </p:clrMapOvr>
+</p:notes>
+</file>
+
+<file path=ppt/notesSlides/notesSlide3.xml><?xml version="1.0" encoding="utf-8"?>
+<p:notes xmlns:a="http://schemas.openxmlformats.org/drawingml/2006/main" xmlns:r="http://schemas.openxmlformats.org/officeDocument/2006/relationships" xmlns:p="http://schemas.openxmlformats.org/presentationml/2006/main">
+  <p:cSld>
+    <p:spTree>
+      <p:nvGrpSpPr>
+        <p:cNvPr id="1" name=""/>
+        <p:cNvGrpSpPr/>
+        <p:nvPr/>
+      </p:nvGrpSpPr>
+      <p:grpSpPr>
+        <a:xfrm>
+          <a:off x="0" y="0"/>
+          <a:ext cx="0" cy="0"/>
+          <a:chOff x="0" y="0"/>
+          <a:chExt cx="0" cy="0"/>
+        </a:xfrm>
+      </p:grpSpPr>
+      <p:sp>
+        <p:nvSpPr>
+          <p:cNvPr id="2" name="Slide Image Placeholder 1"/>
+          <p:cNvSpPr>
+            <a:spLocks noGrp="1" noRot="1" noChangeAspect="1"/>
+          </p:cNvSpPr>
+          <p:nvPr>
+            <p:ph type="sldImg"/>
+          </p:nvPr>
+        </p:nvSpPr>
+        <p:spPr/>
+      </p:sp>
+      <p:sp>
+        <p:nvSpPr>
+          <p:cNvPr id="3" name="Notes Placeholder 2"/>
+          <p:cNvSpPr>
+            <a:spLocks noGrp="1"/>
+          </p:cNvSpPr>
+          <p:nvPr>
+            <p:ph type="body" idx="1"/>
+          </p:nvPr>
+        </p:nvSpPr>
+        <p:spPr/>
+        <p:txBody>
+          <a:bodyPr/>
+          <a:lstStyle/>
+          <a:p>
+            <a:r>
+              <a:rPr lang="en-US" dirty="0"/>
+              <a:t>KY</a:t>
+            </a:r>
+            <a:r>
+              <a:rPr lang="en-US" baseline="0" dirty="0"/>
+              <a:t> Bourbon and TN Whiskey = 1.02 </a:t>
+            </a:r>
+            <a:r>
+              <a:rPr lang="en-US" baseline="0" dirty="0" err="1"/>
+              <a:t>bn</a:t>
+            </a:r>
+            <a:endParaRPr lang="en-US" baseline="0" dirty="0"/>
+          </a:p>
+          <a:p>
+            <a:r>
+              <a:rPr lang="en-US" baseline="0" dirty="0"/>
+              <a:t>56% of American spirits</a:t>
+            </a:r>
+            <a:endParaRPr lang="en-US" dirty="0"/>
+          </a:p>
+        </p:txBody>
+      </p:sp>
+      <p:sp>
+        <p:nvSpPr>
+          <p:cNvPr id="4" name="Slide Number Placeholder 3"/>
+          <p:cNvSpPr>
+            <a:spLocks noGrp="1"/>
+          </p:cNvSpPr>
+          <p:nvPr>
+            <p:ph type="sldNum" sz="quarter" idx="10"/>
+          </p:nvPr>
+        </p:nvSpPr>
+        <p:spPr/>
+        <p:txBody>
+          <a:bodyPr/>
+          <a:lstStyle/>
+          <a:p>
+            <a:fld id="{B93C73D4-A8D8-4844-A4FB-C54AB380D4EA}" type="slidenum">
+              <a:rPr lang="en-US" smtClean="0"/>
+              <a:t>10</a:t>
+            </a:fld>
+            <a:endParaRPr lang="en-US"/>
+          </a:p>
+        </p:txBody>
+      </p:sp>
+    </p:spTree>
+    <p:extLst>
+      <p:ext uri="{BB962C8B-B14F-4D97-AF65-F5344CB8AC3E}">
+        <p14:creationId xmlns:p14="http://schemas.microsoft.com/office/powerpoint/2010/main" val="4120887524"/>
+      </p:ext>
+    </p:extLst>
+  </p:cSld>
+  <p:clrMapOvr>
+    <a:masterClrMapping/>
+  </p:clrMapOvr>
+</p:notes>
 </file>
 
 <file path=ppt/slideLayouts/slideLayout1.xml><?xml version="1.0" encoding="utf-8"?>
@@ -170,7 +7055,7 @@
           </a:lstStyle>
           <a:p>
             <a:r>
-              <a:rPr lang="en-US" smtClean="0"/>
+              <a:rPr lang="en-US"/>
               <a:t>Click to edit Master title style</a:t>
             </a:r>
             <a:endParaRPr lang="en-US" dirty="0"/>
@@ -243,7 +7128,7 @@
           </a:lstStyle>
           <a:p>
             <a:r>
-              <a:rPr lang="en-US" smtClean="0"/>
+              <a:rPr lang="en-US"/>
               <a:t>Click to edit Master subtitle style</a:t>
             </a:r>
             <a:endParaRPr lang="en-US" dirty="0"/>
@@ -277,7 +7162,7 @@
           <a:p>
             <a:fld id="{97C21320-6290-474E-B798-847780D76459}" type="datetimeFigureOut">
               <a:rPr lang="en-US" smtClean="0"/>
-              <a:t>23-Feb-16</a:t>
+              <a:t>29-Feb-16</a:t>
             </a:fld>
             <a:endParaRPr lang="en-US"/>
           </a:p>
@@ -429,7 +7314,7 @@
           <a:lstStyle/>
           <a:p>
             <a:r>
-              <a:rPr lang="en-US" smtClean="0"/>
+              <a:rPr lang="en-US"/>
               <a:t>Click to edit Master title style</a:t>
             </a:r>
             <a:endParaRPr lang="en-US" dirty="0"/>
@@ -453,35 +7338,35 @@
           <a:p>
             <a:pPr lvl="0"/>
             <a:r>
-              <a:rPr lang="en-US" smtClean="0"/>
+              <a:rPr lang="en-US"/>
               <a:t>Edit Master text styles</a:t>
             </a:r>
           </a:p>
           <a:p>
             <a:pPr lvl="1"/>
             <a:r>
-              <a:rPr lang="en-US" smtClean="0"/>
+              <a:rPr lang="en-US"/>
               <a:t>Second level</a:t>
             </a:r>
           </a:p>
           <a:p>
             <a:pPr lvl="2"/>
             <a:r>
-              <a:rPr lang="en-US" smtClean="0"/>
+              <a:rPr lang="en-US"/>
               <a:t>Third level</a:t>
             </a:r>
           </a:p>
           <a:p>
             <a:pPr lvl="3"/>
             <a:r>
-              <a:rPr lang="en-US" smtClean="0"/>
+              <a:rPr lang="en-US"/>
               <a:t>Fourth level</a:t>
             </a:r>
           </a:p>
           <a:p>
             <a:pPr lvl="4"/>
             <a:r>
-              <a:rPr lang="en-US" smtClean="0"/>
+              <a:rPr lang="en-US"/>
               <a:t>Fifth level</a:t>
             </a:r>
             <a:endParaRPr lang="en-US" dirty="0"/>
@@ -505,7 +7390,7 @@
           <a:p>
             <a:fld id="{97C21320-6290-474E-B798-847780D76459}" type="datetimeFigureOut">
               <a:rPr lang="en-US" smtClean="0"/>
-              <a:t>23-Feb-16</a:t>
+              <a:t>29-Feb-16</a:t>
             </a:fld>
             <a:endParaRPr lang="en-US"/>
           </a:p>
@@ -604,7 +7489,7 @@
           <a:lstStyle/>
           <a:p>
             <a:r>
-              <a:rPr lang="en-US" smtClean="0"/>
+              <a:rPr lang="en-US"/>
               <a:t>Click to edit Master title style</a:t>
             </a:r>
             <a:endParaRPr lang="en-US" dirty="0"/>
@@ -633,35 +7518,35 @@
           <a:p>
             <a:pPr lvl="0"/>
             <a:r>
-              <a:rPr lang="en-US" smtClean="0"/>
+              <a:rPr lang="en-US"/>
               <a:t>Edit Master text styles</a:t>
             </a:r>
           </a:p>
           <a:p>
             <a:pPr lvl="1"/>
             <a:r>
-              <a:rPr lang="en-US" smtClean="0"/>
+              <a:rPr lang="en-US"/>
               <a:t>Second level</a:t>
             </a:r>
           </a:p>
           <a:p>
             <a:pPr lvl="2"/>
             <a:r>
-              <a:rPr lang="en-US" smtClean="0"/>
+              <a:rPr lang="en-US"/>
               <a:t>Third level</a:t>
             </a:r>
           </a:p>
           <a:p>
             <a:pPr lvl="3"/>
             <a:r>
-              <a:rPr lang="en-US" smtClean="0"/>
+              <a:rPr lang="en-US"/>
               <a:t>Fourth level</a:t>
             </a:r>
           </a:p>
           <a:p>
             <a:pPr lvl="4"/>
             <a:r>
-              <a:rPr lang="en-US" smtClean="0"/>
+              <a:rPr lang="en-US"/>
               <a:t>Fifth level</a:t>
             </a:r>
             <a:endParaRPr lang="en-US" dirty="0"/>
@@ -685,7 +7570,7 @@
           <a:p>
             <a:fld id="{97C21320-6290-474E-B798-847780D76459}" type="datetimeFigureOut">
               <a:rPr lang="en-US" smtClean="0"/>
-              <a:t>23-Feb-16</a:t>
+              <a:t>29-Feb-16</a:t>
             </a:fld>
             <a:endParaRPr lang="en-US"/>
           </a:p>
@@ -779,7 +7664,7 @@
           <a:lstStyle/>
           <a:p>
             <a:r>
-              <a:rPr lang="en-US" smtClean="0"/>
+              <a:rPr lang="en-US"/>
               <a:t>Click to edit Master title style</a:t>
             </a:r>
             <a:endParaRPr lang="en-US" dirty="0"/>
@@ -803,35 +7688,35 @@
           <a:p>
             <a:pPr lvl="0"/>
             <a:r>
-              <a:rPr lang="en-US" smtClean="0"/>
+              <a:rPr lang="en-US"/>
               <a:t>Edit Master text styles</a:t>
             </a:r>
           </a:p>
           <a:p>
             <a:pPr lvl="1"/>
             <a:r>
-              <a:rPr lang="en-US" smtClean="0"/>
+              <a:rPr lang="en-US"/>
               <a:t>Second level</a:t>
             </a:r>
           </a:p>
           <a:p>
             <a:pPr lvl="2"/>
             <a:r>
-              <a:rPr lang="en-US" smtClean="0"/>
+              <a:rPr lang="en-US"/>
               <a:t>Third level</a:t>
             </a:r>
           </a:p>
           <a:p>
             <a:pPr lvl="3"/>
             <a:r>
-              <a:rPr lang="en-US" smtClean="0"/>
+              <a:rPr lang="en-US"/>
               <a:t>Fourth level</a:t>
             </a:r>
           </a:p>
           <a:p>
             <a:pPr lvl="4"/>
             <a:r>
-              <a:rPr lang="en-US" smtClean="0"/>
+              <a:rPr lang="en-US"/>
               <a:t>Fifth level</a:t>
             </a:r>
             <a:endParaRPr lang="en-US" dirty="0"/>
@@ -855,7 +7740,7 @@
           <a:p>
             <a:fld id="{97C21320-6290-474E-B798-847780D76459}" type="datetimeFigureOut">
               <a:rPr lang="en-US" smtClean="0"/>
-              <a:t>23-Feb-16</a:t>
+              <a:t>29-Feb-16</a:t>
             </a:fld>
             <a:endParaRPr lang="en-US"/>
           </a:p>
@@ -963,7 +7848,7 @@
           </a:lstStyle>
           <a:p>
             <a:r>
-              <a:rPr lang="en-US" smtClean="0"/>
+              <a:rPr lang="en-US"/>
               <a:t>Click to edit Master title style</a:t>
             </a:r>
             <a:endParaRPr lang="en-US" dirty="0"/>
@@ -1086,7 +7971,7 @@
           <a:p>
             <a:pPr lvl="0"/>
             <a:r>
-              <a:rPr lang="en-US" smtClean="0"/>
+              <a:rPr lang="en-US"/>
               <a:t>Edit Master text styles</a:t>
             </a:r>
           </a:p>
@@ -1109,7 +7994,7 @@
           <a:p>
             <a:fld id="{97C21320-6290-474E-B798-847780D76459}" type="datetimeFigureOut">
               <a:rPr lang="en-US" smtClean="0"/>
-              <a:t>23-Feb-16</a:t>
+              <a:t>29-Feb-16</a:t>
             </a:fld>
             <a:endParaRPr lang="en-US"/>
           </a:p>
@@ -1241,7 +8126,7 @@
           <a:lstStyle/>
           <a:p>
             <a:r>
-              <a:rPr lang="en-US" smtClean="0"/>
+              <a:rPr lang="en-US"/>
               <a:t>Click to edit Master title style</a:t>
             </a:r>
             <a:endParaRPr lang="en-US" dirty="0"/>
@@ -1298,35 +8183,35 @@
           <a:p>
             <a:pPr lvl="0"/>
             <a:r>
-              <a:rPr lang="en-US" smtClean="0"/>
+              <a:rPr lang="en-US"/>
               <a:t>Edit Master text styles</a:t>
             </a:r>
           </a:p>
           <a:p>
             <a:pPr lvl="1"/>
             <a:r>
-              <a:rPr lang="en-US" smtClean="0"/>
+              <a:rPr lang="en-US"/>
               <a:t>Second level</a:t>
             </a:r>
           </a:p>
           <a:p>
             <a:pPr lvl="2"/>
             <a:r>
-              <a:rPr lang="en-US" smtClean="0"/>
+              <a:rPr lang="en-US"/>
               <a:t>Third level</a:t>
             </a:r>
           </a:p>
           <a:p>
             <a:pPr lvl="3"/>
             <a:r>
-              <a:rPr lang="en-US" smtClean="0"/>
+              <a:rPr lang="en-US"/>
               <a:t>Fourth level</a:t>
             </a:r>
           </a:p>
           <a:p>
             <a:pPr lvl="4"/>
             <a:r>
-              <a:rPr lang="en-US" smtClean="0"/>
+              <a:rPr lang="en-US"/>
               <a:t>Fifth level</a:t>
             </a:r>
             <a:endParaRPr lang="en-US" dirty="0"/>
@@ -1383,35 +8268,35 @@
           <a:p>
             <a:pPr lvl="0"/>
             <a:r>
-              <a:rPr lang="en-US" smtClean="0"/>
+              <a:rPr lang="en-US"/>
               <a:t>Edit Master text styles</a:t>
             </a:r>
           </a:p>
           <a:p>
             <a:pPr lvl="1"/>
             <a:r>
-              <a:rPr lang="en-US" smtClean="0"/>
+              <a:rPr lang="en-US"/>
               <a:t>Second level</a:t>
             </a:r>
           </a:p>
           <a:p>
             <a:pPr lvl="2"/>
             <a:r>
-              <a:rPr lang="en-US" smtClean="0"/>
+              <a:rPr lang="en-US"/>
               <a:t>Third level</a:t>
             </a:r>
           </a:p>
           <a:p>
             <a:pPr lvl="3"/>
             <a:r>
-              <a:rPr lang="en-US" smtClean="0"/>
+              <a:rPr lang="en-US"/>
               <a:t>Fourth level</a:t>
             </a:r>
           </a:p>
           <a:p>
             <a:pPr lvl="4"/>
             <a:r>
-              <a:rPr lang="en-US" smtClean="0"/>
+              <a:rPr lang="en-US"/>
               <a:t>Fifth level</a:t>
             </a:r>
             <a:endParaRPr lang="en-US" dirty="0"/>
@@ -1435,7 +8320,7 @@
           <a:p>
             <a:fld id="{97C21320-6290-474E-B798-847780D76459}" type="datetimeFigureOut">
               <a:rPr lang="en-US" smtClean="0"/>
-              <a:t>23-Feb-16</a:t>
+              <a:t>29-Feb-16</a:t>
             </a:fld>
             <a:endParaRPr lang="en-US"/>
           </a:p>
@@ -1529,7 +8414,7 @@
           <a:lstStyle/>
           <a:p>
             <a:r>
-              <a:rPr lang="en-US" smtClean="0"/>
+              <a:rPr lang="en-US"/>
               <a:t>Click to edit Master title style</a:t>
             </a:r>
             <a:endParaRPr lang="en-US" dirty="0"/>
@@ -1604,7 +8489,7 @@
           <a:p>
             <a:pPr lvl="0"/>
             <a:r>
-              <a:rPr lang="en-US" smtClean="0"/>
+              <a:rPr lang="en-US"/>
               <a:t>Edit Master text styles</a:t>
             </a:r>
           </a:p>
@@ -1660,35 +8545,35 @@
           <a:p>
             <a:pPr lvl="0"/>
             <a:r>
-              <a:rPr lang="en-US" smtClean="0"/>
+              <a:rPr lang="en-US"/>
               <a:t>Edit Master text styles</a:t>
             </a:r>
           </a:p>
           <a:p>
             <a:pPr lvl="1"/>
             <a:r>
-              <a:rPr lang="en-US" smtClean="0"/>
+              <a:rPr lang="en-US"/>
               <a:t>Second level</a:t>
             </a:r>
           </a:p>
           <a:p>
             <a:pPr lvl="2"/>
             <a:r>
-              <a:rPr lang="en-US" smtClean="0"/>
+              <a:rPr lang="en-US"/>
               <a:t>Third level</a:t>
             </a:r>
           </a:p>
           <a:p>
             <a:pPr lvl="3"/>
             <a:r>
-              <a:rPr lang="en-US" smtClean="0"/>
+              <a:rPr lang="en-US"/>
               <a:t>Fourth level</a:t>
             </a:r>
           </a:p>
           <a:p>
             <a:pPr lvl="4"/>
             <a:r>
-              <a:rPr lang="en-US" smtClean="0"/>
+              <a:rPr lang="en-US"/>
               <a:t>Fifth level</a:t>
             </a:r>
             <a:endParaRPr lang="en-US" dirty="0"/>
@@ -1778,7 +8663,7 @@
               <a:buNone/>
             </a:pPr>
             <a:r>
-              <a:rPr lang="en-US" smtClean="0"/>
+              <a:rPr lang="en-US"/>
               <a:t>Edit Master text styles</a:t>
             </a:r>
           </a:p>
@@ -1834,35 +8719,35 @@
           <a:p>
             <a:pPr lvl="0"/>
             <a:r>
-              <a:rPr lang="en-US" smtClean="0"/>
+              <a:rPr lang="en-US"/>
               <a:t>Edit Master text styles</a:t>
             </a:r>
           </a:p>
           <a:p>
             <a:pPr lvl="1"/>
             <a:r>
-              <a:rPr lang="en-US" smtClean="0"/>
+              <a:rPr lang="en-US"/>
               <a:t>Second level</a:t>
             </a:r>
           </a:p>
           <a:p>
             <a:pPr lvl="2"/>
             <a:r>
-              <a:rPr lang="en-US" smtClean="0"/>
+              <a:rPr lang="en-US"/>
               <a:t>Third level</a:t>
             </a:r>
           </a:p>
           <a:p>
             <a:pPr lvl="3"/>
             <a:r>
-              <a:rPr lang="en-US" smtClean="0"/>
+              <a:rPr lang="en-US"/>
               <a:t>Fourth level</a:t>
             </a:r>
           </a:p>
           <a:p>
             <a:pPr lvl="4"/>
             <a:r>
-              <a:rPr lang="en-US" smtClean="0"/>
+              <a:rPr lang="en-US"/>
               <a:t>Fifth level</a:t>
             </a:r>
             <a:endParaRPr lang="en-US" dirty="0"/>
@@ -1886,7 +8771,7 @@
           <a:p>
             <a:fld id="{97C21320-6290-474E-B798-847780D76459}" type="datetimeFigureOut">
               <a:rPr lang="en-US" smtClean="0"/>
-              <a:t>23-Feb-16</a:t>
+              <a:t>29-Feb-16</a:t>
             </a:fld>
             <a:endParaRPr lang="en-US"/>
           </a:p>
@@ -1980,7 +8865,7 @@
           <a:lstStyle/>
           <a:p>
             <a:r>
-              <a:rPr lang="en-US" smtClean="0"/>
+              <a:rPr lang="en-US"/>
               <a:t>Click to edit Master title style</a:t>
             </a:r>
             <a:endParaRPr lang="en-US" dirty="0"/>
@@ -2004,7 +8889,7 @@
           <a:p>
             <a:fld id="{97C21320-6290-474E-B798-847780D76459}" type="datetimeFigureOut">
               <a:rPr lang="en-US" smtClean="0"/>
-              <a:t>23-Feb-16</a:t>
+              <a:t>29-Feb-16</a:t>
             </a:fld>
             <a:endParaRPr lang="en-US"/>
           </a:p>
@@ -2099,7 +8984,7 @@
           <a:p>
             <a:fld id="{97C21320-6290-474E-B798-847780D76459}" type="datetimeFigureOut">
               <a:rPr lang="en-US" smtClean="0"/>
-              <a:t>23-Feb-16</a:t>
+              <a:t>29-Feb-16</a:t>
             </a:fld>
             <a:endParaRPr lang="en-US"/>
           </a:p>
@@ -2204,7 +9089,7 @@
           </a:lstStyle>
           <a:p>
             <a:r>
-              <a:rPr lang="en-US" smtClean="0"/>
+              <a:rPr lang="en-US"/>
               <a:t>Click to edit Master title style</a:t>
             </a:r>
             <a:endParaRPr lang="en-US" dirty="0"/>
@@ -2261,35 +9146,35 @@
           <a:p>
             <a:pPr lvl="0"/>
             <a:r>
-              <a:rPr lang="en-US" smtClean="0"/>
+              <a:rPr lang="en-US"/>
               <a:t>Edit Master text styles</a:t>
             </a:r>
           </a:p>
           <a:p>
             <a:pPr lvl="1"/>
             <a:r>
-              <a:rPr lang="en-US" smtClean="0"/>
+              <a:rPr lang="en-US"/>
               <a:t>Second level</a:t>
             </a:r>
           </a:p>
           <a:p>
             <a:pPr lvl="2"/>
             <a:r>
-              <a:rPr lang="en-US" smtClean="0"/>
+              <a:rPr lang="en-US"/>
               <a:t>Third level</a:t>
             </a:r>
           </a:p>
           <a:p>
             <a:pPr lvl="3"/>
             <a:r>
-              <a:rPr lang="en-US" smtClean="0"/>
+              <a:rPr lang="en-US"/>
               <a:t>Fourth level</a:t>
             </a:r>
           </a:p>
           <a:p>
             <a:pPr lvl="4"/>
             <a:r>
-              <a:rPr lang="en-US" smtClean="0"/>
+              <a:rPr lang="en-US"/>
               <a:t>Fifth level</a:t>
             </a:r>
             <a:endParaRPr lang="en-US" dirty="0"/>
@@ -2363,7 +9248,7 @@
           <a:p>
             <a:pPr lvl="0"/>
             <a:r>
-              <a:rPr lang="en-US" smtClean="0"/>
+              <a:rPr lang="en-US"/>
               <a:t>Edit Master text styles</a:t>
             </a:r>
           </a:p>
@@ -2386,7 +9271,7 @@
           <a:p>
             <a:fld id="{97C21320-6290-474E-B798-847780D76459}" type="datetimeFigureOut">
               <a:rPr lang="en-US" smtClean="0"/>
-              <a:t>23-Feb-16</a:t>
+              <a:t>29-Feb-16</a:t>
             </a:fld>
             <a:endParaRPr lang="en-US"/>
           </a:p>
@@ -2533,7 +9418,7 @@
           </a:lstStyle>
           <a:p>
             <a:r>
-              <a:rPr lang="en-US" smtClean="0"/>
+              <a:rPr lang="en-US"/>
               <a:t>Click to edit Master title style</a:t>
             </a:r>
             <a:endParaRPr lang="en-US" dirty="0"/>
@@ -2605,7 +9490,7 @@
           </a:lstStyle>
           <a:p>
             <a:r>
-              <a:rPr lang="en-US" smtClean="0"/>
+              <a:rPr lang="en-US"/>
               <a:t>Click icon to add picture</a:t>
             </a:r>
             <a:endParaRPr lang="en-US" dirty="0"/>
@@ -2685,7 +9570,7 @@
           <a:p>
             <a:pPr lvl="0"/>
             <a:r>
-              <a:rPr lang="en-US" smtClean="0"/>
+              <a:rPr lang="en-US"/>
               <a:t>Edit Master text styles</a:t>
             </a:r>
           </a:p>
@@ -2708,7 +9593,7 @@
           <a:p>
             <a:fld id="{97C21320-6290-474E-B798-847780D76459}" type="datetimeFigureOut">
               <a:rPr lang="en-US" smtClean="0"/>
-              <a:t>23-Feb-16</a:t>
+              <a:t>29-Feb-16</a:t>
             </a:fld>
             <a:endParaRPr lang="en-US"/>
           </a:p>
@@ -2857,7 +9742,7 @@
           <a:lstStyle/>
           <a:p>
             <a:r>
-              <a:rPr lang="en-US" smtClean="0"/>
+              <a:rPr lang="en-US"/>
               <a:t>Click to edit Master title style</a:t>
             </a:r>
             <a:endParaRPr lang="en-US" dirty="0"/>
@@ -2891,35 +9776,35 @@
           <a:p>
             <a:pPr lvl="0"/>
             <a:r>
-              <a:rPr lang="en-US" smtClean="0"/>
+              <a:rPr lang="en-US"/>
               <a:t>Edit Master text styles</a:t>
             </a:r>
           </a:p>
           <a:p>
             <a:pPr lvl="1"/>
             <a:r>
-              <a:rPr lang="en-US" smtClean="0"/>
+              <a:rPr lang="en-US"/>
               <a:t>Second level</a:t>
             </a:r>
           </a:p>
           <a:p>
             <a:pPr lvl="2"/>
             <a:r>
-              <a:rPr lang="en-US" smtClean="0"/>
+              <a:rPr lang="en-US"/>
               <a:t>Third level</a:t>
             </a:r>
           </a:p>
           <a:p>
             <a:pPr lvl="3"/>
             <a:r>
-              <a:rPr lang="en-US" smtClean="0"/>
+              <a:rPr lang="en-US"/>
               <a:t>Fourth level</a:t>
             </a:r>
           </a:p>
           <a:p>
             <a:pPr lvl="4"/>
             <a:r>
-              <a:rPr lang="en-US" smtClean="0"/>
+              <a:rPr lang="en-US"/>
               <a:t>Fifth level</a:t>
             </a:r>
             <a:endParaRPr lang="en-US" dirty="0"/>
@@ -2962,7 +9847,7 @@
           <a:p>
             <a:fld id="{97C21320-6290-474E-B798-847780D76459}" type="datetimeFigureOut">
               <a:rPr lang="en-US" smtClean="0"/>
-              <a:t>23-Feb-16</a:t>
+              <a:t>29-Feb-16</a:t>
             </a:fld>
             <a:endParaRPr lang="en-US"/>
           </a:p>
@@ -3466,21 +10351,126 @@
           <a:lstStyle/>
           <a:p>
             <a:r>
-              <a:rPr lang="en-US" dirty="0" smtClean="0"/>
+              <a:rPr lang="en-US" dirty="0"/>
               <a:t>International Demand for Bourbon and it’s Affect on the Kentucky Economy</a:t>
             </a:r>
-            <a:endParaRPr lang="en-US" dirty="0"/>
+          </a:p>
+        </p:txBody>
+      </p:sp>
+    </p:spTree>
+    <p:extLst>
+      <p:ext uri="{BB962C8B-B14F-4D97-AF65-F5344CB8AC3E}">
+        <p14:creationId xmlns:p14="http://schemas.microsoft.com/office/powerpoint/2010/main" val="154275815"/>
+      </p:ext>
+    </p:extLst>
+  </p:cSld>
+  <p:clrMapOvr>
+    <a:masterClrMapping/>
+  </p:clrMapOvr>
+</p:sld>
+</file>
+
+<file path=ppt/slides/slide10.xml><?xml version="1.0" encoding="utf-8"?>
+<p:sld xmlns:a="http://schemas.openxmlformats.org/drawingml/2006/main" xmlns:r="http://schemas.openxmlformats.org/officeDocument/2006/relationships" xmlns:p="http://schemas.openxmlformats.org/presentationml/2006/main">
+  <p:cSld>
+    <p:spTree>
+      <p:nvGrpSpPr>
+        <p:cNvPr id="1" name=""/>
+        <p:cNvGrpSpPr/>
+        <p:nvPr/>
+      </p:nvGrpSpPr>
+      <p:grpSpPr>
+        <a:xfrm>
+          <a:off x="0" y="0"/>
+          <a:ext cx="0" cy="0"/>
+          <a:chOff x="0" y="0"/>
+          <a:chExt cx="0" cy="0"/>
+        </a:xfrm>
+      </p:grpSpPr>
+      <p:graphicFrame>
+        <p:nvGraphicFramePr>
+          <p:cNvPr id="4" name="Chart 3"/>
+          <p:cNvGraphicFramePr>
+            <a:graphicFrameLocks/>
+          </p:cNvGraphicFramePr>
+          <p:nvPr>
+            <p:extLst>
+              <p:ext uri="{D42A27DB-BD31-4B8C-83A1-F6EECF244321}">
+                <p14:modId xmlns:p14="http://schemas.microsoft.com/office/powerpoint/2010/main" val="2402271447"/>
+              </p:ext>
+            </p:extLst>
+          </p:nvPr>
+        </p:nvGraphicFramePr>
+        <p:xfrm>
+          <a:off x="1261872" y="3026663"/>
+          <a:ext cx="8595360" cy="3153473"/>
+        </p:xfrm>
+        <a:graphic>
+          <a:graphicData uri="http://schemas.openxmlformats.org/drawingml/2006/chart">
+            <c:chart xmlns:c="http://schemas.openxmlformats.org/drawingml/2006/chart" xmlns:r="http://schemas.openxmlformats.org/officeDocument/2006/relationships" r:id="rId3"/>
+          </a:graphicData>
+        </a:graphic>
+      </p:graphicFrame>
+      <p:graphicFrame>
+        <p:nvGraphicFramePr>
+          <p:cNvPr id="5" name="Content Placeholder 3"/>
+          <p:cNvGraphicFramePr>
+            <a:graphicFrameLocks/>
+          </p:cNvGraphicFramePr>
+          <p:nvPr>
+            <p:extLst>
+              <p:ext uri="{D42A27DB-BD31-4B8C-83A1-F6EECF244321}">
+                <p14:modId xmlns:p14="http://schemas.microsoft.com/office/powerpoint/2010/main" val="522617408"/>
+              </p:ext>
+            </p:extLst>
+          </p:nvPr>
+        </p:nvGraphicFramePr>
+        <p:xfrm>
+          <a:off x="1262063" y="1828800"/>
+          <a:ext cx="8594725" cy="4351338"/>
+        </p:xfrm>
+        <a:graphic>
+          <a:graphicData uri="http://schemas.openxmlformats.org/drawingml/2006/chart">
+            <c:chart xmlns:c="http://schemas.openxmlformats.org/drawingml/2006/chart" xmlns:r="http://schemas.openxmlformats.org/officeDocument/2006/relationships" r:id="rId4"/>
+          </a:graphicData>
+        </a:graphic>
+      </p:graphicFrame>
+      <p:sp>
+        <p:nvSpPr>
+          <p:cNvPr id="2" name="Title 1"/>
+          <p:cNvSpPr>
+            <a:spLocks noGrp="1"/>
+          </p:cNvSpPr>
+          <p:nvPr>
+            <p:ph type="title"/>
+          </p:nvPr>
+        </p:nvSpPr>
+        <p:spPr>
+          <a:xfrm>
+            <a:off x="1261872" y="365760"/>
+            <a:ext cx="8595360" cy="1325562"/>
+          </a:xfrm>
+        </p:spPr>
+        <p:txBody>
+          <a:bodyPr/>
+          <a:lstStyle/>
+          <a:p>
+            <a:pPr algn="ctr"/>
+            <a:r>
+              <a:rPr lang="en-US" dirty="0"/>
+              <a:t>Growth</a:t>
+            </a:r>
           </a:p>
         </p:txBody>
       </p:sp>
       <p:sp>
         <p:nvSpPr>
-          <p:cNvPr id="3" name="Subtitle 2"/>
+          <p:cNvPr id="3" name="Content Placeholder 2"/>
           <p:cNvSpPr>
             <a:spLocks noGrp="1"/>
           </p:cNvSpPr>
           <p:nvPr>
-            <p:ph type="subTitle" idx="1"/>
+            <p:ph idx="1"/>
           </p:nvPr>
         </p:nvSpPr>
         <p:spPr/>
@@ -3488,6 +10478,18 @@
           <a:bodyPr/>
           <a:lstStyle/>
           <a:p>
+            <a:r>
+              <a:rPr lang="en-US" dirty="0"/>
+              <a:t>In 2013 exports of Kentucky Bourbon and Tennessee Whiskey surpassed 1 billion.</a:t>
+            </a:r>
+          </a:p>
+          <a:p>
+            <a:r>
+              <a:rPr lang="en-US" dirty="0"/>
+              <a:t>2014: American spirits exports = 1.56 billion</a:t>
+            </a:r>
+          </a:p>
+          <a:p>
             <a:endParaRPr lang="en-US" dirty="0"/>
           </a:p>
         </p:txBody>
@@ -3495,7 +10497,410 @@
     </p:spTree>
     <p:extLst>
       <p:ext uri="{BB962C8B-B14F-4D97-AF65-F5344CB8AC3E}">
-        <p14:creationId xmlns:p14="http://schemas.microsoft.com/office/powerpoint/2010/main" val="154275815"/>
+        <p14:creationId xmlns:p14="http://schemas.microsoft.com/office/powerpoint/2010/main" val="3990384730"/>
+      </p:ext>
+    </p:extLst>
+  </p:cSld>
+  <p:clrMapOvr>
+    <a:masterClrMapping/>
+  </p:clrMapOvr>
+</p:sld>
+</file>
+
+<file path=ppt/slides/slide11.xml><?xml version="1.0" encoding="utf-8"?>
+<p:sld xmlns:a="http://schemas.openxmlformats.org/drawingml/2006/main" xmlns:r="http://schemas.openxmlformats.org/officeDocument/2006/relationships" xmlns:p="http://schemas.openxmlformats.org/presentationml/2006/main">
+  <p:cSld>
+    <p:spTree>
+      <p:nvGrpSpPr>
+        <p:cNvPr id="1" name=""/>
+        <p:cNvGrpSpPr/>
+        <p:nvPr/>
+      </p:nvGrpSpPr>
+      <p:grpSpPr>
+        <a:xfrm>
+          <a:off x="0" y="0"/>
+          <a:ext cx="0" cy="0"/>
+          <a:chOff x="0" y="0"/>
+          <a:chExt cx="0" cy="0"/>
+        </a:xfrm>
+      </p:grpSpPr>
+      <p:sp>
+        <p:nvSpPr>
+          <p:cNvPr id="2" name="Title 1"/>
+          <p:cNvSpPr>
+            <a:spLocks noGrp="1"/>
+          </p:cNvSpPr>
+          <p:nvPr>
+            <p:ph type="title"/>
+          </p:nvPr>
+        </p:nvSpPr>
+        <p:spPr>
+          <a:xfrm>
+            <a:off x="1261872" y="365760"/>
+            <a:ext cx="8594916" cy="1325562"/>
+          </a:xfrm>
+        </p:spPr>
+        <p:txBody>
+          <a:bodyPr/>
+          <a:lstStyle/>
+          <a:p>
+            <a:pPr algn="ctr"/>
+            <a:r>
+              <a:rPr lang="en-US" dirty="0"/>
+              <a:t>Growth</a:t>
+            </a:r>
+          </a:p>
+        </p:txBody>
+      </p:sp>
+      <p:graphicFrame>
+        <p:nvGraphicFramePr>
+          <p:cNvPr id="4" name="Content Placeholder 3"/>
+          <p:cNvGraphicFramePr>
+            <a:graphicFrameLocks noGrp="1"/>
+          </p:cNvGraphicFramePr>
+          <p:nvPr>
+            <p:ph idx="1"/>
+            <p:extLst>
+              <p:ext uri="{D42A27DB-BD31-4B8C-83A1-F6EECF244321}">
+                <p14:modId xmlns:p14="http://schemas.microsoft.com/office/powerpoint/2010/main" val="2125392942"/>
+              </p:ext>
+            </p:extLst>
+          </p:nvPr>
+        </p:nvGraphicFramePr>
+        <p:xfrm>
+          <a:off x="1262063" y="1828800"/>
+          <a:ext cx="8594725" cy="4351338"/>
+        </p:xfrm>
+        <a:graphic>
+          <a:graphicData uri="http://schemas.openxmlformats.org/drawingml/2006/chart">
+            <c:chart xmlns:c="http://schemas.openxmlformats.org/drawingml/2006/chart" xmlns:r="http://schemas.openxmlformats.org/officeDocument/2006/relationships" r:id="rId2"/>
+          </a:graphicData>
+        </a:graphic>
+      </p:graphicFrame>
+      <p:graphicFrame>
+        <p:nvGraphicFramePr>
+          <p:cNvPr id="5" name="Chart 4"/>
+          <p:cNvGraphicFramePr>
+            <a:graphicFrameLocks/>
+          </p:cNvGraphicFramePr>
+          <p:nvPr>
+            <p:extLst>
+              <p:ext uri="{D42A27DB-BD31-4B8C-83A1-F6EECF244321}">
+                <p14:modId xmlns:p14="http://schemas.microsoft.com/office/powerpoint/2010/main" val="2858080791"/>
+              </p:ext>
+            </p:extLst>
+          </p:nvPr>
+        </p:nvGraphicFramePr>
+        <p:xfrm>
+          <a:off x="-228600" y="1691322"/>
+          <a:ext cx="6958584" cy="4581462"/>
+        </p:xfrm>
+        <a:graphic>
+          <a:graphicData uri="http://schemas.openxmlformats.org/drawingml/2006/chart">
+            <c:chart xmlns:c="http://schemas.openxmlformats.org/drawingml/2006/chart" xmlns:r="http://schemas.openxmlformats.org/officeDocument/2006/relationships" r:id="rId3"/>
+          </a:graphicData>
+        </a:graphic>
+      </p:graphicFrame>
+      <p:graphicFrame>
+        <p:nvGraphicFramePr>
+          <p:cNvPr id="6" name="Chart 5"/>
+          <p:cNvGraphicFramePr>
+            <a:graphicFrameLocks/>
+          </p:cNvGraphicFramePr>
+          <p:nvPr>
+            <p:extLst>
+              <p:ext uri="{D42A27DB-BD31-4B8C-83A1-F6EECF244321}">
+                <p14:modId xmlns:p14="http://schemas.microsoft.com/office/powerpoint/2010/main" val="621622537"/>
+              </p:ext>
+            </p:extLst>
+          </p:nvPr>
+        </p:nvGraphicFramePr>
+        <p:xfrm>
+          <a:off x="5321809" y="2258568"/>
+          <a:ext cx="6025642" cy="4014216"/>
+        </p:xfrm>
+        <a:graphic>
+          <a:graphicData uri="http://schemas.openxmlformats.org/drawingml/2006/chart">
+            <c:chart xmlns:c="http://schemas.openxmlformats.org/drawingml/2006/chart" xmlns:r="http://schemas.openxmlformats.org/officeDocument/2006/relationships" r:id="rId4"/>
+          </a:graphicData>
+        </a:graphic>
+      </p:graphicFrame>
+    </p:spTree>
+    <p:extLst>
+      <p:ext uri="{BB962C8B-B14F-4D97-AF65-F5344CB8AC3E}">
+        <p14:creationId xmlns:p14="http://schemas.microsoft.com/office/powerpoint/2010/main" val="499661741"/>
+      </p:ext>
+    </p:extLst>
+  </p:cSld>
+  <p:clrMapOvr>
+    <a:masterClrMapping/>
+  </p:clrMapOvr>
+</p:sld>
+</file>
+
+<file path=ppt/slides/slide12.xml><?xml version="1.0" encoding="utf-8"?>
+<p:sld xmlns:a="http://schemas.openxmlformats.org/drawingml/2006/main" xmlns:r="http://schemas.openxmlformats.org/officeDocument/2006/relationships" xmlns:p="http://schemas.openxmlformats.org/presentationml/2006/main">
+  <p:cSld>
+    <p:spTree>
+      <p:nvGrpSpPr>
+        <p:cNvPr id="1" name=""/>
+        <p:cNvGrpSpPr/>
+        <p:nvPr/>
+      </p:nvGrpSpPr>
+      <p:grpSpPr>
+        <a:xfrm>
+          <a:off x="0" y="0"/>
+          <a:ext cx="0" cy="0"/>
+          <a:chOff x="0" y="0"/>
+          <a:chExt cx="0" cy="0"/>
+        </a:xfrm>
+      </p:grpSpPr>
+      <p:sp>
+        <p:nvSpPr>
+          <p:cNvPr id="2" name="Title 1"/>
+          <p:cNvSpPr>
+            <a:spLocks noGrp="1"/>
+          </p:cNvSpPr>
+          <p:nvPr>
+            <p:ph type="title"/>
+          </p:nvPr>
+        </p:nvSpPr>
+        <p:spPr>
+          <a:xfrm>
+            <a:off x="1261872" y="365760"/>
+            <a:ext cx="8595360" cy="1325562"/>
+          </a:xfrm>
+        </p:spPr>
+        <p:txBody>
+          <a:bodyPr/>
+          <a:lstStyle/>
+          <a:p>
+            <a:pPr algn="ctr"/>
+            <a:r>
+              <a:rPr lang="en-US" dirty="0"/>
+              <a:t>Challenges</a:t>
+            </a:r>
+          </a:p>
+        </p:txBody>
+      </p:sp>
+      <p:sp>
+        <p:nvSpPr>
+          <p:cNvPr id="3" name="Content Placeholder 2"/>
+          <p:cNvSpPr>
+            <a:spLocks noGrp="1"/>
+          </p:cNvSpPr>
+          <p:nvPr>
+            <p:ph idx="1"/>
+          </p:nvPr>
+        </p:nvSpPr>
+        <p:spPr/>
+        <p:txBody>
+          <a:bodyPr/>
+          <a:lstStyle/>
+          <a:p>
+            <a:r>
+              <a:rPr lang="en-US" dirty="0"/>
+              <a:t>Establish “year zero” (2010?)</a:t>
+            </a:r>
+          </a:p>
+          <a:p>
+            <a:pPr lvl="1"/>
+            <a:r>
+              <a:rPr lang="en-US" dirty="0"/>
+              <a:t>“Before Boom” (BB)</a:t>
+            </a:r>
+          </a:p>
+          <a:p>
+            <a:pPr lvl="1"/>
+            <a:r>
+              <a:rPr lang="en-US" dirty="0"/>
+              <a:t>“After Boom” (AB)</a:t>
+            </a:r>
+          </a:p>
+          <a:p>
+            <a:pPr lvl="1"/>
+            <a:endParaRPr lang="en-US" dirty="0"/>
+          </a:p>
+          <a:p>
+            <a:r>
+              <a:rPr lang="en-US" dirty="0"/>
+              <a:t>What was normal yearly sales and growth before the boom?</a:t>
+            </a:r>
+          </a:p>
+          <a:p>
+            <a:r>
+              <a:rPr lang="en-US" dirty="0"/>
+              <a:t>What is growth now?</a:t>
+            </a:r>
+          </a:p>
+          <a:p>
+            <a:endParaRPr lang="en-US" dirty="0"/>
+          </a:p>
+          <a:p>
+            <a:r>
+              <a:rPr lang="en-US" dirty="0"/>
+              <a:t>Gather data</a:t>
+            </a:r>
+          </a:p>
+          <a:p>
+            <a:pPr lvl="1"/>
+            <a:r>
+              <a:rPr lang="en-US" dirty="0"/>
+              <a:t>Separate Kentucky Bourbon from other whiskey and spirits.</a:t>
+            </a:r>
+          </a:p>
+        </p:txBody>
+      </p:sp>
+    </p:spTree>
+    <p:extLst>
+      <p:ext uri="{BB962C8B-B14F-4D97-AF65-F5344CB8AC3E}">
+        <p14:creationId xmlns:p14="http://schemas.microsoft.com/office/powerpoint/2010/main" val="2834476570"/>
+      </p:ext>
+    </p:extLst>
+  </p:cSld>
+  <p:clrMapOvr>
+    <a:masterClrMapping/>
+  </p:clrMapOvr>
+</p:sld>
+</file>
+
+<file path=ppt/slides/slide13.xml><?xml version="1.0" encoding="utf-8"?>
+<p:sld xmlns:a="http://schemas.openxmlformats.org/drawingml/2006/main" xmlns:r="http://schemas.openxmlformats.org/officeDocument/2006/relationships" xmlns:p="http://schemas.openxmlformats.org/presentationml/2006/main">
+  <p:cSld>
+    <p:spTree>
+      <p:nvGrpSpPr>
+        <p:cNvPr id="1" name=""/>
+        <p:cNvGrpSpPr/>
+        <p:nvPr/>
+      </p:nvGrpSpPr>
+      <p:grpSpPr>
+        <a:xfrm>
+          <a:off x="0" y="0"/>
+          <a:ext cx="0" cy="0"/>
+          <a:chOff x="0" y="0"/>
+          <a:chExt cx="0" cy="0"/>
+        </a:xfrm>
+      </p:grpSpPr>
+      <p:sp>
+        <p:nvSpPr>
+          <p:cNvPr id="2" name="Title 1"/>
+          <p:cNvSpPr>
+            <a:spLocks noGrp="1"/>
+          </p:cNvSpPr>
+          <p:nvPr>
+            <p:ph type="title"/>
+          </p:nvPr>
+        </p:nvSpPr>
+        <p:spPr/>
+        <p:txBody>
+          <a:bodyPr/>
+          <a:lstStyle/>
+          <a:p>
+            <a:r>
+              <a:rPr lang="en-US" dirty="0"/>
+              <a:t>Sources</a:t>
+            </a:r>
+          </a:p>
+        </p:txBody>
+      </p:sp>
+      <p:sp>
+        <p:nvSpPr>
+          <p:cNvPr id="3" name="Content Placeholder 2"/>
+          <p:cNvSpPr>
+            <a:spLocks noGrp="1"/>
+          </p:cNvSpPr>
+          <p:nvPr>
+            <p:ph idx="1"/>
+          </p:nvPr>
+        </p:nvSpPr>
+        <p:spPr/>
+        <p:txBody>
+          <a:bodyPr/>
+          <a:lstStyle/>
+          <a:p>
+            <a:r>
+              <a:rPr lang="en-US" dirty="0">
+                <a:hlinkClick r:id="rId2"/>
+              </a:rPr>
+              <a:t>http://www.fas.usda.gov/</a:t>
+            </a:r>
+            <a:endParaRPr lang="en-US" dirty="0"/>
+          </a:p>
+          <a:p>
+            <a:r>
+              <a:rPr lang="en-US" dirty="0">
+                <a:hlinkClick r:id="rId3"/>
+              </a:rPr>
+              <a:t>http://www1.american.edu/TED/kentuckybourbon.htm</a:t>
+            </a:r>
+            <a:endParaRPr lang="en-US" dirty="0"/>
+          </a:p>
+          <a:p>
+            <a:r>
+              <a:rPr lang="en-US" dirty="0">
+                <a:hlinkClick r:id="rId4"/>
+              </a:rPr>
+              <a:t>http://sice.oas.org/trade/nafta/chap-031.asp#A313</a:t>
+            </a:r>
+            <a:endParaRPr lang="en-US" dirty="0"/>
+          </a:p>
+          <a:p>
+            <a:r>
+              <a:rPr lang="en-US" dirty="0">
+                <a:hlinkClick r:id="rId5"/>
+              </a:rPr>
+              <a:t>https://www.wto.org/english/docs_e/legal_e/27-trips_04b_e.htm#3</a:t>
+            </a:r>
+            <a:endParaRPr lang="en-US" dirty="0"/>
+          </a:p>
+          <a:p>
+            <a:r>
+              <a:rPr lang="en-US" dirty="0">
+                <a:hlinkClick r:id="rId6"/>
+              </a:rPr>
+              <a:t>http://www.seattletimes.com/business/bourbon-tennessee-whiskey-sales-soar-in-us-exports-top-1b/</a:t>
+            </a:r>
+            <a:endParaRPr lang="en-US" dirty="0"/>
+          </a:p>
+          <a:p>
+            <a:r>
+              <a:rPr lang="en-US" dirty="0">
+                <a:hlinkClick r:id="rId7"/>
+              </a:rPr>
+              <a:t>http://www.discus.org/assets/1/7/Bourbon_and_Tennessee_Whiskey_2014.pdf</a:t>
+            </a:r>
+            <a:endParaRPr lang="en-US" dirty="0"/>
+          </a:p>
+          <a:p>
+            <a:r>
+              <a:rPr lang="en-US" sz="1600" dirty="0">
+                <a:hlinkClick r:id="rId8"/>
+              </a:rPr>
+              <a:t>http://kybourbon.com/wp-content/uploads/2014/08/economic_impact_2014.pdf</a:t>
+            </a:r>
+            <a:endParaRPr lang="en-US" sz="1600" dirty="0"/>
+          </a:p>
+          <a:p>
+            <a:endParaRPr lang="en-US" sz="1600" dirty="0"/>
+          </a:p>
+          <a:p>
+            <a:endParaRPr lang="en-US" dirty="0"/>
+          </a:p>
+          <a:p>
+            <a:endParaRPr lang="en-US" dirty="0"/>
+          </a:p>
+          <a:p>
+            <a:endParaRPr lang="en-US" dirty="0"/>
+          </a:p>
+          <a:p>
+            <a:endParaRPr lang="en-US" dirty="0"/>
+          </a:p>
+        </p:txBody>
+      </p:sp>
+    </p:spTree>
+    <p:extLst>
+      <p:ext uri="{BB962C8B-B14F-4D97-AF65-F5344CB8AC3E}">
+        <p14:creationId xmlns:p14="http://schemas.microsoft.com/office/powerpoint/2010/main" val="2435230577"/>
       </p:ext>
     </p:extLst>
   </p:cSld>
@@ -3532,16 +10937,21 @@
             <p:ph type="title"/>
           </p:nvPr>
         </p:nvSpPr>
-        <p:spPr/>
+        <p:spPr>
+          <a:xfrm>
+            <a:off x="1261872" y="365760"/>
+            <a:ext cx="8595360" cy="1325562"/>
+          </a:xfrm>
+        </p:spPr>
         <p:txBody>
           <a:bodyPr/>
           <a:lstStyle/>
           <a:p>
-            <a:r>
-              <a:rPr lang="en-US" dirty="0" smtClean="0"/>
-              <a:t>Overview</a:t>
-            </a:r>
-            <a:endParaRPr lang="en-US" dirty="0"/>
+            <a:pPr algn="ctr"/>
+            <a:r>
+              <a:rPr lang="en-US" dirty="0"/>
+              <a:t>Objective</a:t>
+            </a:r>
           </a:p>
         </p:txBody>
       </p:sp>
@@ -3561,23 +10971,15 @@
           <a:lstStyle/>
           <a:p>
             <a:r>
-              <a:rPr lang="en-US" dirty="0" smtClean="0"/>
-              <a:t>What I want to do</a:t>
-            </a:r>
-          </a:p>
-          <a:p>
-            <a:endParaRPr lang="en-US" dirty="0"/>
-          </a:p>
-          <a:p>
-            <a:r>
-              <a:rPr lang="en-US" dirty="0" smtClean="0"/>
-              <a:t>What I </a:t>
-            </a:r>
-            <a:r>
-              <a:rPr lang="en-US" smtClean="0"/>
-              <a:t>still need to do</a:t>
-            </a:r>
-            <a:endParaRPr lang="en-US"/>
+              <a:rPr lang="en-US" dirty="0"/>
+              <a:t>Gauge economic impact of recent surge in popularity of Bourbon on Kentucky.</a:t>
+            </a:r>
+          </a:p>
+          <a:p>
+            <a:r>
+              <a:rPr lang="en-US" dirty="0"/>
+              <a:t>Focus specifically on international exports.</a:t>
+            </a:r>
           </a:p>
         </p:txBody>
       </p:sp>
@@ -3621,12 +11023,21 @@
             <p:ph type="title"/>
           </p:nvPr>
         </p:nvSpPr>
-        <p:spPr/>
+        <p:spPr>
+          <a:xfrm>
+            <a:off x="1261872" y="365760"/>
+            <a:ext cx="8595360" cy="1325562"/>
+          </a:xfrm>
+        </p:spPr>
         <p:txBody>
           <a:bodyPr/>
           <a:lstStyle/>
           <a:p>
-            <a:endParaRPr lang="en-US"/>
+            <a:pPr algn="ctr"/>
+            <a:r>
+              <a:rPr lang="en-US" dirty="0"/>
+              <a:t>What is Bourbon?	</a:t>
+            </a:r>
           </a:p>
         </p:txBody>
       </p:sp>
@@ -3645,14 +11056,933 @@
           <a:bodyPr/>
           <a:lstStyle/>
           <a:p>
-            <a:endParaRPr lang="en-US"/>
+            <a:r>
+              <a:rPr lang="en-US" dirty="0"/>
+              <a:t>Recognized under US statutory law as a distinct product.</a:t>
+            </a:r>
+          </a:p>
+          <a:p>
+            <a:r>
+              <a:rPr lang="en-US" dirty="0"/>
+              <a:t>Title 27 (Alcohol, Tobacco Products, and Firearms) of the Code of Federal Regulations, Section 5.22</a:t>
+            </a:r>
+          </a:p>
+          <a:p>
+            <a:pPr marL="617220" lvl="1" indent="-342900">
+              <a:buFont typeface="+mj-lt"/>
+              <a:buAutoNum type="arabicPeriod"/>
+            </a:pPr>
+            <a:r>
+              <a:rPr lang="en-US" dirty="0"/>
+              <a:t>Made from a fermented mash with a minimum of 51% and a maximum of 79% corn </a:t>
+            </a:r>
+          </a:p>
+          <a:p>
+            <a:pPr marL="617220" lvl="1" indent="-342900">
+              <a:buFont typeface="+mj-lt"/>
+              <a:buAutoNum type="arabicPeriod"/>
+            </a:pPr>
+            <a:r>
+              <a:rPr lang="en-US" dirty="0"/>
+              <a:t>Distilled at less than 80% alcohol/volume (160 proof) </a:t>
+            </a:r>
+          </a:p>
+          <a:p>
+            <a:pPr marL="617220" lvl="1" indent="-342900">
+              <a:buFont typeface="+mj-lt"/>
+              <a:buAutoNum type="arabicPeriod"/>
+            </a:pPr>
+            <a:r>
+              <a:rPr lang="en-US" dirty="0"/>
+              <a:t>Stored in a new, charred, white oak barrel at a maximum of 62.5% alcohol/volume (125 proof) for at least 2 years </a:t>
+            </a:r>
+          </a:p>
+          <a:p>
+            <a:pPr marL="617220" lvl="1" indent="-342900">
+              <a:buFont typeface="+mj-lt"/>
+              <a:buAutoNum type="arabicPeriod"/>
+            </a:pPr>
+            <a:r>
+              <a:rPr lang="en-US" dirty="0"/>
+              <a:t>The original color and flavor of the whiskey can not be filtered or altered in any way </a:t>
+            </a:r>
+          </a:p>
+          <a:p>
+            <a:pPr marL="617220" lvl="1" indent="-342900">
+              <a:buFont typeface="+mj-lt"/>
+              <a:buAutoNum type="arabicPeriod"/>
+            </a:pPr>
+            <a:r>
+              <a:rPr lang="en-US" dirty="0"/>
+              <a:t>Must be produced and stored (for at least one year of the aging) in Kentucky to be called Kentucky Bourbon</a:t>
+            </a:r>
+          </a:p>
+          <a:p>
+            <a:pPr lvl="1"/>
+            <a:endParaRPr lang="en-US" dirty="0"/>
+          </a:p>
+          <a:p>
+            <a:endParaRPr lang="en-US" dirty="0"/>
           </a:p>
         </p:txBody>
       </p:sp>
     </p:spTree>
     <p:extLst>
       <p:ext uri="{BB962C8B-B14F-4D97-AF65-F5344CB8AC3E}">
-        <p14:creationId xmlns:p14="http://schemas.microsoft.com/office/powerpoint/2010/main" val="2834476570"/>
+        <p14:creationId xmlns:p14="http://schemas.microsoft.com/office/powerpoint/2010/main" val="1621913196"/>
+      </p:ext>
+    </p:extLst>
+  </p:cSld>
+  <p:clrMapOvr>
+    <a:masterClrMapping/>
+  </p:clrMapOvr>
+</p:sld>
+</file>
+
+<file path=ppt/slides/slide4.xml><?xml version="1.0" encoding="utf-8"?>
+<p:sld xmlns:a="http://schemas.openxmlformats.org/drawingml/2006/main" xmlns:r="http://schemas.openxmlformats.org/officeDocument/2006/relationships" xmlns:p="http://schemas.openxmlformats.org/presentationml/2006/main">
+  <p:cSld>
+    <p:spTree>
+      <p:nvGrpSpPr>
+        <p:cNvPr id="1" name=""/>
+        <p:cNvGrpSpPr/>
+        <p:nvPr/>
+      </p:nvGrpSpPr>
+      <p:grpSpPr>
+        <a:xfrm>
+          <a:off x="0" y="0"/>
+          <a:ext cx="0" cy="0"/>
+          <a:chOff x="0" y="0"/>
+          <a:chExt cx="0" cy="0"/>
+        </a:xfrm>
+      </p:grpSpPr>
+      <p:sp>
+        <p:nvSpPr>
+          <p:cNvPr id="2" name="Title 1"/>
+          <p:cNvSpPr>
+            <a:spLocks noGrp="1"/>
+          </p:cNvSpPr>
+          <p:nvPr>
+            <p:ph type="title"/>
+          </p:nvPr>
+        </p:nvSpPr>
+        <p:spPr>
+          <a:xfrm>
+            <a:off x="1261872" y="365760"/>
+            <a:ext cx="8595360" cy="1325562"/>
+          </a:xfrm>
+        </p:spPr>
+        <p:txBody>
+          <a:bodyPr/>
+          <a:lstStyle/>
+          <a:p>
+            <a:pPr algn="ctr"/>
+            <a:r>
+              <a:rPr lang="en-US" dirty="0"/>
+              <a:t>International Trade</a:t>
+            </a:r>
+          </a:p>
+        </p:txBody>
+      </p:sp>
+      <p:sp>
+        <p:nvSpPr>
+          <p:cNvPr id="3" name="Content Placeholder 2"/>
+          <p:cNvSpPr>
+            <a:spLocks noGrp="1"/>
+          </p:cNvSpPr>
+          <p:nvPr>
+            <p:ph idx="1"/>
+          </p:nvPr>
+        </p:nvSpPr>
+        <p:spPr>
+          <a:xfrm>
+            <a:off x="1261872" y="1828800"/>
+            <a:ext cx="8595360" cy="4739640"/>
+          </a:xfrm>
+        </p:spPr>
+        <p:txBody>
+          <a:bodyPr>
+            <a:normAutofit lnSpcReduction="10000"/>
+          </a:bodyPr>
+          <a:lstStyle/>
+          <a:p>
+            <a:r>
+              <a:rPr lang="en-US" dirty="0"/>
+              <a:t>NAFTA</a:t>
+            </a:r>
+          </a:p>
+          <a:p>
+            <a:pPr lvl="1"/>
+            <a:r>
+              <a:rPr lang="en-US" dirty="0"/>
+              <a:t>Chapter 3, Annex 313: "Distinctive Products”</a:t>
+            </a:r>
+          </a:p>
+          <a:p>
+            <a:pPr lvl="2"/>
+            <a:r>
+              <a:rPr lang="en-US" dirty="0"/>
+              <a:t>Canada and Mexico shall recognize both Bourbon Whiskey and Tennessee Whiskey as products of the US and enforce the standards of US law (title 27 CFR 5.22).</a:t>
+            </a:r>
+          </a:p>
+          <a:p>
+            <a:pPr lvl="2"/>
+            <a:r>
+              <a:rPr lang="en-US" dirty="0"/>
+              <a:t>NAFTA agreement effectively transplants US law through a treaty to Canada and Mexico</a:t>
+            </a:r>
+          </a:p>
+          <a:p>
+            <a:pPr lvl="1"/>
+            <a:r>
+              <a:rPr lang="en-US" dirty="0"/>
+              <a:t>Mexico eliminated its 20% tariff on bourbon immediately following NAFTA's creation.</a:t>
+            </a:r>
+          </a:p>
+          <a:p>
+            <a:r>
+              <a:rPr lang="en-US" dirty="0"/>
+              <a:t>June 6, 2003 trade agreement with Chile</a:t>
+            </a:r>
+          </a:p>
+          <a:p>
+            <a:pPr lvl="1"/>
+            <a:r>
+              <a:rPr lang="en-US" dirty="0"/>
+              <a:t>Distinctive products</a:t>
+            </a:r>
+          </a:p>
+          <a:p>
+            <a:r>
+              <a:rPr lang="en-US" dirty="0"/>
+              <a:t>June 1994 US-EU EEC Council Regulation EEC 1267/94</a:t>
+            </a:r>
+          </a:p>
+          <a:p>
+            <a:pPr lvl="1"/>
+            <a:r>
+              <a:rPr lang="en-US" dirty="0"/>
+              <a:t>EU recognized Bourbon and Tennessee Whiskey as products that must be produced in the US under the standards of US law</a:t>
+            </a:r>
+          </a:p>
+          <a:p>
+            <a:pPr lvl="1"/>
+            <a:r>
+              <a:rPr lang="en-US" dirty="0"/>
+              <a:t>In exchange US recognizes European products under title 27 CFR 5.22</a:t>
+            </a:r>
+          </a:p>
+          <a:p>
+            <a:r>
+              <a:rPr lang="en-US" dirty="0"/>
+              <a:t>February 2004, US-AU</a:t>
+            </a:r>
+          </a:p>
+          <a:p>
+            <a:pPr lvl="1"/>
+            <a:r>
+              <a:rPr lang="en-US" dirty="0"/>
+              <a:t>Bourbon and Tennessee Whiskey make up 80% of US distilled spirit exports to Australia in 2003 </a:t>
+            </a:r>
+          </a:p>
+          <a:p>
+            <a:pPr lvl="1"/>
+            <a:endParaRPr lang="en-US" dirty="0"/>
+          </a:p>
+          <a:p>
+            <a:pPr lvl="1"/>
+            <a:endParaRPr lang="en-US" dirty="0"/>
+          </a:p>
+        </p:txBody>
+      </p:sp>
+    </p:spTree>
+    <p:extLst>
+      <p:ext uri="{BB962C8B-B14F-4D97-AF65-F5344CB8AC3E}">
+        <p14:creationId xmlns:p14="http://schemas.microsoft.com/office/powerpoint/2010/main" val="3076312508"/>
+      </p:ext>
+    </p:extLst>
+  </p:cSld>
+  <p:clrMapOvr>
+    <a:masterClrMapping/>
+  </p:clrMapOvr>
+</p:sld>
+</file>
+
+<file path=ppt/slides/slide5.xml><?xml version="1.0" encoding="utf-8"?>
+<p:sld xmlns:a="http://schemas.openxmlformats.org/drawingml/2006/main" xmlns:r="http://schemas.openxmlformats.org/officeDocument/2006/relationships" xmlns:p="http://schemas.openxmlformats.org/presentationml/2006/main">
+  <p:cSld>
+    <p:spTree>
+      <p:nvGrpSpPr>
+        <p:cNvPr id="1" name=""/>
+        <p:cNvGrpSpPr/>
+        <p:nvPr/>
+      </p:nvGrpSpPr>
+      <p:grpSpPr>
+        <a:xfrm>
+          <a:off x="0" y="0"/>
+          <a:ext cx="0" cy="0"/>
+          <a:chOff x="0" y="0"/>
+          <a:chExt cx="0" cy="0"/>
+        </a:xfrm>
+      </p:grpSpPr>
+      <p:sp>
+        <p:nvSpPr>
+          <p:cNvPr id="2" name="Title 1"/>
+          <p:cNvSpPr>
+            <a:spLocks noGrp="1"/>
+          </p:cNvSpPr>
+          <p:nvPr>
+            <p:ph type="title"/>
+          </p:nvPr>
+        </p:nvSpPr>
+        <p:spPr>
+          <a:xfrm>
+            <a:off x="1261872" y="365760"/>
+            <a:ext cx="8595360" cy="1325562"/>
+          </a:xfrm>
+        </p:spPr>
+        <p:txBody>
+          <a:bodyPr/>
+          <a:lstStyle/>
+          <a:p>
+            <a:pPr algn="ctr"/>
+            <a:r>
+              <a:rPr lang="en-US" dirty="0"/>
+              <a:t>WTO</a:t>
+            </a:r>
+          </a:p>
+        </p:txBody>
+      </p:sp>
+      <p:sp>
+        <p:nvSpPr>
+          <p:cNvPr id="3" name="Content Placeholder 2"/>
+          <p:cNvSpPr>
+            <a:spLocks noGrp="1"/>
+          </p:cNvSpPr>
+          <p:nvPr>
+            <p:ph idx="1"/>
+          </p:nvPr>
+        </p:nvSpPr>
+        <p:spPr/>
+        <p:txBody>
+          <a:bodyPr/>
+          <a:lstStyle/>
+          <a:p>
+            <a:r>
+              <a:rPr lang="en-US" dirty="0"/>
+              <a:t>Trade Related Aspects of Intellectual Property Rights (TRIPS)</a:t>
+            </a:r>
+          </a:p>
+          <a:p>
+            <a:r>
+              <a:rPr lang="en-US" dirty="0"/>
+              <a:t>"Each member shall provide the legal means for interested parties to prevent use of a geographic indication identifying wines for wines not originating in the place indicated by the geographical indication in question, even where the true origin of the goods is indicated or the geographical indication is used in translation or accompanied by expressions such as 'kind, 'type', 'style', 'imitation', or the like." </a:t>
+            </a:r>
+          </a:p>
+        </p:txBody>
+      </p:sp>
+    </p:spTree>
+    <p:extLst>
+      <p:ext uri="{BB962C8B-B14F-4D97-AF65-F5344CB8AC3E}">
+        <p14:creationId xmlns:p14="http://schemas.microsoft.com/office/powerpoint/2010/main" val="3656584076"/>
+      </p:ext>
+    </p:extLst>
+  </p:cSld>
+  <p:clrMapOvr>
+    <a:masterClrMapping/>
+  </p:clrMapOvr>
+</p:sld>
+</file>
+
+<file path=ppt/slides/slide6.xml><?xml version="1.0" encoding="utf-8"?>
+<p:sld xmlns:a="http://schemas.openxmlformats.org/drawingml/2006/main" xmlns:r="http://schemas.openxmlformats.org/officeDocument/2006/relationships" xmlns:p="http://schemas.openxmlformats.org/presentationml/2006/main">
+  <p:cSld>
+    <p:spTree>
+      <p:nvGrpSpPr>
+        <p:cNvPr id="1" name=""/>
+        <p:cNvGrpSpPr/>
+        <p:nvPr/>
+      </p:nvGrpSpPr>
+      <p:grpSpPr>
+        <a:xfrm>
+          <a:off x="0" y="0"/>
+          <a:ext cx="0" cy="0"/>
+          <a:chOff x="0" y="0"/>
+          <a:chExt cx="0" cy="0"/>
+        </a:xfrm>
+      </p:grpSpPr>
+      <p:pic>
+        <p:nvPicPr>
+          <p:cNvPr id="7" name="Picture 6"/>
+          <p:cNvPicPr>
+            <a:picLocks noChangeAspect="1"/>
+          </p:cNvPicPr>
+          <p:nvPr/>
+        </p:nvPicPr>
+        <p:blipFill>
+          <a:blip r:embed="rId2">
+            <a:extLst>
+              <a:ext uri="{28A0092B-C50C-407E-A947-70E740481C1C}">
+                <a14:useLocalDpi xmlns:a14="http://schemas.microsoft.com/office/drawing/2010/main" val="0"/>
+              </a:ext>
+            </a:extLst>
+          </a:blip>
+          <a:stretch>
+            <a:fillRect/>
+          </a:stretch>
+        </p:blipFill>
+        <p:spPr>
+          <a:xfrm>
+            <a:off x="4857829" y="1965352"/>
+            <a:ext cx="3993484" cy="3993484"/>
+          </a:xfrm>
+          <a:prstGeom prst="rect">
+            <a:avLst/>
+          </a:prstGeom>
+        </p:spPr>
+      </p:pic>
+      <p:sp>
+        <p:nvSpPr>
+          <p:cNvPr id="2" name="Title 1"/>
+          <p:cNvSpPr>
+            <a:spLocks noGrp="1"/>
+          </p:cNvSpPr>
+          <p:nvPr>
+            <p:ph type="title"/>
+          </p:nvPr>
+        </p:nvSpPr>
+        <p:spPr>
+          <a:xfrm>
+            <a:off x="1261872" y="365760"/>
+            <a:ext cx="8663363" cy="1325562"/>
+          </a:xfrm>
+        </p:spPr>
+        <p:txBody>
+          <a:bodyPr/>
+          <a:lstStyle/>
+          <a:p>
+            <a:pPr algn="ctr"/>
+            <a:r>
+              <a:rPr lang="en-US" dirty="0"/>
+              <a:t>2003</a:t>
+            </a:r>
+          </a:p>
+        </p:txBody>
+      </p:sp>
+      <p:pic>
+        <p:nvPicPr>
+          <p:cNvPr id="4" name="Content Placeholder 3" descr="http://www.bourbonblog.com/wp-content/uploads/2012/06/Wild_Turkey_101_New_Bottle.jpg"/>
+          <p:cNvPicPr>
+            <a:picLocks noGrp="1" noChangeAspect="1" noChangeArrowheads="1"/>
+          </p:cNvPicPr>
+          <p:nvPr>
+            <p:ph idx="1"/>
+          </p:nvPr>
+        </p:nvPicPr>
+        <p:blipFill>
+          <a:blip r:embed="rId3">
+            <a:extLst>
+              <a:ext uri="{28A0092B-C50C-407E-A947-70E740481C1C}">
+                <a14:useLocalDpi xmlns:a14="http://schemas.microsoft.com/office/drawing/2010/main" val="0"/>
+              </a:ext>
+            </a:extLst>
+          </a:blip>
+          <a:srcRect/>
+          <a:stretch>
+            <a:fillRect/>
+          </a:stretch>
+        </p:blipFill>
+        <p:spPr bwMode="auto">
+          <a:xfrm>
+            <a:off x="1261872" y="1965352"/>
+            <a:ext cx="2597991" cy="3993483"/>
+          </a:xfrm>
+          <a:prstGeom prst="rect">
+            <a:avLst/>
+          </a:prstGeom>
+          <a:noFill/>
+          <a:extLst>
+            <a:ext uri="{909E8E84-426E-40DD-AFC4-6F175D3DCCD1}">
+              <a14:hiddenFill xmlns:a14="http://schemas.microsoft.com/office/drawing/2010/main">
+                <a:solidFill>
+                  <a:srgbClr val="FFFFFF"/>
+                </a:solidFill>
+              </a14:hiddenFill>
+            </a:ext>
+          </a:extLst>
+        </p:spPr>
+      </p:pic>
+      <p:pic>
+        <p:nvPicPr>
+          <p:cNvPr id="5" name="Picture 4"/>
+          <p:cNvPicPr>
+            <a:picLocks noChangeAspect="1"/>
+          </p:cNvPicPr>
+          <p:nvPr/>
+        </p:nvPicPr>
+        <p:blipFill>
+          <a:blip r:embed="rId4"/>
+          <a:stretch>
+            <a:fillRect/>
+          </a:stretch>
+        </p:blipFill>
+        <p:spPr>
+          <a:xfrm>
+            <a:off x="7622920" y="1965353"/>
+            <a:ext cx="1752600" cy="3993483"/>
+          </a:xfrm>
+          <a:prstGeom prst="rect">
+            <a:avLst/>
+          </a:prstGeom>
+        </p:spPr>
+      </p:pic>
+      <p:pic>
+        <p:nvPicPr>
+          <p:cNvPr id="6" name="Picture 5"/>
+          <p:cNvPicPr>
+            <a:picLocks noChangeAspect="1"/>
+          </p:cNvPicPr>
+          <p:nvPr/>
+        </p:nvPicPr>
+        <p:blipFill>
+          <a:blip r:embed="rId5"/>
+          <a:stretch>
+            <a:fillRect/>
+          </a:stretch>
+        </p:blipFill>
+        <p:spPr>
+          <a:xfrm>
+            <a:off x="3354705" y="1965355"/>
+            <a:ext cx="1733550" cy="3993483"/>
+          </a:xfrm>
+          <a:prstGeom prst="rect">
+            <a:avLst/>
+          </a:prstGeom>
+        </p:spPr>
+      </p:pic>
+    </p:spTree>
+    <p:extLst>
+      <p:ext uri="{BB962C8B-B14F-4D97-AF65-F5344CB8AC3E}">
+        <p14:creationId xmlns:p14="http://schemas.microsoft.com/office/powerpoint/2010/main" val="3813093087"/>
+      </p:ext>
+    </p:extLst>
+  </p:cSld>
+  <p:clrMapOvr>
+    <a:masterClrMapping/>
+  </p:clrMapOvr>
+</p:sld>
+</file>
+
+<file path=ppt/slides/slide7.xml><?xml version="1.0" encoding="utf-8"?>
+<p:sld xmlns:a="http://schemas.openxmlformats.org/drawingml/2006/main" xmlns:r="http://schemas.openxmlformats.org/officeDocument/2006/relationships" xmlns:p="http://schemas.openxmlformats.org/presentationml/2006/main">
+  <p:cSld>
+    <p:spTree>
+      <p:nvGrpSpPr>
+        <p:cNvPr id="1" name=""/>
+        <p:cNvGrpSpPr/>
+        <p:nvPr/>
+      </p:nvGrpSpPr>
+      <p:grpSpPr>
+        <a:xfrm>
+          <a:off x="0" y="0"/>
+          <a:ext cx="0" cy="0"/>
+          <a:chOff x="0" y="0"/>
+          <a:chExt cx="0" cy="0"/>
+        </a:xfrm>
+      </p:grpSpPr>
+      <p:sp>
+        <p:nvSpPr>
+          <p:cNvPr id="2" name="Title 1"/>
+          <p:cNvSpPr>
+            <a:spLocks noGrp="1"/>
+          </p:cNvSpPr>
+          <p:nvPr>
+            <p:ph type="title"/>
+          </p:nvPr>
+        </p:nvSpPr>
+        <p:spPr>
+          <a:xfrm>
+            <a:off x="1261872" y="365760"/>
+            <a:ext cx="8594916" cy="1325562"/>
+          </a:xfrm>
+        </p:spPr>
+        <p:txBody>
+          <a:bodyPr/>
+          <a:lstStyle/>
+          <a:p>
+            <a:pPr algn="ctr"/>
+            <a:r>
+              <a:rPr lang="en-US" dirty="0"/>
+              <a:t>2003</a:t>
+            </a:r>
+          </a:p>
+        </p:txBody>
+      </p:sp>
+      <p:graphicFrame>
+        <p:nvGraphicFramePr>
+          <p:cNvPr id="4" name="Content Placeholder 3"/>
+          <p:cNvGraphicFramePr>
+            <a:graphicFrameLocks noGrp="1"/>
+          </p:cNvGraphicFramePr>
+          <p:nvPr>
+            <p:ph idx="1"/>
+            <p:extLst>
+              <p:ext uri="{D42A27DB-BD31-4B8C-83A1-F6EECF244321}">
+                <p14:modId xmlns:p14="http://schemas.microsoft.com/office/powerpoint/2010/main" val="2201485588"/>
+              </p:ext>
+            </p:extLst>
+          </p:nvPr>
+        </p:nvGraphicFramePr>
+        <p:xfrm>
+          <a:off x="1262063" y="1828800"/>
+          <a:ext cx="8594725" cy="4351338"/>
+        </p:xfrm>
+        <a:graphic>
+          <a:graphicData uri="http://schemas.openxmlformats.org/drawingml/2006/chart">
+            <c:chart xmlns:c="http://schemas.openxmlformats.org/drawingml/2006/chart" xmlns:r="http://schemas.openxmlformats.org/officeDocument/2006/relationships" r:id="rId2"/>
+          </a:graphicData>
+        </a:graphic>
+      </p:graphicFrame>
+      <p:graphicFrame>
+        <p:nvGraphicFramePr>
+          <p:cNvPr id="5" name="Chart 4"/>
+          <p:cNvGraphicFramePr>
+            <a:graphicFrameLocks/>
+          </p:cNvGraphicFramePr>
+          <p:nvPr>
+            <p:extLst>
+              <p:ext uri="{D42A27DB-BD31-4B8C-83A1-F6EECF244321}">
+                <p14:modId xmlns:p14="http://schemas.microsoft.com/office/powerpoint/2010/main" val="2643067158"/>
+              </p:ext>
+            </p:extLst>
+          </p:nvPr>
+        </p:nvGraphicFramePr>
+        <p:xfrm>
+          <a:off x="1071563" y="1828800"/>
+          <a:ext cx="8986837" cy="4643438"/>
+        </p:xfrm>
+        <a:graphic>
+          <a:graphicData uri="http://schemas.openxmlformats.org/drawingml/2006/chart">
+            <c:chart xmlns:c="http://schemas.openxmlformats.org/drawingml/2006/chart" xmlns:r="http://schemas.openxmlformats.org/officeDocument/2006/relationships" r:id="rId3"/>
+          </a:graphicData>
+        </a:graphic>
+      </p:graphicFrame>
+      <p:pic>
+        <p:nvPicPr>
+          <p:cNvPr id="10" name="Picture 9"/>
+          <p:cNvPicPr>
+            <a:picLocks noChangeAspect="1"/>
+          </p:cNvPicPr>
+          <p:nvPr/>
+        </p:nvPicPr>
+        <p:blipFill>
+          <a:blip r:embed="rId4">
+            <a:extLst>
+              <a:ext uri="{28A0092B-C50C-407E-A947-70E740481C1C}">
+                <a14:useLocalDpi xmlns:a14="http://schemas.microsoft.com/office/drawing/2010/main" val="0"/>
+              </a:ext>
+            </a:extLst>
+          </a:blip>
+          <a:stretch>
+            <a:fillRect/>
+          </a:stretch>
+        </p:blipFill>
+        <p:spPr>
+          <a:xfrm>
+            <a:off x="4386263" y="4186238"/>
+            <a:ext cx="2836719" cy="1300163"/>
+          </a:xfrm>
+          <a:prstGeom prst="rect">
+            <a:avLst/>
+          </a:prstGeom>
+        </p:spPr>
+      </p:pic>
+    </p:spTree>
+    <p:extLst>
+      <p:ext uri="{BB962C8B-B14F-4D97-AF65-F5344CB8AC3E}">
+        <p14:creationId xmlns:p14="http://schemas.microsoft.com/office/powerpoint/2010/main" val="840704610"/>
+      </p:ext>
+    </p:extLst>
+  </p:cSld>
+  <p:clrMapOvr>
+    <a:masterClrMapping/>
+  </p:clrMapOvr>
+  <p:timing>
+    <p:tnLst>
+      <p:par>
+        <p:cTn id="1" dur="indefinite" restart="never" nodeType="tmRoot">
+          <p:childTnLst>
+            <p:seq concurrent="1" nextAc="seek">
+              <p:cTn id="2" dur="indefinite" nodeType="mainSeq">
+                <p:childTnLst>
+                  <p:par>
+                    <p:cTn id="3" fill="hold">
+                      <p:stCondLst>
+                        <p:cond delay="indefinite"/>
+                      </p:stCondLst>
+                      <p:childTnLst>
+                        <p:par>
+                          <p:cTn id="4" fill="hold">
+                            <p:stCondLst>
+                              <p:cond delay="0"/>
+                            </p:stCondLst>
+                            <p:childTnLst>
+                              <p:par>
+                                <p:cTn id="5" presetID="10" presetClass="entr" presetSubtype="0" fill="hold" grpId="0" nodeType="clickEffect">
+                                  <p:stCondLst>
+                                    <p:cond delay="0"/>
+                                  </p:stCondLst>
+                                  <p:childTnLst>
+                                    <p:set>
+                                      <p:cBhvr>
+                                        <p:cTn id="6" dur="1" fill="hold">
+                                          <p:stCondLst>
+                                            <p:cond delay="0"/>
+                                          </p:stCondLst>
+                                        </p:cTn>
+                                        <p:tgtEl>
+                                          <p:spTgt spid="5"/>
+                                        </p:tgtEl>
+                                        <p:attrNameLst>
+                                          <p:attrName>style.visibility</p:attrName>
+                                        </p:attrNameLst>
+                                      </p:cBhvr>
+                                      <p:to>
+                                        <p:strVal val="visible"/>
+                                      </p:to>
+                                    </p:set>
+                                    <p:animEffect transition="in" filter="fade">
+                                      <p:cBhvr>
+                                        <p:cTn id="7" dur="500"/>
+                                        <p:tgtEl>
+                                          <p:spTgt spid="5"/>
+                                        </p:tgtEl>
+                                      </p:cBhvr>
+                                    </p:animEffect>
+                                  </p:childTnLst>
+                                </p:cTn>
+                              </p:par>
+                              <p:par>
+                                <p:cTn id="8" presetID="1" presetClass="entr" presetSubtype="0" fill="hold" nodeType="withEffect">
+                                  <p:stCondLst>
+                                    <p:cond delay="0"/>
+                                  </p:stCondLst>
+                                  <p:childTnLst>
+                                    <p:set>
+                                      <p:cBhvr>
+                                        <p:cTn id="9" dur="1" fill="hold">
+                                          <p:stCondLst>
+                                            <p:cond delay="0"/>
+                                          </p:stCondLst>
+                                        </p:cTn>
+                                        <p:tgtEl>
+                                          <p:spTgt spid="10"/>
+                                        </p:tgtEl>
+                                        <p:attrNameLst>
+                                          <p:attrName>style.visibility</p:attrName>
+                                        </p:attrNameLst>
+                                      </p:cBhvr>
+                                      <p:to>
+                                        <p:strVal val="visible"/>
+                                      </p:to>
+                                    </p:set>
+                                  </p:childTnLst>
+                                </p:cTn>
+                              </p:par>
+                            </p:childTnLst>
+                          </p:cTn>
+                        </p:par>
+                      </p:childTnLst>
+                    </p:cTn>
+                  </p:par>
+                </p:childTnLst>
+              </p:cTn>
+              <p:prevCondLst>
+                <p:cond evt="onPrev" delay="0">
+                  <p:tgtEl>
+                    <p:sldTgt/>
+                  </p:tgtEl>
+                </p:cond>
+              </p:prevCondLst>
+              <p:nextCondLst>
+                <p:cond evt="onNext" delay="0">
+                  <p:tgtEl>
+                    <p:sldTgt/>
+                  </p:tgtEl>
+                </p:cond>
+              </p:nextCondLst>
+            </p:seq>
+          </p:childTnLst>
+        </p:cTn>
+      </p:par>
+    </p:tnLst>
+    <p:bldLst>
+      <p:bldGraphic spid="5" grpId="0">
+        <p:bldAsOne/>
+      </p:bldGraphic>
+    </p:bldLst>
+  </p:timing>
+</p:sld>
+</file>
+
+<file path=ppt/slides/slide8.xml><?xml version="1.0" encoding="utf-8"?>
+<p:sld xmlns:a="http://schemas.openxmlformats.org/drawingml/2006/main" xmlns:r="http://schemas.openxmlformats.org/officeDocument/2006/relationships" xmlns:p="http://schemas.openxmlformats.org/presentationml/2006/main">
+  <p:cSld>
+    <p:spTree>
+      <p:nvGrpSpPr>
+        <p:cNvPr id="1" name=""/>
+        <p:cNvGrpSpPr/>
+        <p:nvPr/>
+      </p:nvGrpSpPr>
+      <p:grpSpPr>
+        <a:xfrm>
+          <a:off x="0" y="0"/>
+          <a:ext cx="0" cy="0"/>
+          <a:chOff x="0" y="0"/>
+          <a:chExt cx="0" cy="0"/>
+        </a:xfrm>
+      </p:grpSpPr>
+      <p:sp>
+        <p:nvSpPr>
+          <p:cNvPr id="2" name="Title 1"/>
+          <p:cNvSpPr>
+            <a:spLocks noGrp="1"/>
+          </p:cNvSpPr>
+          <p:nvPr>
+            <p:ph type="title"/>
+          </p:nvPr>
+        </p:nvSpPr>
+        <p:spPr>
+          <a:xfrm>
+            <a:off x="328613" y="365760"/>
+            <a:ext cx="10625899" cy="948690"/>
+          </a:xfrm>
+        </p:spPr>
+        <p:txBody>
+          <a:bodyPr/>
+          <a:lstStyle/>
+          <a:p>
+            <a:pPr algn="ctr"/>
+            <a:r>
+              <a:rPr lang="en-US" dirty="0"/>
+              <a:t>Bourbon Importing Countries</a:t>
+            </a:r>
+          </a:p>
+        </p:txBody>
+      </p:sp>
+      <p:graphicFrame>
+        <p:nvGraphicFramePr>
+          <p:cNvPr id="4" name="Content Placeholder 3"/>
+          <p:cNvGraphicFramePr>
+            <a:graphicFrameLocks noGrp="1"/>
+          </p:cNvGraphicFramePr>
+          <p:nvPr>
+            <p:ph idx="1"/>
+            <p:extLst>
+              <p:ext uri="{D42A27DB-BD31-4B8C-83A1-F6EECF244321}">
+                <p14:modId xmlns:p14="http://schemas.microsoft.com/office/powerpoint/2010/main" val="1106157702"/>
+              </p:ext>
+            </p:extLst>
+          </p:nvPr>
+        </p:nvGraphicFramePr>
+        <p:xfrm>
+          <a:off x="328613" y="1314450"/>
+          <a:ext cx="10625899" cy="4865688"/>
+        </p:xfrm>
+        <a:graphic>
+          <a:graphicData uri="http://schemas.openxmlformats.org/drawingml/2006/chart">
+            <c:chart xmlns:c="http://schemas.openxmlformats.org/drawingml/2006/chart" xmlns:r="http://schemas.openxmlformats.org/officeDocument/2006/relationships" r:id="rId3"/>
+          </a:graphicData>
+        </a:graphic>
+      </p:graphicFrame>
+    </p:spTree>
+    <p:extLst>
+      <p:ext uri="{BB962C8B-B14F-4D97-AF65-F5344CB8AC3E}">
+        <p14:creationId xmlns:p14="http://schemas.microsoft.com/office/powerpoint/2010/main" val="3611571455"/>
+      </p:ext>
+    </p:extLst>
+  </p:cSld>
+  <p:clrMapOvr>
+    <a:masterClrMapping/>
+  </p:clrMapOvr>
+</p:sld>
+</file>
+
+<file path=ppt/slides/slide9.xml><?xml version="1.0" encoding="utf-8"?>
+<p:sld xmlns:a="http://schemas.openxmlformats.org/drawingml/2006/main" xmlns:r="http://schemas.openxmlformats.org/officeDocument/2006/relationships" xmlns:p="http://schemas.openxmlformats.org/presentationml/2006/main">
+  <p:cSld>
+    <p:spTree>
+      <p:nvGrpSpPr>
+        <p:cNvPr id="1" name=""/>
+        <p:cNvGrpSpPr/>
+        <p:nvPr/>
+      </p:nvGrpSpPr>
+      <p:grpSpPr>
+        <a:xfrm>
+          <a:off x="0" y="0"/>
+          <a:ext cx="0" cy="0"/>
+          <a:chOff x="0" y="0"/>
+          <a:chExt cx="0" cy="0"/>
+        </a:xfrm>
+      </p:grpSpPr>
+      <p:sp>
+        <p:nvSpPr>
+          <p:cNvPr id="2" name="Title 1"/>
+          <p:cNvSpPr>
+            <a:spLocks noGrp="1"/>
+          </p:cNvSpPr>
+          <p:nvPr>
+            <p:ph type="title"/>
+          </p:nvPr>
+        </p:nvSpPr>
+        <p:spPr>
+          <a:xfrm>
+            <a:off x="1261872" y="365760"/>
+            <a:ext cx="9009592" cy="1325562"/>
+          </a:xfrm>
+        </p:spPr>
+        <p:txBody>
+          <a:bodyPr/>
+          <a:lstStyle/>
+          <a:p>
+            <a:pPr algn="ctr"/>
+            <a:r>
+              <a:rPr lang="en-US" dirty="0"/>
+              <a:t>Growth</a:t>
+            </a:r>
+          </a:p>
+        </p:txBody>
+      </p:sp>
+      <p:pic>
+        <p:nvPicPr>
+          <p:cNvPr id="4" name="Content Placeholder 3"/>
+          <p:cNvPicPr>
+            <a:picLocks noGrp="1" noChangeAspect="1"/>
+          </p:cNvPicPr>
+          <p:nvPr>
+            <p:ph idx="1"/>
+          </p:nvPr>
+        </p:nvPicPr>
+        <p:blipFill>
+          <a:blip r:embed="rId3"/>
+          <a:stretch>
+            <a:fillRect/>
+          </a:stretch>
+        </p:blipFill>
+        <p:spPr>
+          <a:xfrm>
+            <a:off x="2805844" y="1828800"/>
+            <a:ext cx="5507162" cy="4351338"/>
+          </a:xfrm>
+          <a:prstGeom prst="rect">
+            <a:avLst/>
+          </a:prstGeom>
+        </p:spPr>
+      </p:pic>
+    </p:spTree>
+    <p:extLst>
+      <p:ext uri="{BB962C8B-B14F-4D97-AF65-F5344CB8AC3E}">
+        <p14:creationId xmlns:p14="http://schemas.microsoft.com/office/powerpoint/2010/main" val="3158150158"/>
       </p:ext>
     </p:extLst>
   </p:cSld>
@@ -3913,4 +12243,299 @@
     </a:ext>
   </a:extLst>
 </a:theme>
+</file>
+
+<file path=ppt/theme/theme2.xml><?xml version="1.0" encoding="utf-8"?>
+<a:theme xmlns:a="http://schemas.openxmlformats.org/drawingml/2006/main" name="Office Theme">
+  <a:themeElements>
+    <a:clrScheme name="Office">
+      <a:dk1>
+        <a:sysClr val="windowText" lastClr="000000"/>
+      </a:dk1>
+      <a:lt1>
+        <a:sysClr val="window" lastClr="FFFFFF"/>
+      </a:lt1>
+      <a:dk2>
+        <a:srgbClr val="44546A"/>
+      </a:dk2>
+      <a:lt2>
+        <a:srgbClr val="E7E6E6"/>
+      </a:lt2>
+      <a:accent1>
+        <a:srgbClr val="5B9BD5"/>
+      </a:accent1>
+      <a:accent2>
+        <a:srgbClr val="ED7D31"/>
+      </a:accent2>
+      <a:accent3>
+        <a:srgbClr val="A5A5A5"/>
+      </a:accent3>
+      <a:accent4>
+        <a:srgbClr val="FFC000"/>
+      </a:accent4>
+      <a:accent5>
+        <a:srgbClr val="4472C4"/>
+      </a:accent5>
+      <a:accent6>
+        <a:srgbClr val="70AD47"/>
+      </a:accent6>
+      <a:hlink>
+        <a:srgbClr val="0563C1"/>
+      </a:hlink>
+      <a:folHlink>
+        <a:srgbClr val="954F72"/>
+      </a:folHlink>
+    </a:clrScheme>
+    <a:fontScheme name="Office">
+      <a:majorFont>
+        <a:latin typeface="Calibri Light" panose="020F0302020204030204"/>
+        <a:ea typeface=""/>
+        <a:cs typeface=""/>
+        <a:font script="Jpan" typeface="游ゴシック Light"/>
+        <a:font script="Hang" typeface="맑은 고딕"/>
+        <a:font script="Hans" typeface="等线 Light"/>
+        <a:font script="Hant" typeface="新細明體"/>
+        <a:font script="Arab" typeface="Times New Roman"/>
+        <a:font script="Hebr" typeface="Times New Roman"/>
+        <a:font script="Thai" typeface="Angsana New"/>
+        <a:font script="Ethi" typeface="Nyala"/>
+        <a:font script="Beng" typeface="Vrinda"/>
+        <a:font script="Gujr" typeface="Shruti"/>
+        <a:font script="Khmr" typeface="MoolBoran"/>
+        <a:font script="Knda" typeface="Tunga"/>
+        <a:font script="Guru" typeface="Raavi"/>
+        <a:font script="Cans" typeface="Euphemia"/>
+        <a:font script="Cher" typeface="Plantagenet Cherokee"/>
+        <a:font script="Yiii" typeface="Microsoft Yi Baiti"/>
+        <a:font script="Tibt" typeface="Microsoft Himalaya"/>
+        <a:font script="Thaa" typeface="MV Boli"/>
+        <a:font script="Deva" typeface="Mangal"/>
+        <a:font script="Telu" typeface="Gautami"/>
+        <a:font script="Taml" typeface="Latha"/>
+        <a:font script="Syrc" typeface="Estrangelo Edessa"/>
+        <a:font script="Orya" typeface="Kalinga"/>
+        <a:font script="Mlym" typeface="Kartika"/>
+        <a:font script="Laoo" typeface="DokChampa"/>
+        <a:font script="Sinh" typeface="Iskoola Pota"/>
+        <a:font script="Mong" typeface="Mongolian Baiti"/>
+        <a:font script="Viet" typeface="Times New Roman"/>
+        <a:font script="Uigh" typeface="Microsoft Uighur"/>
+        <a:font script="Geor" typeface="Sylfaen"/>
+        <a:font script="Armn" typeface="Arial"/>
+        <a:font script="Bugi" typeface="Leelawadee UI"/>
+        <a:font script="Bopo" typeface="Microsoft JhengHei"/>
+        <a:font script="Java" typeface="Javanese Text"/>
+        <a:font script="Lisu" typeface="Segoe UI"/>
+        <a:font script="Mymr" typeface="Myanmar Text"/>
+        <a:font script="Nkoo" typeface="Ebrima"/>
+        <a:font script="Olck" typeface="Nirmala UI"/>
+        <a:font script="Osma" typeface="Ebrima"/>
+        <a:font script="Phag" typeface="Phagspa"/>
+        <a:font script="Syrn" typeface="Estrangelo Edessa"/>
+        <a:font script="Syrj" typeface="Estrangelo Edessa"/>
+        <a:font script="Syre" typeface="Estrangelo Edessa"/>
+        <a:font script="Sora" typeface="Nirmala UI"/>
+        <a:font script="Tale" typeface="Microsoft Tai Le"/>
+        <a:font script="Talu" typeface="Microsoft New Tai Lue"/>
+        <a:font script="Tfng" typeface="Ebrima"/>
+      </a:majorFont>
+      <a:minorFont>
+        <a:latin typeface="Calibri" panose="020F0502020204030204"/>
+        <a:ea typeface=""/>
+        <a:cs typeface=""/>
+        <a:font script="Jpan" typeface="游ゴシック"/>
+        <a:font script="Hang" typeface="맑은 고딕"/>
+        <a:font script="Hans" typeface="等线"/>
+        <a:font script="Hant" typeface="新細明體"/>
+        <a:font script="Arab" typeface="Arial"/>
+        <a:font script="Hebr" typeface="Arial"/>
+        <a:font script="Thai" typeface="Cordia New"/>
+        <a:font script="Ethi" typeface="Nyala"/>
+        <a:font script="Beng" typeface="Vrinda"/>
+        <a:font script="Gujr" typeface="Shruti"/>
+        <a:font script="Khmr" typeface="DaunPenh"/>
+        <a:font script="Knda" typeface="Tunga"/>
+        <a:font script="Guru" typeface="Raavi"/>
+        <a:font script="Cans" typeface="Euphemia"/>
+        <a:font script="Cher" typeface="Plantagenet Cherokee"/>
+        <a:font script="Yiii" typeface="Microsoft Yi Baiti"/>
+        <a:font script="Tibt" typeface="Microsoft Himalaya"/>
+        <a:font script="Thaa" typeface="MV Boli"/>
+        <a:font script="Deva" typeface="Mangal"/>
+        <a:font script="Telu" typeface="Gautami"/>
+        <a:font script="Taml" typeface="Latha"/>
+        <a:font script="Syrc" typeface="Estrangelo Edessa"/>
+        <a:font script="Orya" typeface="Kalinga"/>
+        <a:font script="Mlym" typeface="Kartika"/>
+        <a:font script="Laoo" typeface="DokChampa"/>
+        <a:font script="Sinh" typeface="Iskoola Pota"/>
+        <a:font script="Mong" typeface="Mongolian Baiti"/>
+        <a:font script="Viet" typeface="Arial"/>
+        <a:font script="Uigh" typeface="Microsoft Uighur"/>
+        <a:font script="Geor" typeface="Sylfaen"/>
+        <a:font script="Armn" typeface="Arial"/>
+        <a:font script="Bugi" typeface="Leelawadee UI"/>
+        <a:font script="Bopo" typeface="Microsoft JhengHei"/>
+        <a:font script="Java" typeface="Javanese Text"/>
+        <a:font script="Lisu" typeface="Segoe UI"/>
+        <a:font script="Mymr" typeface="Myanmar Text"/>
+        <a:font script="Nkoo" typeface="Ebrima"/>
+        <a:font script="Olck" typeface="Nirmala UI"/>
+        <a:font script="Osma" typeface="Ebrima"/>
+        <a:font script="Phag" typeface="Phagspa"/>
+        <a:font script="Syrn" typeface="Estrangelo Edessa"/>
+        <a:font script="Syrj" typeface="Estrangelo Edessa"/>
+        <a:font script="Syre" typeface="Estrangelo Edessa"/>
+        <a:font script="Sora" typeface="Nirmala UI"/>
+        <a:font script="Tale" typeface="Microsoft Tai Le"/>
+        <a:font script="Talu" typeface="Microsoft New Tai Lue"/>
+        <a:font script="Tfng" typeface="Ebrima"/>
+      </a:minorFont>
+    </a:fontScheme>
+    <a:fmtScheme name="Office">
+      <a:fillStyleLst>
+        <a:solidFill>
+          <a:schemeClr val="phClr"/>
+        </a:solidFill>
+        <a:gradFill rotWithShape="1">
+          <a:gsLst>
+            <a:gs pos="0">
+              <a:schemeClr val="phClr">
+                <a:lumMod val="110000"/>
+                <a:satMod val="105000"/>
+                <a:tint val="67000"/>
+              </a:schemeClr>
+            </a:gs>
+            <a:gs pos="50000">
+              <a:schemeClr val="phClr">
+                <a:lumMod val="105000"/>
+                <a:satMod val="103000"/>
+                <a:tint val="73000"/>
+              </a:schemeClr>
+            </a:gs>
+            <a:gs pos="100000">
+              <a:schemeClr val="phClr">
+                <a:lumMod val="105000"/>
+                <a:satMod val="109000"/>
+                <a:tint val="81000"/>
+              </a:schemeClr>
+            </a:gs>
+          </a:gsLst>
+          <a:lin ang="5400000" scaled="0"/>
+        </a:gradFill>
+        <a:gradFill rotWithShape="1">
+          <a:gsLst>
+            <a:gs pos="0">
+              <a:schemeClr val="phClr">
+                <a:satMod val="103000"/>
+                <a:lumMod val="102000"/>
+                <a:tint val="94000"/>
+              </a:schemeClr>
+            </a:gs>
+            <a:gs pos="50000">
+              <a:schemeClr val="phClr">
+                <a:satMod val="110000"/>
+                <a:lumMod val="100000"/>
+                <a:shade val="100000"/>
+              </a:schemeClr>
+            </a:gs>
+            <a:gs pos="100000">
+              <a:schemeClr val="phClr">
+                <a:lumMod val="99000"/>
+                <a:satMod val="120000"/>
+                <a:shade val="78000"/>
+              </a:schemeClr>
+            </a:gs>
+          </a:gsLst>
+          <a:lin ang="5400000" scaled="0"/>
+        </a:gradFill>
+      </a:fillStyleLst>
+      <a:lnStyleLst>
+        <a:ln w="6350" cap="flat" cmpd="sng" algn="ctr">
+          <a:solidFill>
+            <a:schemeClr val="phClr"/>
+          </a:solidFill>
+          <a:prstDash val="solid"/>
+          <a:miter lim="800000"/>
+        </a:ln>
+        <a:ln w="12700" cap="flat" cmpd="sng" algn="ctr">
+          <a:solidFill>
+            <a:schemeClr val="phClr"/>
+          </a:solidFill>
+          <a:prstDash val="solid"/>
+          <a:miter lim="800000"/>
+        </a:ln>
+        <a:ln w="19050" cap="flat" cmpd="sng" algn="ctr">
+          <a:solidFill>
+            <a:schemeClr val="phClr"/>
+          </a:solidFill>
+          <a:prstDash val="solid"/>
+          <a:miter lim="800000"/>
+        </a:ln>
+      </a:lnStyleLst>
+      <a:effectStyleLst>
+        <a:effectStyle>
+          <a:effectLst/>
+        </a:effectStyle>
+        <a:effectStyle>
+          <a:effectLst/>
+        </a:effectStyle>
+        <a:effectStyle>
+          <a:effectLst>
+            <a:outerShdw blurRad="57150" dist="19050" dir="5400000" algn="ctr" rotWithShape="0">
+              <a:srgbClr val="000000">
+                <a:alpha val="63000"/>
+              </a:srgbClr>
+            </a:outerShdw>
+          </a:effectLst>
+        </a:effectStyle>
+      </a:effectStyleLst>
+      <a:bgFillStyleLst>
+        <a:solidFill>
+          <a:schemeClr val="phClr"/>
+        </a:solidFill>
+        <a:solidFill>
+          <a:schemeClr val="phClr">
+            <a:tint val="95000"/>
+            <a:satMod val="170000"/>
+          </a:schemeClr>
+        </a:solidFill>
+        <a:gradFill rotWithShape="1">
+          <a:gsLst>
+            <a:gs pos="0">
+              <a:schemeClr val="phClr">
+                <a:tint val="93000"/>
+                <a:satMod val="150000"/>
+                <a:shade val="98000"/>
+                <a:lumMod val="102000"/>
+              </a:schemeClr>
+            </a:gs>
+            <a:gs pos="50000">
+              <a:schemeClr val="phClr">
+                <a:tint val="98000"/>
+                <a:satMod val="130000"/>
+                <a:shade val="90000"/>
+                <a:lumMod val="103000"/>
+              </a:schemeClr>
+            </a:gs>
+            <a:gs pos="100000">
+              <a:schemeClr val="phClr">
+                <a:shade val="63000"/>
+                <a:satMod val="120000"/>
+              </a:schemeClr>
+            </a:gs>
+          </a:gsLst>
+          <a:lin ang="5400000" scaled="0"/>
+        </a:gradFill>
+      </a:bgFillStyleLst>
+    </a:fmtScheme>
+  </a:themeElements>
+  <a:objectDefaults/>
+  <a:extraClrSchemeLst/>
+  <a:extLst>
+    <a:ext uri="{05A4C25C-085E-4340-85A3-A5531E510DB2}">
+      <thm15:themeFamily xmlns:thm15="http://schemas.microsoft.com/office/thememl/2012/main" name="Office Theme" id="{62F939B6-93AF-4DB8-9C6B-D6C7DFDC589F}" vid="{4A3C46E8-61CC-4603-A589-7422A47A8E4A}"/>
+    </a:ext>
+  </a:extLst>
+</a:theme>
 </file>
--- a/Bourbon_Presentation.pptx
+++ b/Bourbon_Presentation.pptx
@@ -1500,7 +1500,6 @@
                       <a:rPr lang="en-US"/>
                       <a:t>40%</a:t>
                     </a:r>
-                    <a:endParaRPr lang="en-US"/>
                   </a:p>
                 </c:rich>
               </c:tx>
@@ -1532,7 +1531,7 @@
               <a:lstStyle/>
               <a:p>
                 <a:pPr>
-                  <a:defRPr sz="4000" b="1" i="0" u="none" strike="noStrike" kern="1200" baseline="0">
+                  <a:defRPr sz="4400" b="0" i="0" u="none" strike="noStrike" kern="1200" baseline="0">
                     <a:solidFill>
                       <a:schemeClr val="bg1"/>
                     </a:solidFill>
@@ -1615,14 +1614,8 @@
   </c:chart>
   <c:spPr>
     <a:noFill/>
-    <a:ln w="9525" cap="flat" cmpd="sng" algn="ctr">
-      <a:solidFill>
-        <a:schemeClr val="tx1">
-          <a:lumMod val="15000"/>
-          <a:lumOff val="85000"/>
-        </a:schemeClr>
-      </a:solidFill>
-      <a:round/>
+    <a:ln>
+      <a:noFill/>
     </a:ln>
     <a:effectLst/>
   </c:spPr>
@@ -5355,7 +5348,7 @@
         <a:lumOff val="35000"/>
       </a:schemeClr>
     </cs:fontRef>
-    <cs:defRPr sz="1000" kern="1200"/>
+    <cs:defRPr sz="1330" kern="1200"/>
   </cs:axisTitle>
   <cs:categoryAxis>
     <cs:lnRef idx="0"/>
@@ -5378,7 +5371,7 @@
         <a:round/>
       </a:ln>
     </cs:spPr>
-    <cs:defRPr sz="900" kern="1200"/>
+    <cs:defRPr sz="1197" kern="1200"/>
   </cs:categoryAxis>
   <cs:chartArea mods="allowNoFillOverride allowNoLineOverride">
     <cs:lnRef idx="0"/>
@@ -5401,7 +5394,7 @@
         <a:round/>
       </a:ln>
     </cs:spPr>
-    <cs:defRPr sz="900" kern="1200"/>
+    <cs:defRPr sz="1197" kern="1200"/>
   </cs:chartArea>
   <cs:dataLabel>
     <cs:lnRef idx="0"/>
@@ -5413,7 +5406,7 @@
         <a:lumOff val="25000"/>
       </a:schemeClr>
     </cs:fontRef>
-    <cs:defRPr sz="900" kern="1200"/>
+    <cs:defRPr sz="1197" kern="1200"/>
   </cs:dataLabel>
   <cs:dataLabelCallout>
     <cs:lnRef idx="0"/>
@@ -5438,7 +5431,7 @@
         </a:solidFill>
       </a:ln>
     </cs:spPr>
-    <cs:defRPr sz="900" kern="1200"/>
+    <cs:defRPr sz="1197" kern="1200"/>
     <cs:bodyPr rot="0" spcFirstLastPara="1" vertOverflow="clip" horzOverflow="clip" vert="horz" wrap="square" lIns="36576" tIns="18288" rIns="36576" bIns="18288" anchor="ctr" anchorCtr="1">
       <a:spAutoFit/>
     </cs:bodyPr>
@@ -5555,7 +5548,7 @@
         <a:round/>
       </a:ln>
     </cs:spPr>
-    <cs:defRPr sz="900" kern="1200"/>
+    <cs:defRPr sz="1197" kern="1200"/>
   </cs:dataTable>
   <cs:downBar>
     <cs:lnRef idx="0"/>
@@ -5720,7 +5713,7 @@
         <a:lumOff val="35000"/>
       </a:schemeClr>
     </cs:fontRef>
-    <cs:defRPr sz="900" kern="1200"/>
+    <cs:defRPr sz="1197" kern="1200"/>
   </cs:legend>
   <cs:plotArea mods="allowNoFillOverride allowNoLineOverride">
     <cs:lnRef idx="0"/>
@@ -5748,7 +5741,7 @@
         <a:lumOff val="35000"/>
       </a:schemeClr>
     </cs:fontRef>
-    <cs:defRPr sz="900" kern="1200"/>
+    <cs:defRPr sz="1197" kern="1200"/>
   </cs:seriesAxis>
   <cs:seriesLine>
     <cs:lnRef idx="0"/>
@@ -5779,7 +5772,7 @@
         <a:lumOff val="35000"/>
       </a:schemeClr>
     </cs:fontRef>
-    <cs:defRPr sz="1400" b="0" kern="1200" spc="0" baseline="0"/>
+    <cs:defRPr sz="1862" b="0" kern="1200" spc="0" baseline="0"/>
   </cs:title>
   <cs:trendline>
     <cs:lnRef idx="0">
@@ -5809,7 +5802,7 @@
         <a:lumOff val="35000"/>
       </a:schemeClr>
     </cs:fontRef>
-    <cs:defRPr sz="900" kern="1200"/>
+    <cs:defRPr sz="1197" kern="1200"/>
   </cs:trendlineLabel>
   <cs:upBar>
     <cs:lnRef idx="0"/>
@@ -5843,7 +5836,7 @@
         <a:lumOff val="35000"/>
       </a:schemeClr>
     </cs:fontRef>
-    <cs:defRPr sz="900" kern="1200"/>
+    <cs:defRPr sz="1197" kern="1200"/>
   </cs:valueAxis>
   <cs:wall>
     <cs:lnRef idx="0"/>
@@ -6541,7 +6534,6 @@
               <a:rPr lang="en-US"/>
               <a:t>Fifth level</a:t>
             </a:r>
-            <a:endParaRPr lang="en-US"/>
           </a:p>
         </p:txBody>
       </p:sp>
@@ -7162,7 +7154,7 @@
           <a:p>
             <a:fld id="{97C21320-6290-474E-B798-847780D76459}" type="datetimeFigureOut">
               <a:rPr lang="en-US" smtClean="0"/>
-              <a:t>29-Feb-16</a:t>
+              <a:t>01-Mar-16</a:t>
             </a:fld>
             <a:endParaRPr lang="en-US"/>
           </a:p>
@@ -7390,7 +7382,7 @@
           <a:p>
             <a:fld id="{97C21320-6290-474E-B798-847780D76459}" type="datetimeFigureOut">
               <a:rPr lang="en-US" smtClean="0"/>
-              <a:t>29-Feb-16</a:t>
+              <a:t>01-Mar-16</a:t>
             </a:fld>
             <a:endParaRPr lang="en-US"/>
           </a:p>
@@ -7570,7 +7562,7 @@
           <a:p>
             <a:fld id="{97C21320-6290-474E-B798-847780D76459}" type="datetimeFigureOut">
               <a:rPr lang="en-US" smtClean="0"/>
-              <a:t>29-Feb-16</a:t>
+              <a:t>01-Mar-16</a:t>
             </a:fld>
             <a:endParaRPr lang="en-US"/>
           </a:p>
@@ -7740,7 +7732,7 @@
           <a:p>
             <a:fld id="{97C21320-6290-474E-B798-847780D76459}" type="datetimeFigureOut">
               <a:rPr lang="en-US" smtClean="0"/>
-              <a:t>29-Feb-16</a:t>
+              <a:t>01-Mar-16</a:t>
             </a:fld>
             <a:endParaRPr lang="en-US"/>
           </a:p>
@@ -7994,7 +7986,7 @@
           <a:p>
             <a:fld id="{97C21320-6290-474E-B798-847780D76459}" type="datetimeFigureOut">
               <a:rPr lang="en-US" smtClean="0"/>
-              <a:t>29-Feb-16</a:t>
+              <a:t>01-Mar-16</a:t>
             </a:fld>
             <a:endParaRPr lang="en-US"/>
           </a:p>
@@ -8320,7 +8312,7 @@
           <a:p>
             <a:fld id="{97C21320-6290-474E-B798-847780D76459}" type="datetimeFigureOut">
               <a:rPr lang="en-US" smtClean="0"/>
-              <a:t>29-Feb-16</a:t>
+              <a:t>01-Mar-16</a:t>
             </a:fld>
             <a:endParaRPr lang="en-US"/>
           </a:p>
@@ -8771,7 +8763,7 @@
           <a:p>
             <a:fld id="{97C21320-6290-474E-B798-847780D76459}" type="datetimeFigureOut">
               <a:rPr lang="en-US" smtClean="0"/>
-              <a:t>29-Feb-16</a:t>
+              <a:t>01-Mar-16</a:t>
             </a:fld>
             <a:endParaRPr lang="en-US"/>
           </a:p>
@@ -8889,7 +8881,7 @@
           <a:p>
             <a:fld id="{97C21320-6290-474E-B798-847780D76459}" type="datetimeFigureOut">
               <a:rPr lang="en-US" smtClean="0"/>
-              <a:t>29-Feb-16</a:t>
+              <a:t>01-Mar-16</a:t>
             </a:fld>
             <a:endParaRPr lang="en-US"/>
           </a:p>
@@ -8984,7 +8976,7 @@
           <a:p>
             <a:fld id="{97C21320-6290-474E-B798-847780D76459}" type="datetimeFigureOut">
               <a:rPr lang="en-US" smtClean="0"/>
-              <a:t>29-Feb-16</a:t>
+              <a:t>01-Mar-16</a:t>
             </a:fld>
             <a:endParaRPr lang="en-US"/>
           </a:p>
@@ -9271,7 +9263,7 @@
           <a:p>
             <a:fld id="{97C21320-6290-474E-B798-847780D76459}" type="datetimeFigureOut">
               <a:rPr lang="en-US" smtClean="0"/>
-              <a:t>29-Feb-16</a:t>
+              <a:t>01-Mar-16</a:t>
             </a:fld>
             <a:endParaRPr lang="en-US"/>
           </a:p>
@@ -9593,7 +9585,7 @@
           <a:p>
             <a:fld id="{97C21320-6290-474E-B798-847780D76459}" type="datetimeFigureOut">
               <a:rPr lang="en-US" smtClean="0"/>
-              <a:t>29-Feb-16</a:t>
+              <a:t>01-Mar-16</a:t>
             </a:fld>
             <a:endParaRPr lang="en-US"/>
           </a:p>
@@ -9847,7 +9839,7 @@
           <a:p>
             <a:fld id="{97C21320-6290-474E-B798-847780D76459}" type="datetimeFigureOut">
               <a:rPr lang="en-US" smtClean="0"/>
-              <a:t>29-Feb-16</a:t>
+              <a:t>01-Mar-16</a:t>
             </a:fld>
             <a:endParaRPr lang="en-US"/>
           </a:p>
@@ -10586,7 +10578,7 @@
           <p:nvPr>
             <p:extLst>
               <p:ext uri="{D42A27DB-BD31-4B8C-83A1-F6EECF244321}">
-                <p14:modId xmlns:p14="http://schemas.microsoft.com/office/powerpoint/2010/main" val="2858080791"/>
+                <p14:modId xmlns:p14="http://schemas.microsoft.com/office/powerpoint/2010/main" val="1229753343"/>
               </p:ext>
             </p:extLst>
           </p:nvPr>
